--- a/PROJECT-2/NIHAAL/PPT/AS-GPS & EMBS_PPT.pptx
+++ b/PROJECT-2/NIHAAL/PPT/AS-GPS & EMBS_PPT.pptx
@@ -7,29 +7,31 @@
   <p:sldIdLst>
     <p:sldId id="259" r:id="rId2"/>
     <p:sldId id="258" r:id="rId3"/>
-    <p:sldId id="282" r:id="rId4"/>
-    <p:sldId id="281" r:id="rId5"/>
-    <p:sldId id="260" r:id="rId6"/>
-    <p:sldId id="261" r:id="rId7"/>
-    <p:sldId id="262" r:id="rId8"/>
-    <p:sldId id="263" r:id="rId9"/>
-    <p:sldId id="264" r:id="rId10"/>
-    <p:sldId id="265" r:id="rId11"/>
-    <p:sldId id="266" r:id="rId12"/>
-    <p:sldId id="267" r:id="rId13"/>
-    <p:sldId id="268" r:id="rId14"/>
-    <p:sldId id="269" r:id="rId15"/>
-    <p:sldId id="271" r:id="rId16"/>
-    <p:sldId id="272" r:id="rId17"/>
-    <p:sldId id="273" r:id="rId18"/>
-    <p:sldId id="274" r:id="rId19"/>
-    <p:sldId id="275" r:id="rId20"/>
-    <p:sldId id="276" r:id="rId21"/>
-    <p:sldId id="277" r:id="rId22"/>
-    <p:sldId id="278" r:id="rId23"/>
-    <p:sldId id="279" r:id="rId24"/>
-    <p:sldId id="280" r:id="rId25"/>
-    <p:sldId id="257" r:id="rId26"/>
+    <p:sldId id="257" r:id="rId4"/>
+    <p:sldId id="282" r:id="rId5"/>
+    <p:sldId id="283" r:id="rId6"/>
+    <p:sldId id="284" r:id="rId7"/>
+    <p:sldId id="281" r:id="rId8"/>
+    <p:sldId id="260" r:id="rId9"/>
+    <p:sldId id="261" r:id="rId10"/>
+    <p:sldId id="262" r:id="rId11"/>
+    <p:sldId id="263" r:id="rId12"/>
+    <p:sldId id="264" r:id="rId13"/>
+    <p:sldId id="265" r:id="rId14"/>
+    <p:sldId id="266" r:id="rId15"/>
+    <p:sldId id="267" r:id="rId16"/>
+    <p:sldId id="268" r:id="rId17"/>
+    <p:sldId id="269" r:id="rId18"/>
+    <p:sldId id="271" r:id="rId19"/>
+    <p:sldId id="272" r:id="rId20"/>
+    <p:sldId id="273" r:id="rId21"/>
+    <p:sldId id="274" r:id="rId22"/>
+    <p:sldId id="275" r:id="rId23"/>
+    <p:sldId id="276" r:id="rId24"/>
+    <p:sldId id="277" r:id="rId25"/>
+    <p:sldId id="278" r:id="rId26"/>
+    <p:sldId id="279" r:id="rId27"/>
+    <p:sldId id="280" r:id="rId28"/>
   </p:sldIdLst>
   <p:sldSz cx="9144000" cy="6858000" type="screen4x3"/>
   <p:notesSz cx="6858000" cy="9144000"/>
@@ -313,7 +315,7 @@
             <a:fld id="{1D8BD707-D9CF-40AE-B4C6-C98DA3205C09}" type="datetimeFigureOut">
               <a:rPr lang="en-US" smtClean="0"/>
               <a:pPr/>
-              <a:t>2/18/2021</a:t>
+              <a:t>4/30/2021</a:t>
             </a:fld>
             <a:endParaRPr lang="en-US"/>
           </a:p>
@@ -480,7 +482,7 @@
             <a:fld id="{1D8BD707-D9CF-40AE-B4C6-C98DA3205C09}" type="datetimeFigureOut">
               <a:rPr lang="en-US" smtClean="0"/>
               <a:pPr/>
-              <a:t>2/18/2021</a:t>
+              <a:t>4/30/2021</a:t>
             </a:fld>
             <a:endParaRPr lang="en-US"/>
           </a:p>
@@ -657,7 +659,7 @@
             <a:fld id="{1D8BD707-D9CF-40AE-B4C6-C98DA3205C09}" type="datetimeFigureOut">
               <a:rPr lang="en-US" smtClean="0"/>
               <a:pPr/>
-              <a:t>2/18/2021</a:t>
+              <a:t>4/30/2021</a:t>
             </a:fld>
             <a:endParaRPr lang="en-US"/>
           </a:p>
@@ -824,7 +826,7 @@
             <a:fld id="{1D8BD707-D9CF-40AE-B4C6-C98DA3205C09}" type="datetimeFigureOut">
               <a:rPr lang="en-US" smtClean="0"/>
               <a:pPr/>
-              <a:t>2/18/2021</a:t>
+              <a:t>4/30/2021</a:t>
             </a:fld>
             <a:endParaRPr lang="en-US"/>
           </a:p>
@@ -1067,7 +1069,7 @@
             <a:fld id="{1D8BD707-D9CF-40AE-B4C6-C98DA3205C09}" type="datetimeFigureOut">
               <a:rPr lang="en-US" smtClean="0"/>
               <a:pPr/>
-              <a:t>2/18/2021</a:t>
+              <a:t>4/30/2021</a:t>
             </a:fld>
             <a:endParaRPr lang="en-US"/>
           </a:p>
@@ -1352,7 +1354,7 @@
             <a:fld id="{1D8BD707-D9CF-40AE-B4C6-C98DA3205C09}" type="datetimeFigureOut">
               <a:rPr lang="en-US" smtClean="0"/>
               <a:pPr/>
-              <a:t>2/18/2021</a:t>
+              <a:t>4/30/2021</a:t>
             </a:fld>
             <a:endParaRPr lang="en-US"/>
           </a:p>
@@ -1771,7 +1773,7 @@
             <a:fld id="{1D8BD707-D9CF-40AE-B4C6-C98DA3205C09}" type="datetimeFigureOut">
               <a:rPr lang="en-US" smtClean="0"/>
               <a:pPr/>
-              <a:t>2/18/2021</a:t>
+              <a:t>4/30/2021</a:t>
             </a:fld>
             <a:endParaRPr lang="en-US"/>
           </a:p>
@@ -1886,7 +1888,7 @@
             <a:fld id="{1D8BD707-D9CF-40AE-B4C6-C98DA3205C09}" type="datetimeFigureOut">
               <a:rPr lang="en-US" smtClean="0"/>
               <a:pPr/>
-              <a:t>2/18/2021</a:t>
+              <a:t>4/30/2021</a:t>
             </a:fld>
             <a:endParaRPr lang="en-US"/>
           </a:p>
@@ -1978,7 +1980,7 @@
             <a:fld id="{1D8BD707-D9CF-40AE-B4C6-C98DA3205C09}" type="datetimeFigureOut">
               <a:rPr lang="en-US" smtClean="0"/>
               <a:pPr/>
-              <a:t>2/18/2021</a:t>
+              <a:t>4/30/2021</a:t>
             </a:fld>
             <a:endParaRPr lang="en-US"/>
           </a:p>
@@ -2252,7 +2254,7 @@
             <a:fld id="{1D8BD707-D9CF-40AE-B4C6-C98DA3205C09}" type="datetimeFigureOut">
               <a:rPr lang="en-US" smtClean="0"/>
               <a:pPr/>
-              <a:t>2/18/2021</a:t>
+              <a:t>4/30/2021</a:t>
             </a:fld>
             <a:endParaRPr lang="en-US"/>
           </a:p>
@@ -2502,7 +2504,7 @@
             <a:fld id="{1D8BD707-D9CF-40AE-B4C6-C98DA3205C09}" type="datetimeFigureOut">
               <a:rPr lang="en-US" smtClean="0"/>
               <a:pPr/>
-              <a:t>2/18/2021</a:t>
+              <a:t>4/30/2021</a:t>
             </a:fld>
             <a:endParaRPr lang="en-US"/>
           </a:p>
@@ -2712,7 +2714,7 @@
             <a:fld id="{1D8BD707-D9CF-40AE-B4C6-C98DA3205C09}" type="datetimeFigureOut">
               <a:rPr lang="en-US" smtClean="0"/>
               <a:pPr/>
-              <a:t>2/18/2021</a:t>
+              <a:t>4/30/2021</a:t>
             </a:fld>
             <a:endParaRPr lang="en-US"/>
           </a:p>
@@ -3208,7 +3210,7 @@
                 </a:solidFill>
                 <a:latin typeface="Russo One" pitchFamily="2" charset="0"/>
               </a:rPr>
-              <a:t>TYPE OF TRACKING SYSTEM :</a:t>
+              <a:t>HISTORY OF ELECTROMAGNETIC BRAKE SYSTEM :</a:t>
             </a:r>
             <a:endParaRPr lang="en-US" sz="2100" dirty="0">
               <a:solidFill>
@@ -3234,8 +3236,8 @@
         </p:nvSpPr>
         <p:spPr>
           <a:xfrm>
-            <a:off x="457200" y="1066800"/>
-            <a:ext cx="8229600" cy="4114800"/>
+            <a:off x="457200" y="838200"/>
+            <a:ext cx="8229600" cy="5791200"/>
           </a:xfrm>
         </p:spPr>
         <p:txBody>
@@ -3244,22 +3246,14 @@
           </a:bodyPr>
           <a:lstStyle/>
           <a:p>
-            <a:pPr algn="just">
-              <a:lnSpc>
-                <a:spcPct val="115000"/>
-              </a:lnSpc>
-              <a:spcAft>
-                <a:spcPts val="1000"/>
-              </a:spcAft>
-              <a:buNone/>
-            </a:pPr>
+            <a:pPr algn="just"/>
             <a:r>
               <a:rPr lang="en-US" sz="2100" dirty="0" smtClean="0">
                 <a:latin typeface="Calibri" panose="020F0502020204030204" pitchFamily="34" charset="0"/>
                 <a:ea typeface="Calibri" panose="020F0502020204030204" pitchFamily="34" charset="0"/>
                 <a:cs typeface="Times New Roman" panose="02020603050405020304" pitchFamily="18" charset="0"/>
               </a:rPr>
-              <a:t>There are three main types of </a:t>
+              <a:t>It is found that electromagnetic brakes can develop a </a:t>
             </a:r>
             <a:r>
               <a:rPr lang="en-US" sz="2100" b="1" dirty="0" smtClean="0">
@@ -3267,7 +3261,7 @@
                 <a:ea typeface="Calibri" panose="020F0502020204030204" pitchFamily="34" charset="0"/>
                 <a:cs typeface="Times New Roman" panose="02020603050405020304" pitchFamily="18" charset="0"/>
               </a:rPr>
-              <a:t>GPS vehicle tracking </a:t>
+              <a:t>negative power</a:t>
             </a:r>
             <a:r>
               <a:rPr lang="en-US" sz="2100" dirty="0" smtClean="0">
@@ -3275,7 +3269,15 @@
                 <a:ea typeface="Calibri" panose="020F0502020204030204" pitchFamily="34" charset="0"/>
                 <a:cs typeface="Times New Roman" panose="02020603050405020304" pitchFamily="18" charset="0"/>
               </a:rPr>
-              <a:t>that are widely used. There are</a:t>
+              <a:t> which represents nearly </a:t>
+            </a:r>
+            <a:r>
+              <a:rPr lang="en-US" sz="2100" b="1" dirty="0" smtClean="0">
+                <a:latin typeface="Calibri" panose="020F0502020204030204" pitchFamily="34" charset="0"/>
+                <a:ea typeface="Calibri" panose="020F0502020204030204" pitchFamily="34" charset="0"/>
+                <a:cs typeface="Times New Roman" panose="02020603050405020304" pitchFamily="18" charset="0"/>
+              </a:rPr>
+              <a:t>twice the maximum power output </a:t>
             </a:r>
             <a:r>
               <a:rPr lang="en-US" sz="2100" dirty="0" smtClean="0">
@@ -3283,40 +3285,29 @@
                 <a:ea typeface="Calibri" panose="020F0502020204030204" pitchFamily="34" charset="0"/>
                 <a:cs typeface="Times New Roman" panose="02020603050405020304" pitchFamily="18" charset="0"/>
               </a:rPr>
-              <a:t>:</a:t>
-            </a:r>
-          </a:p>
-          <a:p>
-            <a:pPr algn="just">
-              <a:lnSpc>
-                <a:spcPct val="115000"/>
-              </a:lnSpc>
-              <a:spcAft>
-                <a:spcPts val="1000"/>
-              </a:spcAft>
-              <a:buNone/>
-            </a:pPr>
-            <a:endParaRPr lang="en-IN" sz="2100" dirty="0" smtClean="0">
-              <a:latin typeface="Calibri" panose="020F0502020204030204" pitchFamily="34" charset="0"/>
-              <a:ea typeface="Calibri" panose="020F0502020204030204" pitchFamily="34" charset="0"/>
-              <a:cs typeface="Times New Roman" panose="02020603050405020304" pitchFamily="18" charset="0"/>
-            </a:endParaRPr>
-          </a:p>
-          <a:p>
-            <a:pPr lvl="0" algn="just">
-              <a:lnSpc>
-                <a:spcPct val="115000"/>
-              </a:lnSpc>
-              <a:buFont typeface="Symbol" panose="05050102010706020507" pitchFamily="18" charset="2"/>
-              <a:buChar char=""/>
-            </a:pPr>
+              <a:t>of a typical engine, and at least three times the braking power of an exhaust brake.</a:t>
+            </a:r>
+          </a:p>
+          <a:p>
+            <a:pPr algn="just"/>
             <a:r>
               <a:rPr lang="en-US" sz="2100" dirty="0" smtClean="0">
                 <a:latin typeface="Calibri" panose="020F0502020204030204" pitchFamily="34" charset="0"/>
                 <a:ea typeface="Calibri" panose="020F0502020204030204" pitchFamily="34" charset="0"/>
                 <a:cs typeface="Times New Roman" panose="02020603050405020304" pitchFamily="18" charset="0"/>
               </a:rPr>
-              <a:t>Assisted Global Positioning System </a:t>
+              <a:t>The brake linings would last considerably longer before requiring maintenance and the potentially brake fade problem could be avoided. In research conducted by a truck manufacturer, it was proved that the electromagnetic brake assumed 80% of the duty which would otherwise have been demanded of the regular service brake.</a:t>
+            </a:r>
+          </a:p>
+          <a:p>
+            <a:pPr algn="just"/>
+            <a:r>
+              <a:rPr lang="en-US" sz="2100" dirty="0" smtClean="0">
+                <a:latin typeface="Calibri" panose="020F0502020204030204" pitchFamily="34" charset="0"/>
+                <a:ea typeface="Calibri" panose="020F0502020204030204" pitchFamily="34" charset="0"/>
+                <a:cs typeface="Times New Roman" panose="02020603050405020304" pitchFamily="18" charset="0"/>
+              </a:rPr>
+              <a:t>It relay on the efficiency of engine components for its use, so do exhaust and hydrokinetic brakes. The exhaust brake is an on/off device and </a:t>
             </a:r>
             <a:r>
               <a:rPr lang="en-US" sz="2100" b="1" dirty="0" smtClean="0">
@@ -3324,7 +3315,37 @@
                 <a:ea typeface="Calibri" panose="020F0502020204030204" pitchFamily="34" charset="0"/>
                 <a:cs typeface="Times New Roman" panose="02020603050405020304" pitchFamily="18" charset="0"/>
               </a:rPr>
-              <a:t>(AGPS</a:t>
+              <a:t>hydrokinetic brakes </a:t>
+            </a:r>
+            <a:r>
+              <a:rPr lang="en-US" sz="2100" dirty="0" smtClean="0">
+                <a:latin typeface="Calibri" panose="020F0502020204030204" pitchFamily="34" charset="0"/>
+                <a:ea typeface="Calibri" panose="020F0502020204030204" pitchFamily="34" charset="0"/>
+                <a:cs typeface="Times New Roman" panose="02020603050405020304" pitchFamily="18" charset="0"/>
+              </a:rPr>
+              <a:t>have very complex control system.</a:t>
+            </a:r>
+          </a:p>
+          <a:p>
+            <a:pPr algn="just"/>
+            <a:r>
+              <a:rPr lang="en-US" sz="2100" dirty="0" smtClean="0">
+                <a:latin typeface="Calibri" panose="020F0502020204030204" pitchFamily="34" charset="0"/>
+                <a:ea typeface="Calibri" panose="020F0502020204030204" pitchFamily="34" charset="0"/>
+                <a:cs typeface="Times New Roman" panose="02020603050405020304" pitchFamily="18" charset="0"/>
+              </a:rPr>
+              <a:t>The electromagnetic brake control system is an electric switching system which gives it superior controllability.</a:t>
+            </a:r>
+          </a:p>
+          <a:p>
+            <a:pPr algn="just"/>
+            <a:r>
+              <a:rPr lang="en-US" sz="2100" dirty="0" smtClean="0">
+                <a:latin typeface="Calibri" panose="020F0502020204030204" pitchFamily="34" charset="0"/>
+                <a:ea typeface="Calibri" panose="020F0502020204030204" pitchFamily="34" charset="0"/>
+                <a:cs typeface="Times New Roman" panose="02020603050405020304" pitchFamily="18" charset="0"/>
+              </a:rPr>
+              <a:t>The installation of an electromagnetic brake is not very difficult if there is enough space between the </a:t>
             </a:r>
             <a:r>
               <a:rPr lang="en-US" sz="2100" b="1" dirty="0" smtClean="0">
@@ -3332,38 +3353,15 @@
                 <a:ea typeface="Calibri" panose="020F0502020204030204" pitchFamily="34" charset="0"/>
                 <a:cs typeface="Times New Roman" panose="02020603050405020304" pitchFamily="18" charset="0"/>
               </a:rPr>
-              <a:t>)</a:t>
-            </a:r>
-          </a:p>
-          <a:p>
-            <a:pPr lvl="0" algn="just">
-              <a:lnSpc>
-                <a:spcPct val="115000"/>
-              </a:lnSpc>
-              <a:buFont typeface="Symbol" panose="05050102010706020507" pitchFamily="18" charset="2"/>
-              <a:buChar char=""/>
-            </a:pPr>
-            <a:endParaRPr lang="en-IN" sz="2100" b="1" dirty="0" smtClean="0">
-              <a:latin typeface="Calibri" panose="020F0502020204030204" pitchFamily="34" charset="0"/>
-              <a:ea typeface="Calibri" panose="020F0502020204030204" pitchFamily="34" charset="0"/>
-              <a:cs typeface="Times New Roman" panose="02020603050405020304" pitchFamily="18" charset="0"/>
-            </a:endParaRPr>
-          </a:p>
-          <a:p>
-            <a:pPr lvl="0" algn="just">
-              <a:lnSpc>
-                <a:spcPct val="115000"/>
-              </a:lnSpc>
-              <a:buFont typeface="Symbol" panose="05050102010706020507" pitchFamily="18" charset="2"/>
-              <a:buChar char=""/>
-            </a:pPr>
+              <a:t>gearbox</a:t>
+            </a:r>
             <a:r>
               <a:rPr lang="en-US" sz="2100" dirty="0" smtClean="0">
                 <a:latin typeface="Calibri" panose="020F0502020204030204" pitchFamily="34" charset="0"/>
                 <a:ea typeface="Calibri" panose="020F0502020204030204" pitchFamily="34" charset="0"/>
                 <a:cs typeface="Times New Roman" panose="02020603050405020304" pitchFamily="18" charset="0"/>
               </a:rPr>
-              <a:t>Automatic Vehicle Location </a:t>
+              <a:t> and the </a:t>
             </a:r>
             <a:r>
               <a:rPr lang="en-US" sz="2100" b="1" dirty="0" smtClean="0">
@@ -3371,65 +3369,16 @@
                 <a:ea typeface="Calibri" panose="020F0502020204030204" pitchFamily="34" charset="0"/>
                 <a:cs typeface="Times New Roman" panose="02020603050405020304" pitchFamily="18" charset="0"/>
               </a:rPr>
-              <a:t>(AVL) system </a:t>
-            </a:r>
-            <a:endParaRPr lang="en-US" sz="2100" b="1" dirty="0" smtClean="0">
-              <a:latin typeface="Calibri" panose="020F0502020204030204" pitchFamily="34" charset="0"/>
-              <a:ea typeface="Calibri" panose="020F0502020204030204" pitchFamily="34" charset="0"/>
-              <a:cs typeface="Times New Roman" panose="02020603050405020304" pitchFamily="18" charset="0"/>
-            </a:endParaRPr>
-          </a:p>
-          <a:p>
-            <a:pPr lvl="0" algn="just">
-              <a:lnSpc>
-                <a:spcPct val="115000"/>
-              </a:lnSpc>
-              <a:buFont typeface="Symbol" panose="05050102010706020507" pitchFamily="18" charset="2"/>
-              <a:buChar char=""/>
-            </a:pPr>
-            <a:endParaRPr lang="en-IN" sz="2100" b="1" dirty="0" smtClean="0">
-              <a:latin typeface="Calibri" panose="020F0502020204030204" pitchFamily="34" charset="0"/>
-              <a:ea typeface="Calibri" panose="020F0502020204030204" pitchFamily="34" charset="0"/>
-              <a:cs typeface="Times New Roman" panose="02020603050405020304" pitchFamily="18" charset="0"/>
-            </a:endParaRPr>
-          </a:p>
-          <a:p>
-            <a:pPr lvl="0" algn="just">
-              <a:lnSpc>
-                <a:spcPct val="115000"/>
-              </a:lnSpc>
-              <a:spcAft>
-                <a:spcPts val="1000"/>
-              </a:spcAft>
-              <a:buFont typeface="Symbol" panose="05050102010706020507" pitchFamily="18" charset="2"/>
-              <a:buChar char=""/>
-            </a:pPr>
+              <a:t>rear axle</a:t>
+            </a:r>
             <a:r>
               <a:rPr lang="en-US" sz="2100" dirty="0" smtClean="0">
                 <a:latin typeface="Calibri" panose="020F0502020204030204" pitchFamily="34" charset="0"/>
                 <a:ea typeface="Calibri" panose="020F0502020204030204" pitchFamily="34" charset="0"/>
                 <a:cs typeface="Times New Roman" panose="02020603050405020304" pitchFamily="18" charset="0"/>
               </a:rPr>
-              <a:t>Radio Frequency Identification </a:t>
-            </a:r>
-            <a:r>
-              <a:rPr lang="en-US" sz="2100" b="1" dirty="0" smtClean="0">
-                <a:latin typeface="Calibri" panose="020F0502020204030204" pitchFamily="34" charset="0"/>
-                <a:ea typeface="Calibri" panose="020F0502020204030204" pitchFamily="34" charset="0"/>
-                <a:cs typeface="Times New Roman" panose="02020603050405020304" pitchFamily="18" charset="0"/>
-              </a:rPr>
-              <a:t>(RFID)</a:t>
-            </a:r>
-            <a:endParaRPr lang="en-IN" sz="2100" b="1" dirty="0" smtClean="0">
-              <a:latin typeface="Calibri" panose="020F0502020204030204" pitchFamily="34" charset="0"/>
-              <a:ea typeface="Calibri" panose="020F0502020204030204" pitchFamily="34" charset="0"/>
-              <a:cs typeface="Times New Roman" panose="02020603050405020304" pitchFamily="18" charset="0"/>
-            </a:endParaRPr>
-          </a:p>
-          <a:p>
-            <a:pPr algn="just">
-              <a:buNone/>
-            </a:pPr>
+              <a:t>.</a:t>
+            </a:r>
             <a:endParaRPr lang="en-US" sz="2100" dirty="0" smtClean="0"/>
           </a:p>
         </p:txBody>
@@ -3533,7 +3482,7 @@
                 </a:solidFill>
                 <a:latin typeface="Russo One" pitchFamily="2" charset="0"/>
               </a:rPr>
-              <a:t>ASSISTED GLOBAL POSITION SYSTEM (AGPS) :</a:t>
+              <a:t>LITERATURE REVIEW OF ADVANCE SMART GPS SYSTEM :</a:t>
             </a:r>
             <a:endParaRPr lang="en-US" sz="2100" dirty="0">
               <a:solidFill>
@@ -3559,8 +3508,8 @@
         </p:nvSpPr>
         <p:spPr>
           <a:xfrm>
-            <a:off x="457200" y="1219200"/>
-            <a:ext cx="8229600" cy="4648200"/>
+            <a:off x="457200" y="838200"/>
+            <a:ext cx="8229600" cy="5867400"/>
           </a:xfrm>
         </p:spPr>
         <p:txBody>
@@ -3569,17 +3518,79 @@
           </a:bodyPr>
           <a:lstStyle/>
           <a:p>
-            <a:pPr algn="just">
-              <a:buFont typeface="Wingdings" pitchFamily="2" charset="2"/>
-              <a:buChar char="Ø"/>
-            </a:pPr>
+            <a:pPr algn="just"/>
+            <a:r>
+              <a:rPr lang="en-IN" sz="2100" dirty="0" smtClean="0"/>
+              <a:t>Nowadays GPS units are great tracking devices that help fleet managers stay in control of their business. The applications in today’s GPS units make it possible to take full control of any company.</a:t>
+            </a:r>
+          </a:p>
+          <a:p>
+            <a:pPr algn="just"/>
+            <a:endParaRPr lang="en-IN" sz="2100" dirty="0" smtClean="0"/>
+          </a:p>
+          <a:p>
+            <a:pPr algn="just"/>
+            <a:r>
+              <a:rPr lang="en-IN" sz="2100" dirty="0" smtClean="0"/>
+              <a:t>GPS based vehicle navigation system is implemented. This is done by fetching the information of the vehicle like </a:t>
+            </a:r>
+            <a:r>
+              <a:rPr lang="en-IN" sz="2100" b="1" i="1" dirty="0" smtClean="0"/>
+              <a:t>location</a:t>
+            </a:r>
+            <a:r>
+              <a:rPr lang="en-IN" sz="2100" dirty="0" smtClean="0"/>
+              <a:t>, </a:t>
+            </a:r>
+            <a:r>
+              <a:rPr lang="en-IN" sz="2100" b="1" i="1" dirty="0" smtClean="0"/>
+              <a:t>distance</a:t>
+            </a:r>
+            <a:r>
+              <a:rPr lang="en-IN" sz="2100" dirty="0" smtClean="0"/>
+              <a:t>, etc by using </a:t>
+            </a:r>
+            <a:r>
+              <a:rPr lang="en-IN" sz="2100" b="1" dirty="0" smtClean="0"/>
+              <a:t>GPS</a:t>
+            </a:r>
+            <a:r>
+              <a:rPr lang="en-IN" sz="2100" dirty="0" smtClean="0"/>
+              <a:t> and </a:t>
+            </a:r>
+            <a:r>
+              <a:rPr lang="en-IN" sz="2100" b="1" dirty="0" smtClean="0"/>
+              <a:t>GSM</a:t>
+            </a:r>
+            <a:r>
+              <a:rPr lang="en-IN" sz="2100" dirty="0" smtClean="0"/>
+              <a:t>.</a:t>
+            </a:r>
+          </a:p>
+          <a:p>
+            <a:pPr algn="just"/>
+            <a:endParaRPr lang="en-IN" sz="2100" dirty="0" smtClean="0"/>
+          </a:p>
+          <a:p>
+            <a:pPr algn="just"/>
+            <a:r>
+              <a:rPr lang="en-IN" sz="2100" dirty="0" smtClean="0"/>
+              <a:t>Then this periodic information of location is transmitted to monitoring or tracking server. This transmitted information is displayed on the display unit by using the DES Global Map to display the vehicle location in the electronic DES Global Map. </a:t>
+            </a:r>
+          </a:p>
+          <a:p>
+            <a:pPr algn="just"/>
+            <a:endParaRPr lang="en-IN" sz="2100" dirty="0" smtClean="0"/>
+          </a:p>
+          <a:p>
+            <a:pPr algn="just"/>
             <a:r>
               <a:rPr lang="en-US" sz="2100" dirty="0" smtClean="0">
                 <a:latin typeface="Calibri" panose="020F0502020204030204" pitchFamily="34" charset="0"/>
                 <a:ea typeface="Calibri" panose="020F0502020204030204" pitchFamily="34" charset="0"/>
                 <a:cs typeface="Times New Roman" panose="02020603050405020304" pitchFamily="18" charset="0"/>
               </a:rPr>
-              <a:t>In AGPS system, a </a:t>
+              <a:t>This system can be used in the monitoring our car. This system uses microcontroller powered by </a:t>
             </a:r>
             <a:r>
               <a:rPr lang="en-US" sz="2100" b="1" dirty="0" smtClean="0">
@@ -3587,7 +3598,7 @@
                 <a:ea typeface="Calibri" panose="020F0502020204030204" pitchFamily="34" charset="0"/>
                 <a:cs typeface="Times New Roman" panose="02020603050405020304" pitchFamily="18" charset="0"/>
               </a:rPr>
-              <a:t>terrestrial RF </a:t>
+              <a:t>DES MC300 Series (model 328), Global Positioning System (GPS) </a:t>
             </a:r>
             <a:r>
               <a:rPr lang="en-US" sz="2100" dirty="0" smtClean="0">
@@ -3595,7 +3606,15 @@
                 <a:ea typeface="Calibri" panose="020F0502020204030204" pitchFamily="34" charset="0"/>
                 <a:cs typeface="Times New Roman" panose="02020603050405020304" pitchFamily="18" charset="0"/>
               </a:rPr>
-              <a:t>network is used to improve the performance of GPS receivers as it provides information about the satellite constellation directly to the GPS receivers</a:t>
+              <a:t>and </a:t>
+            </a:r>
+            <a:r>
+              <a:rPr lang="en-US" sz="2100" b="1" dirty="0" smtClean="0">
+                <a:latin typeface="Calibri" panose="020F0502020204030204" pitchFamily="34" charset="0"/>
+                <a:ea typeface="Calibri" panose="020F0502020204030204" pitchFamily="34" charset="0"/>
+                <a:cs typeface="Times New Roman" panose="02020603050405020304" pitchFamily="18" charset="0"/>
+              </a:rPr>
+              <a:t>Global System for Mobile Communication (GSM)</a:t>
             </a:r>
             <a:r>
               <a:rPr lang="en-US" sz="2100" dirty="0" smtClean="0">
@@ -3605,176 +3624,6 @@
               </a:rPr>
               <a:t>.</a:t>
             </a:r>
-          </a:p>
-          <a:p>
-            <a:pPr algn="just">
-              <a:buFont typeface="Wingdings" pitchFamily="2" charset="2"/>
-              <a:buChar char="Ø"/>
-            </a:pPr>
-            <a:endParaRPr lang="en-US" sz="2100" dirty="0" smtClean="0">
-              <a:latin typeface="Calibri" panose="020F0502020204030204" pitchFamily="34" charset="0"/>
-              <a:ea typeface="Calibri" panose="020F0502020204030204" pitchFamily="34" charset="0"/>
-              <a:cs typeface="Times New Roman" panose="02020603050405020304" pitchFamily="18" charset="0"/>
-            </a:endParaRPr>
-          </a:p>
-          <a:p>
-            <a:pPr algn="just">
-              <a:buFont typeface="Wingdings" pitchFamily="2" charset="2"/>
-              <a:buChar char="Ø"/>
-            </a:pPr>
-            <a:r>
-              <a:rPr lang="en-US" sz="2100" dirty="0" smtClean="0">
-                <a:latin typeface="Calibri" panose="020F0502020204030204" pitchFamily="34" charset="0"/>
-                <a:ea typeface="Calibri" panose="020F0502020204030204" pitchFamily="34" charset="0"/>
-                <a:cs typeface="Times New Roman" panose="02020603050405020304" pitchFamily="18" charset="0"/>
-              </a:rPr>
-              <a:t>AGPS uses both </a:t>
-            </a:r>
-            <a:r>
-              <a:rPr lang="en-US" sz="2100" b="1" dirty="0" smtClean="0">
-                <a:latin typeface="Calibri" panose="020F0502020204030204" pitchFamily="34" charset="0"/>
-                <a:ea typeface="Calibri" panose="020F0502020204030204" pitchFamily="34" charset="0"/>
-                <a:cs typeface="Times New Roman" panose="02020603050405020304" pitchFamily="18" charset="0"/>
-              </a:rPr>
-              <a:t>mobiles</a:t>
-            </a:r>
-            <a:r>
-              <a:rPr lang="en-US" sz="2100" dirty="0" smtClean="0">
-                <a:latin typeface="Calibri" panose="020F0502020204030204" pitchFamily="34" charset="0"/>
-                <a:ea typeface="Calibri" panose="020F0502020204030204" pitchFamily="34" charset="0"/>
-                <a:cs typeface="Times New Roman" panose="02020603050405020304" pitchFamily="18" charset="0"/>
-              </a:rPr>
-              <a:t> and </a:t>
-            </a:r>
-            <a:r>
-              <a:rPr lang="en-US" sz="2100" b="1" dirty="0" smtClean="0">
-                <a:latin typeface="Calibri" panose="020F0502020204030204" pitchFamily="34" charset="0"/>
-                <a:ea typeface="Calibri" panose="020F0502020204030204" pitchFamily="34" charset="0"/>
-                <a:cs typeface="Times New Roman" panose="02020603050405020304" pitchFamily="18" charset="0"/>
-              </a:rPr>
-              <a:t>cellular networks</a:t>
-            </a:r>
-            <a:r>
-              <a:rPr lang="en-US" sz="2100" dirty="0" smtClean="0">
-                <a:latin typeface="Calibri" panose="020F0502020204030204" pitchFamily="34" charset="0"/>
-                <a:ea typeface="Calibri" panose="020F0502020204030204" pitchFamily="34" charset="0"/>
-                <a:cs typeface="Times New Roman" panose="02020603050405020304" pitchFamily="18" charset="0"/>
-              </a:rPr>
-              <a:t> to locate the </a:t>
-            </a:r>
-            <a:r>
-              <a:rPr lang="en-US" sz="2100" b="1" dirty="0" smtClean="0">
-                <a:latin typeface="Calibri" panose="020F0502020204030204" pitchFamily="34" charset="0"/>
-                <a:ea typeface="Calibri" panose="020F0502020204030204" pitchFamily="34" charset="0"/>
-                <a:cs typeface="Times New Roman" panose="02020603050405020304" pitchFamily="18" charset="0"/>
-              </a:rPr>
-              <a:t>accurate positioning information</a:t>
-            </a:r>
-            <a:r>
-              <a:rPr lang="en-US" sz="2100" dirty="0" smtClean="0">
-                <a:latin typeface="Calibri" panose="020F0502020204030204" pitchFamily="34" charset="0"/>
-                <a:ea typeface="Calibri" panose="020F0502020204030204" pitchFamily="34" charset="0"/>
-                <a:cs typeface="Times New Roman" panose="02020603050405020304" pitchFamily="18" charset="0"/>
-              </a:rPr>
-              <a:t>.</a:t>
-            </a:r>
-          </a:p>
-          <a:p>
-            <a:pPr algn="just">
-              <a:buFont typeface="Wingdings" pitchFamily="2" charset="2"/>
-              <a:buChar char="Ø"/>
-            </a:pPr>
-            <a:endParaRPr lang="en-US" sz="2100" dirty="0" smtClean="0">
-              <a:latin typeface="Calibri" panose="020F0502020204030204" pitchFamily="34" charset="0"/>
-              <a:ea typeface="Calibri" panose="020F0502020204030204" pitchFamily="34" charset="0"/>
-              <a:cs typeface="Times New Roman" panose="02020603050405020304" pitchFamily="18" charset="0"/>
-            </a:endParaRPr>
-          </a:p>
-          <a:p>
-            <a:pPr algn="just">
-              <a:buFont typeface="Wingdings" pitchFamily="2" charset="2"/>
-              <a:buChar char="Ø"/>
-            </a:pPr>
-            <a:r>
-              <a:rPr lang="en-US" sz="2100" dirty="0" smtClean="0">
-                <a:latin typeface="Calibri" panose="020F0502020204030204" pitchFamily="34" charset="0"/>
-                <a:ea typeface="Calibri" panose="020F0502020204030204" pitchFamily="34" charset="0"/>
-                <a:cs typeface="Times New Roman" panose="02020603050405020304" pitchFamily="18" charset="0"/>
-              </a:rPr>
-              <a:t>Location of the vehicle is provided with accuracy of between 3m and 8m, and the speed of 1Km by using this method. </a:t>
-            </a:r>
-            <a:endParaRPr lang="en-US" sz="2100" dirty="0" smtClean="0">
-              <a:latin typeface="Calibri" panose="020F0502020204030204" pitchFamily="34" charset="0"/>
-              <a:ea typeface="Calibri" panose="020F0502020204030204" pitchFamily="34" charset="0"/>
-              <a:cs typeface="Times New Roman" panose="02020603050405020304" pitchFamily="18" charset="0"/>
-            </a:endParaRPr>
-          </a:p>
-          <a:p>
-            <a:pPr algn="just">
-              <a:buFont typeface="Wingdings" pitchFamily="2" charset="2"/>
-              <a:buChar char="Ø"/>
-            </a:pPr>
-            <a:endParaRPr lang="en-US" sz="2100" dirty="0" smtClean="0">
-              <a:latin typeface="Calibri" panose="020F0502020204030204" pitchFamily="34" charset="0"/>
-              <a:ea typeface="Calibri" panose="020F0502020204030204" pitchFamily="34" charset="0"/>
-              <a:cs typeface="Times New Roman" panose="02020603050405020304" pitchFamily="18" charset="0"/>
-            </a:endParaRPr>
-          </a:p>
-          <a:p>
-            <a:pPr algn="just">
-              <a:buFont typeface="Wingdings" pitchFamily="2" charset="2"/>
-              <a:buChar char="Ø"/>
-            </a:pPr>
-            <a:r>
-              <a:rPr lang="en-US" sz="2100" dirty="0" smtClean="0">
-                <a:latin typeface="Calibri" panose="020F0502020204030204" pitchFamily="34" charset="0"/>
-                <a:ea typeface="Calibri" panose="020F0502020204030204" pitchFamily="34" charset="0"/>
-                <a:cs typeface="Times New Roman" panose="02020603050405020304" pitchFamily="18" charset="0"/>
-              </a:rPr>
-              <a:t>The </a:t>
-            </a:r>
-            <a:r>
-              <a:rPr lang="en-US" sz="2100" dirty="0" smtClean="0">
-                <a:latin typeface="Calibri" panose="020F0502020204030204" pitchFamily="34" charset="0"/>
-                <a:ea typeface="Calibri" panose="020F0502020204030204" pitchFamily="34" charset="0"/>
-                <a:cs typeface="Times New Roman" panose="02020603050405020304" pitchFamily="18" charset="0"/>
-              </a:rPr>
-              <a:t>system provides </a:t>
-            </a:r>
-            <a:r>
-              <a:rPr lang="en-US" sz="2100" b="1" dirty="0" smtClean="0">
-                <a:latin typeface="Calibri" panose="020F0502020204030204" pitchFamily="34" charset="0"/>
-                <a:ea typeface="Calibri" panose="020F0502020204030204" pitchFamily="34" charset="0"/>
-                <a:cs typeface="Times New Roman" panose="02020603050405020304" pitchFamily="18" charset="0"/>
-              </a:rPr>
-              <a:t>continues updates after every 10 seconds while the vehicle is in motion</a:t>
-            </a:r>
-            <a:r>
-              <a:rPr lang="en-US" sz="2100" dirty="0" smtClean="0">
-                <a:latin typeface="Calibri" panose="020F0502020204030204" pitchFamily="34" charset="0"/>
-                <a:ea typeface="Calibri" panose="020F0502020204030204" pitchFamily="34" charset="0"/>
-                <a:cs typeface="Times New Roman" panose="02020603050405020304" pitchFamily="18" charset="0"/>
-              </a:rPr>
-              <a:t>.</a:t>
-            </a:r>
-            <a:endParaRPr lang="en-IN" sz="2100" dirty="0" smtClean="0">
-              <a:latin typeface="Calibri" panose="020F0502020204030204" pitchFamily="34" charset="0"/>
-              <a:ea typeface="Calibri" panose="020F0502020204030204" pitchFamily="34" charset="0"/>
-              <a:cs typeface="Times New Roman" panose="02020603050405020304" pitchFamily="18" charset="0"/>
-            </a:endParaRPr>
-          </a:p>
-          <a:p>
-            <a:pPr algn="just">
-              <a:buFont typeface="Wingdings" pitchFamily="2" charset="2"/>
-              <a:buChar char="Ø"/>
-            </a:pPr>
-            <a:endParaRPr lang="en-IN" sz="2100" dirty="0" smtClean="0"/>
-          </a:p>
-          <a:p>
-            <a:pPr algn="just">
-              <a:buFont typeface="Wingdings" pitchFamily="2" charset="2"/>
-              <a:buChar char="Ø"/>
-            </a:pPr>
             <a:endParaRPr lang="en-US" sz="2100" dirty="0" smtClean="0"/>
           </a:p>
         </p:txBody>
@@ -3878,7 +3727,7 @@
                 </a:solidFill>
                 <a:latin typeface="Russo One" pitchFamily="2" charset="0"/>
               </a:rPr>
-              <a:t>AUTOMATIC VEHICLE LOCATION SYSTEM (AVL) :</a:t>
+              <a:t>ACTIVE AND PASSIVE TRACKING SYSTEM :</a:t>
             </a:r>
             <a:endParaRPr lang="en-US" sz="2100" dirty="0">
               <a:solidFill>
@@ -3914,225 +3763,144 @@
           </a:bodyPr>
           <a:lstStyle/>
           <a:p>
-            <a:pPr algn="just">
-              <a:buFont typeface="Wingdings" pitchFamily="2" charset="2"/>
-              <a:buChar char="Ø"/>
-            </a:pPr>
+            <a:pPr algn="just"/>
             <a:r>
               <a:rPr lang="en-US" sz="2100" dirty="0" smtClean="0">
                 <a:latin typeface="Calibri" panose="020F0502020204030204" pitchFamily="34" charset="0"/>
                 <a:ea typeface="Calibri" panose="020F0502020204030204" pitchFamily="34" charset="0"/>
-                <a:cs typeface="Times New Roman" panose="02020603050405020304" pitchFamily="18" charset="0"/>
-              </a:rPr>
-              <a:t>AVL </a:t>
+                <a:cs typeface="Calibri" panose="020F0502020204030204" pitchFamily="34" charset="0"/>
+              </a:rPr>
+              <a:t>Tracking System is classified as ‘</a:t>
+            </a:r>
+            <a:r>
+              <a:rPr lang="en-US" sz="2100" b="1" dirty="0" smtClean="0">
+                <a:latin typeface="Calibri" panose="020F0502020204030204" pitchFamily="34" charset="0"/>
+                <a:ea typeface="Calibri" panose="020F0502020204030204" pitchFamily="34" charset="0"/>
+                <a:cs typeface="Calibri" panose="020F0502020204030204" pitchFamily="34" charset="0"/>
+              </a:rPr>
+              <a:t>passive</a:t>
             </a:r>
             <a:r>
               <a:rPr lang="en-US" sz="2100" dirty="0" smtClean="0">
                 <a:latin typeface="Calibri" panose="020F0502020204030204" pitchFamily="34" charset="0"/>
                 <a:ea typeface="Calibri" panose="020F0502020204030204" pitchFamily="34" charset="0"/>
-                <a:cs typeface="Times New Roman" panose="02020603050405020304" pitchFamily="18" charset="0"/>
-              </a:rPr>
-              <a:t>comprises of </a:t>
+                <a:cs typeface="Calibri" panose="020F0502020204030204" pitchFamily="34" charset="0"/>
+              </a:rPr>
+              <a:t>’ and ‘</a:t>
             </a:r>
             <a:r>
               <a:rPr lang="en-US" sz="2100" b="1" dirty="0" smtClean="0">
                 <a:latin typeface="Calibri" panose="020F0502020204030204" pitchFamily="34" charset="0"/>
                 <a:ea typeface="Calibri" panose="020F0502020204030204" pitchFamily="34" charset="0"/>
-                <a:cs typeface="Times New Roman" panose="02020603050405020304" pitchFamily="18" charset="0"/>
-              </a:rPr>
-              <a:t>Global Positioning System (GPS) </a:t>
+                <a:cs typeface="Calibri" panose="020F0502020204030204" pitchFamily="34" charset="0"/>
+              </a:rPr>
+              <a:t>active</a:t>
             </a:r>
             <a:r>
               <a:rPr lang="en-US" sz="2100" dirty="0" smtClean="0">
                 <a:latin typeface="Calibri" panose="020F0502020204030204" pitchFamily="34" charset="0"/>
                 <a:ea typeface="Calibri" panose="020F0502020204030204" pitchFamily="34" charset="0"/>
-                <a:cs typeface="Times New Roman" panose="02020603050405020304" pitchFamily="18" charset="0"/>
-              </a:rPr>
-              <a:t>and </a:t>
-            </a:r>
-            <a:r>
-              <a:rPr lang="en-US" sz="2100" b="1" dirty="0" smtClean="0">
-                <a:latin typeface="Calibri" panose="020F0502020204030204" pitchFamily="34" charset="0"/>
-                <a:ea typeface="Calibri" panose="020F0502020204030204" pitchFamily="34" charset="0"/>
-                <a:cs typeface="Times New Roman" panose="02020603050405020304" pitchFamily="18" charset="0"/>
-              </a:rPr>
-              <a:t>Geographic Information System (GIS) </a:t>
-            </a:r>
-            <a:r>
-              <a:rPr lang="en-US" sz="2100" dirty="0" smtClean="0">
-                <a:latin typeface="Calibri" panose="020F0502020204030204" pitchFamily="34" charset="0"/>
-                <a:ea typeface="Calibri" panose="020F0502020204030204" pitchFamily="34" charset="0"/>
-                <a:cs typeface="Times New Roman" panose="02020603050405020304" pitchFamily="18" charset="0"/>
-              </a:rPr>
-              <a:t>in order to provide the real geographic location of the vehicle</a:t>
-            </a:r>
-            <a:r>
-              <a:rPr lang="en-US" sz="2100" dirty="0" smtClean="0">
-                <a:latin typeface="Calibri" panose="020F0502020204030204" pitchFamily="34" charset="0"/>
-                <a:ea typeface="Calibri" panose="020F0502020204030204" pitchFamily="34" charset="0"/>
-                <a:cs typeface="Times New Roman" panose="02020603050405020304" pitchFamily="18" charset="0"/>
-              </a:rPr>
-              <a:t>.</a:t>
-            </a:r>
-          </a:p>
-          <a:p>
-            <a:pPr algn="just">
-              <a:buFont typeface="Wingdings" pitchFamily="2" charset="2"/>
-              <a:buChar char="Ø"/>
-            </a:pPr>
+                <a:cs typeface="Calibri" panose="020F0502020204030204" pitchFamily="34" charset="0"/>
+              </a:rPr>
+              <a:t>’. Passive devices store GPS location, speed, heading and also track information like trigger event for key press, door open or close.</a:t>
+            </a:r>
+          </a:p>
+          <a:p>
+            <a:pPr algn="just"/>
             <a:endParaRPr lang="en-US" sz="2100" dirty="0" smtClean="0">
               <a:latin typeface="Calibri" panose="020F0502020204030204" pitchFamily="34" charset="0"/>
               <a:ea typeface="Calibri" panose="020F0502020204030204" pitchFamily="34" charset="0"/>
-              <a:cs typeface="Times New Roman" panose="02020603050405020304" pitchFamily="18" charset="0"/>
+              <a:cs typeface="Calibri" panose="020F0502020204030204" pitchFamily="34" charset="0"/>
             </a:endParaRPr>
           </a:p>
           <a:p>
-            <a:pPr algn="just">
-              <a:buFont typeface="Wingdings" pitchFamily="2" charset="2"/>
-              <a:buChar char="Ø"/>
-            </a:pPr>
+            <a:pPr algn="just"/>
             <a:r>
               <a:rPr lang="en-US" sz="2100" dirty="0" smtClean="0">
                 <a:latin typeface="Calibri" panose="020F0502020204030204" pitchFamily="34" charset="0"/>
                 <a:ea typeface="Calibri" panose="020F0502020204030204" pitchFamily="34" charset="0"/>
-                <a:cs typeface="Times New Roman" panose="02020603050405020304" pitchFamily="18" charset="0"/>
-              </a:rPr>
-              <a:t>AVL system consists of PC based tracking software to dispatch, a radio system.</a:t>
-            </a:r>
-          </a:p>
-          <a:p>
-            <a:pPr algn="just">
-              <a:buFont typeface="Wingdings" pitchFamily="2" charset="2"/>
-              <a:buChar char="Ø"/>
-            </a:pPr>
+                <a:cs typeface="Calibri" panose="020F0502020204030204" pitchFamily="34" charset="0"/>
+              </a:rPr>
+              <a:t>Once the vehicle returns to a predetermined point, the device is removed or using </a:t>
+            </a:r>
+            <a:r>
+              <a:rPr lang="en-US" sz="2100" b="1" dirty="0" smtClean="0">
+                <a:latin typeface="Calibri" panose="020F0502020204030204" pitchFamily="34" charset="0"/>
+                <a:ea typeface="Calibri" panose="020F0502020204030204" pitchFamily="34" charset="0"/>
+                <a:cs typeface="Calibri" panose="020F0502020204030204" pitchFamily="34" charset="0"/>
+              </a:rPr>
+              <a:t>WIFI/BLUTOOTH </a:t>
+            </a:r>
+            <a:r>
+              <a:rPr lang="en-US" sz="2100" dirty="0" smtClean="0">
+                <a:latin typeface="Calibri" panose="020F0502020204030204" pitchFamily="34" charset="0"/>
+                <a:ea typeface="Calibri" panose="020F0502020204030204" pitchFamily="34" charset="0"/>
+                <a:cs typeface="Calibri" panose="020F0502020204030204" pitchFamily="34" charset="0"/>
+              </a:rPr>
+              <a:t>etc to transfer data which then analysis with computer. Were as Active devices also collect same data as passive the only difference is it does in real time </a:t>
+            </a:r>
+            <a:r>
+              <a:rPr lang="en-US" sz="2100" b="1" dirty="0" smtClean="0">
+                <a:latin typeface="Calibri" panose="020F0502020204030204" pitchFamily="34" charset="0"/>
+                <a:ea typeface="Calibri" panose="020F0502020204030204" pitchFamily="34" charset="0"/>
+                <a:cs typeface="Calibri" panose="020F0502020204030204" pitchFamily="34" charset="0"/>
+              </a:rPr>
+              <a:t>via cellular or WIFI over Internet</a:t>
+            </a:r>
+            <a:r>
+              <a:rPr lang="en-US" sz="2100" dirty="0" smtClean="0">
+                <a:latin typeface="Calibri" panose="020F0502020204030204" pitchFamily="34" charset="0"/>
+                <a:ea typeface="Calibri" panose="020F0502020204030204" pitchFamily="34" charset="0"/>
+                <a:cs typeface="Calibri" panose="020F0502020204030204" pitchFamily="34" charset="0"/>
+              </a:rPr>
+              <a:t>. </a:t>
+            </a:r>
+          </a:p>
+          <a:p>
+            <a:pPr algn="just"/>
             <a:endParaRPr lang="en-US" sz="2100" dirty="0" smtClean="0">
               <a:latin typeface="Calibri" panose="020F0502020204030204" pitchFamily="34" charset="0"/>
               <a:ea typeface="Calibri" panose="020F0502020204030204" pitchFamily="34" charset="0"/>
-              <a:cs typeface="Times New Roman" panose="02020603050405020304" pitchFamily="18" charset="0"/>
+              <a:cs typeface="Calibri" panose="020F0502020204030204" pitchFamily="34" charset="0"/>
             </a:endParaRPr>
           </a:p>
           <a:p>
-            <a:pPr algn="just">
-              <a:buFont typeface="Wingdings" pitchFamily="2" charset="2"/>
-              <a:buChar char="Ø"/>
-            </a:pPr>
+            <a:pPr algn="just"/>
+            <a:r>
+              <a:rPr lang="en-US" sz="2100" b="1" dirty="0" smtClean="0">
+                <a:latin typeface="Calibri" panose="020F0502020204030204" pitchFamily="34" charset="0"/>
+                <a:ea typeface="Calibri" panose="020F0502020204030204" pitchFamily="34" charset="0"/>
+                <a:cs typeface="Calibri" panose="020F0502020204030204" pitchFamily="34" charset="0"/>
+              </a:rPr>
+              <a:t>Passive trackers do not monitor movement in real time</a:t>
+            </a:r>
             <a:r>
               <a:rPr lang="en-US" sz="2100" dirty="0" smtClean="0">
                 <a:latin typeface="Calibri" panose="020F0502020204030204" pitchFamily="34" charset="0"/>
                 <a:ea typeface="Calibri" panose="020F0502020204030204" pitchFamily="34" charset="0"/>
-                <a:cs typeface="Times New Roman" panose="02020603050405020304" pitchFamily="18" charset="0"/>
-              </a:rPr>
-              <a:t>The </a:t>
-            </a:r>
-            <a:r>
-              <a:rPr lang="en-US" sz="2100" dirty="0" smtClean="0">
-                <a:latin typeface="Calibri" panose="020F0502020204030204" pitchFamily="34" charset="0"/>
-                <a:ea typeface="Calibri" panose="020F0502020204030204" pitchFamily="34" charset="0"/>
-                <a:cs typeface="Times New Roman" panose="02020603050405020304" pitchFamily="18" charset="0"/>
-              </a:rPr>
-              <a:t>system also has some limitation using the AVL system we cannot get accurate, complete and sufficient satellite data in dense </a:t>
-            </a:r>
-            <a:r>
-              <a:rPr lang="en-US" sz="2100" b="1" dirty="0" smtClean="0">
-                <a:latin typeface="Calibri" panose="020F0502020204030204" pitchFamily="34" charset="0"/>
-                <a:ea typeface="Calibri" panose="020F0502020204030204" pitchFamily="34" charset="0"/>
-                <a:cs typeface="Times New Roman" panose="02020603050405020304" pitchFamily="18" charset="0"/>
-              </a:rPr>
-              <a:t>urban areas </a:t>
-            </a:r>
-            <a:r>
-              <a:rPr lang="en-US" sz="2100" dirty="0" smtClean="0">
-                <a:latin typeface="Calibri" panose="020F0502020204030204" pitchFamily="34" charset="0"/>
-                <a:ea typeface="Calibri" panose="020F0502020204030204" pitchFamily="34" charset="0"/>
-                <a:cs typeface="Times New Roman" panose="02020603050405020304" pitchFamily="18" charset="0"/>
-              </a:rPr>
-              <a:t>or </a:t>
-            </a:r>
-            <a:r>
-              <a:rPr lang="en-US" sz="2100" b="1" dirty="0" smtClean="0">
-                <a:latin typeface="Calibri" panose="020F0502020204030204" pitchFamily="34" charset="0"/>
-                <a:ea typeface="Calibri" panose="020F0502020204030204" pitchFamily="34" charset="0"/>
-                <a:cs typeface="Times New Roman" panose="02020603050405020304" pitchFamily="18" charset="0"/>
-              </a:rPr>
-              <a:t>indoors</a:t>
-            </a:r>
-            <a:r>
-              <a:rPr lang="en-US" sz="2100" dirty="0" smtClean="0">
-                <a:latin typeface="Calibri" panose="020F0502020204030204" pitchFamily="34" charset="0"/>
-                <a:ea typeface="Calibri" panose="020F0502020204030204" pitchFamily="34" charset="0"/>
-                <a:cs typeface="Times New Roman" panose="02020603050405020304" pitchFamily="18" charset="0"/>
-              </a:rPr>
-              <a:t> and when </a:t>
-            </a:r>
-            <a:r>
-              <a:rPr lang="en-US" sz="2100" b="1" dirty="0" smtClean="0">
-                <a:latin typeface="Calibri" panose="020F0502020204030204" pitchFamily="34" charset="0"/>
-                <a:ea typeface="Calibri" panose="020F0502020204030204" pitchFamily="34" charset="0"/>
-                <a:cs typeface="Times New Roman" panose="02020603050405020304" pitchFamily="18" charset="0"/>
-              </a:rPr>
-              <a:t>transmission is blocked by natural obstructions or many buildings</a:t>
-            </a:r>
-            <a:r>
-              <a:rPr lang="en-US" sz="2100" dirty="0" smtClean="0">
-                <a:latin typeface="Calibri" panose="020F0502020204030204" pitchFamily="34" charset="0"/>
-                <a:ea typeface="Calibri" panose="020F0502020204030204" pitchFamily="34" charset="0"/>
-                <a:cs typeface="Times New Roman" panose="02020603050405020304" pitchFamily="18" charset="0"/>
+                <a:cs typeface="Calibri" panose="020F0502020204030204" pitchFamily="34" charset="0"/>
               </a:rPr>
               <a:t>.</a:t>
             </a:r>
           </a:p>
           <a:p>
-            <a:pPr algn="just">
-              <a:buFont typeface="Wingdings" pitchFamily="2" charset="2"/>
-              <a:buChar char="Ø"/>
-            </a:pPr>
+            <a:pPr algn="just"/>
             <a:endParaRPr lang="en-US" sz="2100" dirty="0" smtClean="0">
               <a:latin typeface="Calibri" panose="020F0502020204030204" pitchFamily="34" charset="0"/>
               <a:ea typeface="Calibri" panose="020F0502020204030204" pitchFamily="34" charset="0"/>
-              <a:cs typeface="Times New Roman" panose="02020603050405020304" pitchFamily="18" charset="0"/>
+              <a:cs typeface="Calibri" panose="020F0502020204030204" pitchFamily="34" charset="0"/>
             </a:endParaRPr>
           </a:p>
           <a:p>
-            <a:pPr algn="just">
-              <a:buFont typeface="Wingdings" pitchFamily="2" charset="2"/>
-              <a:buChar char="Ø"/>
-            </a:pPr>
+            <a:pPr algn="just"/>
             <a:r>
               <a:rPr lang="en-US" sz="2100" dirty="0" smtClean="0">
                 <a:latin typeface="Calibri" panose="020F0502020204030204" pitchFamily="34" charset="0"/>
                 <a:ea typeface="Calibri" panose="020F0502020204030204" pitchFamily="34" charset="0"/>
                 <a:cs typeface="Times New Roman" panose="02020603050405020304" pitchFamily="18" charset="0"/>
               </a:rPr>
-              <a:t>It can also occur in RF shadowed environments and under unfriendly </a:t>
-            </a:r>
-            <a:r>
-              <a:rPr lang="en-US" sz="2100" b="1" dirty="0" smtClean="0">
-                <a:latin typeface="Calibri" panose="020F0502020204030204" pitchFamily="34" charset="0"/>
-                <a:ea typeface="Calibri" panose="020F0502020204030204" pitchFamily="34" charset="0"/>
-                <a:cs typeface="Times New Roman" panose="02020603050405020304" pitchFamily="18" charset="0"/>
-              </a:rPr>
-              <a:t>Radio Frequency (RF) conditions</a:t>
-            </a:r>
-            <a:r>
-              <a:rPr lang="en-US" sz="2100" dirty="0" smtClean="0">
-                <a:latin typeface="Calibri" panose="020F0502020204030204" pitchFamily="34" charset="0"/>
-                <a:ea typeface="Calibri" panose="020F0502020204030204" pitchFamily="34" charset="0"/>
-                <a:cs typeface="Times New Roman" panose="02020603050405020304" pitchFamily="18" charset="0"/>
-              </a:rPr>
-              <a:t>. Sometimes, a position fix can be impossible.</a:t>
-            </a:r>
-            <a:endParaRPr lang="en-IN" sz="2100" dirty="0" smtClean="0">
-              <a:latin typeface="Calibri" panose="020F0502020204030204" pitchFamily="34" charset="0"/>
-              <a:ea typeface="Calibri" panose="020F0502020204030204" pitchFamily="34" charset="0"/>
-              <a:cs typeface="Times New Roman" panose="02020603050405020304" pitchFamily="18" charset="0"/>
-            </a:endParaRPr>
-          </a:p>
-          <a:p>
-            <a:pPr algn="just">
-              <a:buFont typeface="Wingdings" pitchFamily="2" charset="2"/>
-              <a:buChar char="Ø"/>
-            </a:pPr>
-            <a:endParaRPr lang="en-US" sz="2100" dirty="0" smtClean="0"/>
+              <a:t>The main reason people choose passive trackers is that these devices are less expensive than active trackers. GPS passive device are not attached to a monthly fee, which makes there trackers affordable.</a:t>
+            </a:r>
           </a:p>
         </p:txBody>
       </p:sp>
@@ -4235,7 +4003,7 @@
                 </a:solidFill>
                 <a:latin typeface="Russo One" pitchFamily="2" charset="0"/>
               </a:rPr>
-              <a:t>RADIO FREQUENCY IDENTICATION (RFID) :</a:t>
+              <a:t>TYPE OF TRACKING SYSTEM :</a:t>
             </a:r>
             <a:endParaRPr lang="en-US" sz="2100" dirty="0">
               <a:solidFill>
@@ -4261,8 +4029,8 @@
         </p:nvSpPr>
         <p:spPr>
           <a:xfrm>
-            <a:off x="457200" y="914400"/>
-            <a:ext cx="8229600" cy="5715000"/>
+            <a:off x="457200" y="1066800"/>
+            <a:ext cx="8229600" cy="4114800"/>
           </a:xfrm>
         </p:spPr>
         <p:txBody>
@@ -4272,8 +4040,13 @@
           <a:lstStyle/>
           <a:p>
             <a:pPr algn="just">
-              <a:buFont typeface="Wingdings" pitchFamily="2" charset="2"/>
-              <a:buChar char="Ø"/>
+              <a:lnSpc>
+                <a:spcPct val="115000"/>
+              </a:lnSpc>
+              <a:spcAft>
+                <a:spcPts val="1000"/>
+              </a:spcAft>
+              <a:buNone/>
             </a:pPr>
             <a:r>
               <a:rPr lang="en-US" sz="2100" dirty="0" smtClean="0">
@@ -4281,204 +4054,35 @@
                 <a:ea typeface="Calibri" panose="020F0502020204030204" pitchFamily="34" charset="0"/>
                 <a:cs typeface="Times New Roman" panose="02020603050405020304" pitchFamily="18" charset="0"/>
               </a:rPr>
-              <a:t>In RFID is an automatic identification method using devices called tags to store and remotely retrieves data. RFID uses radio waves to capture data from tags. </a:t>
-            </a:r>
-            <a:endParaRPr lang="en-US" sz="2100" dirty="0" smtClean="0">
-              <a:latin typeface="Calibri" panose="020F0502020204030204" pitchFamily="34" charset="0"/>
-              <a:ea typeface="Calibri" panose="020F0502020204030204" pitchFamily="34" charset="0"/>
-              <a:cs typeface="Times New Roman" panose="02020603050405020304" pitchFamily="18" charset="0"/>
-            </a:endParaRPr>
+              <a:t>There are three main types of </a:t>
+            </a:r>
+            <a:r>
+              <a:rPr lang="en-US" sz="2100" b="1" dirty="0" smtClean="0">
+                <a:latin typeface="Calibri" panose="020F0502020204030204" pitchFamily="34" charset="0"/>
+                <a:ea typeface="Calibri" panose="020F0502020204030204" pitchFamily="34" charset="0"/>
+                <a:cs typeface="Times New Roman" panose="02020603050405020304" pitchFamily="18" charset="0"/>
+              </a:rPr>
+              <a:t>GPS vehicle tracking </a:t>
+            </a:r>
+            <a:r>
+              <a:rPr lang="en-US" sz="2100" dirty="0" smtClean="0">
+                <a:latin typeface="Calibri" panose="020F0502020204030204" pitchFamily="34" charset="0"/>
+                <a:ea typeface="Calibri" panose="020F0502020204030204" pitchFamily="34" charset="0"/>
+                <a:cs typeface="Times New Roman" panose="02020603050405020304" pitchFamily="18" charset="0"/>
+              </a:rPr>
+              <a:t>that are widely used. There are:</a:t>
+            </a:r>
           </a:p>
           <a:p>
             <a:pPr algn="just">
-              <a:buFont typeface="Wingdings" pitchFamily="2" charset="2"/>
-              <a:buChar char="Ø"/>
-            </a:pPr>
-            <a:endParaRPr lang="en-US" sz="2100" dirty="0" smtClean="0">
-              <a:latin typeface="Calibri" panose="020F0502020204030204" pitchFamily="34" charset="0"/>
-              <a:ea typeface="Calibri" panose="020F0502020204030204" pitchFamily="34" charset="0"/>
-              <a:cs typeface="Times New Roman" panose="02020603050405020304" pitchFamily="18" charset="0"/>
-            </a:endParaRPr>
-          </a:p>
-          <a:p>
-            <a:pPr algn="just">
-              <a:buFont typeface="Wingdings" pitchFamily="2" charset="2"/>
-              <a:buChar char="Ø"/>
-            </a:pPr>
-            <a:r>
-              <a:rPr lang="en-US" sz="2100" dirty="0" smtClean="0">
-                <a:latin typeface="Calibri" panose="020F0502020204030204" pitchFamily="34" charset="0"/>
-                <a:ea typeface="Calibri" panose="020F0502020204030204" pitchFamily="34" charset="0"/>
-                <a:cs typeface="Times New Roman" panose="02020603050405020304" pitchFamily="18" charset="0"/>
-              </a:rPr>
-              <a:t>The tracking method of RFID is comprised of three components tag </a:t>
-            </a:r>
-            <a:r>
-              <a:rPr lang="en-US" sz="2100" b="1" dirty="0" smtClean="0">
-                <a:latin typeface="Calibri" panose="020F0502020204030204" pitchFamily="34" charset="0"/>
-                <a:ea typeface="Calibri" panose="020F0502020204030204" pitchFamily="34" charset="0"/>
-                <a:cs typeface="Times New Roman" panose="02020603050405020304" pitchFamily="18" charset="0"/>
-              </a:rPr>
-              <a:t>passive</a:t>
-            </a:r>
-            <a:r>
-              <a:rPr lang="en-US" sz="2100" dirty="0" smtClean="0">
-                <a:latin typeface="Calibri" panose="020F0502020204030204" pitchFamily="34" charset="0"/>
-                <a:ea typeface="Calibri" panose="020F0502020204030204" pitchFamily="34" charset="0"/>
-                <a:cs typeface="Times New Roman" panose="02020603050405020304" pitchFamily="18" charset="0"/>
-              </a:rPr>
-              <a:t>, </a:t>
-            </a:r>
-            <a:r>
-              <a:rPr lang="en-US" sz="2100" b="1" dirty="0" smtClean="0">
-                <a:latin typeface="Calibri" panose="020F0502020204030204" pitchFamily="34" charset="0"/>
-                <a:ea typeface="Calibri" panose="020F0502020204030204" pitchFamily="34" charset="0"/>
-                <a:cs typeface="Times New Roman" panose="02020603050405020304" pitchFamily="18" charset="0"/>
-              </a:rPr>
-              <a:t>semi passive</a:t>
-            </a:r>
-            <a:r>
-              <a:rPr lang="en-US" sz="2100" dirty="0" smtClean="0">
-                <a:latin typeface="Calibri" panose="020F0502020204030204" pitchFamily="34" charset="0"/>
-                <a:ea typeface="Calibri" panose="020F0502020204030204" pitchFamily="34" charset="0"/>
-                <a:cs typeface="Times New Roman" panose="02020603050405020304" pitchFamily="18" charset="0"/>
-              </a:rPr>
-              <a:t> and </a:t>
-            </a:r>
-            <a:r>
-              <a:rPr lang="en-US" sz="2100" b="1" dirty="0" smtClean="0">
-                <a:latin typeface="Calibri" panose="020F0502020204030204" pitchFamily="34" charset="0"/>
-                <a:ea typeface="Calibri" panose="020F0502020204030204" pitchFamily="34" charset="0"/>
-                <a:cs typeface="Times New Roman" panose="02020603050405020304" pitchFamily="18" charset="0"/>
-              </a:rPr>
-              <a:t>active</a:t>
-            </a:r>
-            <a:r>
-              <a:rPr lang="en-US" sz="2100" dirty="0" smtClean="0">
-                <a:latin typeface="Calibri" panose="020F0502020204030204" pitchFamily="34" charset="0"/>
-                <a:ea typeface="Calibri" panose="020F0502020204030204" pitchFamily="34" charset="0"/>
-                <a:cs typeface="Times New Roman" panose="02020603050405020304" pitchFamily="18" charset="0"/>
-              </a:rPr>
-              <a:t>, </a:t>
-            </a:r>
-            <a:r>
-              <a:rPr lang="en-US" sz="2100" b="1" dirty="0" smtClean="0">
-                <a:latin typeface="Calibri" panose="020F0502020204030204" pitchFamily="34" charset="0"/>
-                <a:ea typeface="Calibri" panose="020F0502020204030204" pitchFamily="34" charset="0"/>
-                <a:cs typeface="Times New Roman" panose="02020603050405020304" pitchFamily="18" charset="0"/>
-              </a:rPr>
-              <a:t>reader (antenna or integrator) </a:t>
-            </a:r>
-            <a:r>
-              <a:rPr lang="en-US" sz="2100" dirty="0" smtClean="0">
-                <a:latin typeface="Calibri" panose="020F0502020204030204" pitchFamily="34" charset="0"/>
-                <a:ea typeface="Calibri" panose="020F0502020204030204" pitchFamily="34" charset="0"/>
-                <a:cs typeface="Times New Roman" panose="02020603050405020304" pitchFamily="18" charset="0"/>
-              </a:rPr>
-              <a:t>and </a:t>
-            </a:r>
-            <a:r>
-              <a:rPr lang="en-US" sz="2100" b="1" dirty="0" smtClean="0">
-                <a:latin typeface="Calibri" panose="020F0502020204030204" pitchFamily="34" charset="0"/>
-                <a:ea typeface="Calibri" panose="020F0502020204030204" pitchFamily="34" charset="0"/>
-                <a:cs typeface="Times New Roman" panose="02020603050405020304" pitchFamily="18" charset="0"/>
-              </a:rPr>
-              <a:t>software</a:t>
-            </a:r>
-            <a:r>
-              <a:rPr lang="en-US" sz="2100" dirty="0" smtClean="0">
-                <a:latin typeface="Calibri" panose="020F0502020204030204" pitchFamily="34" charset="0"/>
-                <a:ea typeface="Calibri" panose="020F0502020204030204" pitchFamily="34" charset="0"/>
-                <a:cs typeface="Times New Roman" panose="02020603050405020304" pitchFamily="18" charset="0"/>
-              </a:rPr>
-              <a:t>. RFID tag which contains microelectronic circuits sends the vehicle information to a remote </a:t>
-            </a:r>
-            <a:r>
-              <a:rPr lang="en-US" sz="2100" b="1" dirty="0" smtClean="0">
-                <a:latin typeface="Calibri" panose="020F0502020204030204" pitchFamily="34" charset="0"/>
-                <a:ea typeface="Calibri" panose="020F0502020204030204" pitchFamily="34" charset="0"/>
-                <a:cs typeface="Times New Roman" panose="02020603050405020304" pitchFamily="18" charset="0"/>
-              </a:rPr>
-              <a:t>RFID reader </a:t>
-            </a:r>
-            <a:r>
-              <a:rPr lang="en-US" sz="2100" dirty="0" smtClean="0">
-                <a:latin typeface="Calibri" panose="020F0502020204030204" pitchFamily="34" charset="0"/>
-                <a:ea typeface="Calibri" panose="020F0502020204030204" pitchFamily="34" charset="0"/>
-                <a:cs typeface="Times New Roman" panose="02020603050405020304" pitchFamily="18" charset="0"/>
-              </a:rPr>
-              <a:t>which is then read via the software. </a:t>
-            </a:r>
-            <a:endParaRPr lang="en-US" sz="2100" dirty="0" smtClean="0">
-              <a:latin typeface="Calibri" panose="020F0502020204030204" pitchFamily="34" charset="0"/>
-              <a:ea typeface="Calibri" panose="020F0502020204030204" pitchFamily="34" charset="0"/>
-              <a:cs typeface="Times New Roman" panose="02020603050405020304" pitchFamily="18" charset="0"/>
-            </a:endParaRPr>
-          </a:p>
-          <a:p>
-            <a:pPr algn="just">
-              <a:buFont typeface="Wingdings" pitchFamily="2" charset="2"/>
-              <a:buChar char="Ø"/>
-            </a:pPr>
-            <a:endParaRPr lang="en-US" sz="2100" dirty="0" smtClean="0">
-              <a:latin typeface="Calibri" panose="020F0502020204030204" pitchFamily="34" charset="0"/>
-              <a:ea typeface="Calibri" panose="020F0502020204030204" pitchFamily="34" charset="0"/>
-              <a:cs typeface="Times New Roman" panose="02020603050405020304" pitchFamily="18" charset="0"/>
-            </a:endParaRPr>
-          </a:p>
-          <a:p>
-            <a:pPr algn="just">
-              <a:buFont typeface="Wingdings" pitchFamily="2" charset="2"/>
-              <a:buChar char="Ø"/>
-            </a:pPr>
-            <a:r>
-              <a:rPr lang="en-US" sz="2100" dirty="0" smtClean="0">
-                <a:latin typeface="Calibri" panose="020F0502020204030204" pitchFamily="34" charset="0"/>
-                <a:ea typeface="Calibri" panose="020F0502020204030204" pitchFamily="34" charset="0"/>
-                <a:cs typeface="Times New Roman" panose="02020603050405020304" pitchFamily="18" charset="0"/>
-              </a:rPr>
-              <a:t>This system provides the location of the vehicle with the accuracy of 4m to 6m. Information such as location of the vehicle, mileage and speed are delivered by the tracking system to the centre</a:t>
-            </a:r>
-            <a:r>
-              <a:rPr lang="en-US" sz="2100" dirty="0" smtClean="0">
-                <a:latin typeface="Calibri" panose="020F0502020204030204" pitchFamily="34" charset="0"/>
-                <a:ea typeface="Calibri" panose="020F0502020204030204" pitchFamily="34" charset="0"/>
-                <a:cs typeface="Times New Roman" panose="02020603050405020304" pitchFamily="18" charset="0"/>
-              </a:rPr>
-              <a:t>.</a:t>
-            </a:r>
-          </a:p>
-          <a:p>
-            <a:pPr algn="just">
+              <a:lnSpc>
+                <a:spcPct val="115000"/>
+              </a:lnSpc>
+              <a:spcAft>
+                <a:spcPts val="1000"/>
+              </a:spcAft>
               <a:buNone/>
             </a:pPr>
-            <a:r>
-              <a:rPr lang="en-US" sz="2100" dirty="0" smtClean="0">
-                <a:latin typeface="Calibri" panose="020F0502020204030204" pitchFamily="34" charset="0"/>
-                <a:ea typeface="Calibri" panose="020F0502020204030204" pitchFamily="34" charset="0"/>
-                <a:cs typeface="Times New Roman" panose="02020603050405020304" pitchFamily="18" charset="0"/>
-              </a:rPr>
-              <a:t> </a:t>
-            </a:r>
-            <a:endParaRPr lang="en-US" sz="2100" dirty="0" smtClean="0">
-              <a:latin typeface="Calibri" panose="020F0502020204030204" pitchFamily="34" charset="0"/>
-              <a:ea typeface="Calibri" panose="020F0502020204030204" pitchFamily="34" charset="0"/>
-              <a:cs typeface="Times New Roman" panose="02020603050405020304" pitchFamily="18" charset="0"/>
-            </a:endParaRPr>
-          </a:p>
-          <a:p>
-            <a:pPr algn="just">
-              <a:buFont typeface="Wingdings" pitchFamily="2" charset="2"/>
-              <a:buChar char="Ø"/>
-            </a:pPr>
-            <a:r>
-              <a:rPr lang="en-US" sz="2100" dirty="0" smtClean="0">
-                <a:latin typeface="Calibri" panose="020F0502020204030204" pitchFamily="34" charset="0"/>
-                <a:ea typeface="Calibri" panose="020F0502020204030204" pitchFamily="34" charset="0"/>
-                <a:cs typeface="Times New Roman" panose="02020603050405020304" pitchFamily="18" charset="0"/>
-              </a:rPr>
-              <a:t>The information is updated every one minute. The information is sent to and received from RFID tags by a reader using radio waves.</a:t>
-            </a:r>
             <a:endParaRPr lang="en-IN" sz="2100" dirty="0" smtClean="0">
               <a:latin typeface="Calibri" panose="020F0502020204030204" pitchFamily="34" charset="0"/>
               <a:ea typeface="Calibri" panose="020F0502020204030204" pitchFamily="34" charset="0"/>
@@ -4486,9 +4090,119 @@
             </a:endParaRPr>
           </a:p>
           <a:p>
+            <a:pPr lvl="0" algn="just">
+              <a:lnSpc>
+                <a:spcPct val="115000"/>
+              </a:lnSpc>
+              <a:buFont typeface="Symbol" panose="05050102010706020507" pitchFamily="18" charset="2"/>
+              <a:buChar char=""/>
+            </a:pPr>
+            <a:r>
+              <a:rPr lang="en-US" sz="2100" dirty="0" smtClean="0">
+                <a:latin typeface="Calibri" panose="020F0502020204030204" pitchFamily="34" charset="0"/>
+                <a:ea typeface="Calibri" panose="020F0502020204030204" pitchFamily="34" charset="0"/>
+                <a:cs typeface="Times New Roman" panose="02020603050405020304" pitchFamily="18" charset="0"/>
+              </a:rPr>
+              <a:t>Assisted Global Positioning System </a:t>
+            </a:r>
+            <a:r>
+              <a:rPr lang="en-US" sz="2100" b="1" dirty="0" smtClean="0">
+                <a:latin typeface="Calibri" panose="020F0502020204030204" pitchFamily="34" charset="0"/>
+                <a:ea typeface="Calibri" panose="020F0502020204030204" pitchFamily="34" charset="0"/>
+                <a:cs typeface="Times New Roman" panose="02020603050405020304" pitchFamily="18" charset="0"/>
+              </a:rPr>
+              <a:t>(AGPS)</a:t>
+            </a:r>
+          </a:p>
+          <a:p>
+            <a:pPr lvl="0" algn="just">
+              <a:lnSpc>
+                <a:spcPct val="115000"/>
+              </a:lnSpc>
+              <a:buFont typeface="Symbol" panose="05050102010706020507" pitchFamily="18" charset="2"/>
+              <a:buChar char=""/>
+            </a:pPr>
+            <a:endParaRPr lang="en-IN" sz="2100" b="1" dirty="0" smtClean="0">
+              <a:latin typeface="Calibri" panose="020F0502020204030204" pitchFamily="34" charset="0"/>
+              <a:ea typeface="Calibri" panose="020F0502020204030204" pitchFamily="34" charset="0"/>
+              <a:cs typeface="Times New Roman" panose="02020603050405020304" pitchFamily="18" charset="0"/>
+            </a:endParaRPr>
+          </a:p>
+          <a:p>
+            <a:pPr lvl="0" algn="just">
+              <a:lnSpc>
+                <a:spcPct val="115000"/>
+              </a:lnSpc>
+              <a:buFont typeface="Symbol" panose="05050102010706020507" pitchFamily="18" charset="2"/>
+              <a:buChar char=""/>
+            </a:pPr>
+            <a:r>
+              <a:rPr lang="en-US" sz="2100" dirty="0" smtClean="0">
+                <a:latin typeface="Calibri" panose="020F0502020204030204" pitchFamily="34" charset="0"/>
+                <a:ea typeface="Calibri" panose="020F0502020204030204" pitchFamily="34" charset="0"/>
+                <a:cs typeface="Times New Roman" panose="02020603050405020304" pitchFamily="18" charset="0"/>
+              </a:rPr>
+              <a:t>Automatic Vehicle Location </a:t>
+            </a:r>
+            <a:r>
+              <a:rPr lang="en-US" sz="2100" b="1" dirty="0" smtClean="0">
+                <a:latin typeface="Calibri" panose="020F0502020204030204" pitchFamily="34" charset="0"/>
+                <a:ea typeface="Calibri" panose="020F0502020204030204" pitchFamily="34" charset="0"/>
+                <a:cs typeface="Times New Roman" panose="02020603050405020304" pitchFamily="18" charset="0"/>
+              </a:rPr>
+              <a:t>(AVL) system </a:t>
+            </a:r>
+          </a:p>
+          <a:p>
+            <a:pPr lvl="0" algn="just">
+              <a:lnSpc>
+                <a:spcPct val="115000"/>
+              </a:lnSpc>
+              <a:buFont typeface="Symbol" panose="05050102010706020507" pitchFamily="18" charset="2"/>
+              <a:buChar char=""/>
+            </a:pPr>
+            <a:endParaRPr lang="en-IN" sz="2100" b="1" dirty="0" smtClean="0">
+              <a:latin typeface="Calibri" panose="020F0502020204030204" pitchFamily="34" charset="0"/>
+              <a:ea typeface="Calibri" panose="020F0502020204030204" pitchFamily="34" charset="0"/>
+              <a:cs typeface="Times New Roman" panose="02020603050405020304" pitchFamily="18" charset="0"/>
+            </a:endParaRPr>
+          </a:p>
+          <a:p>
+            <a:pPr lvl="0" algn="just">
+              <a:lnSpc>
+                <a:spcPct val="115000"/>
+              </a:lnSpc>
+              <a:spcAft>
+                <a:spcPts val="1000"/>
+              </a:spcAft>
+              <a:buFont typeface="Symbol" panose="05050102010706020507" pitchFamily="18" charset="2"/>
+              <a:buChar char=""/>
+            </a:pPr>
+            <a:r>
+              <a:rPr lang="en-US" sz="2100" dirty="0" smtClean="0">
+                <a:latin typeface="Calibri" panose="020F0502020204030204" pitchFamily="34" charset="0"/>
+                <a:ea typeface="Calibri" panose="020F0502020204030204" pitchFamily="34" charset="0"/>
+                <a:cs typeface="Times New Roman" panose="02020603050405020304" pitchFamily="18" charset="0"/>
+              </a:rPr>
+              <a:t>Radio Frequency Identification </a:t>
+            </a:r>
+            <a:r>
+              <a:rPr lang="en-US" sz="2100" b="1" dirty="0" smtClean="0">
+                <a:latin typeface="Calibri" panose="020F0502020204030204" pitchFamily="34" charset="0"/>
+                <a:ea typeface="Calibri" panose="020F0502020204030204" pitchFamily="34" charset="0"/>
+                <a:cs typeface="Times New Roman" panose="02020603050405020304" pitchFamily="18" charset="0"/>
+              </a:rPr>
+              <a:t>(RFID)</a:t>
+            </a:r>
+            <a:endParaRPr lang="en-IN" sz="2100" b="1" dirty="0" smtClean="0">
+              <a:latin typeface="Calibri" panose="020F0502020204030204" pitchFamily="34" charset="0"/>
+              <a:ea typeface="Calibri" panose="020F0502020204030204" pitchFamily="34" charset="0"/>
+              <a:cs typeface="Times New Roman" panose="02020603050405020304" pitchFamily="18" charset="0"/>
+            </a:endParaRPr>
+          </a:p>
+          <a:p>
             <a:pPr algn="just">
-              <a:buFont typeface="Wingdings" pitchFamily="2" charset="2"/>
-              <a:buChar char="Ø"/>
+              <a:buNone/>
             </a:pPr>
             <a:endParaRPr lang="en-US" sz="2100" dirty="0" smtClean="0"/>
           </a:p>
@@ -4578,7 +4292,7 @@
         </p:spPr>
         <p:txBody>
           <a:bodyPr>
-            <a:normAutofit fontScale="90000"/>
+            <a:normAutofit/>
           </a:bodyPr>
           <a:lstStyle/>
           <a:p>
@@ -4593,7 +4307,7 @@
                 </a:solidFill>
                 <a:latin typeface="Russo One" pitchFamily="2" charset="0"/>
               </a:rPr>
-              <a:t>LITERATURE REVIEW OF ELECTROMAGNETIC BRAKE SYSTEM :</a:t>
+              <a:t>ASSISTED GLOBAL POSITION SYSTEM (AGPS) :</a:t>
             </a:r>
             <a:endParaRPr lang="en-US" sz="2100" dirty="0">
               <a:solidFill>
@@ -4619,8 +4333,8 @@
         </p:nvSpPr>
         <p:spPr>
           <a:xfrm>
-            <a:off x="457200" y="838200"/>
-            <a:ext cx="8229600" cy="5791200"/>
+            <a:off x="457200" y="1219200"/>
+            <a:ext cx="8229600" cy="4648200"/>
           </a:xfrm>
         </p:spPr>
         <p:txBody>
@@ -4630,20 +4344,171 @@
           <a:lstStyle/>
           <a:p>
             <a:pPr algn="just">
-              <a:lnSpc>
-                <a:spcPct val="115000"/>
-              </a:lnSpc>
-              <a:spcAft>
-                <a:spcPts val="1000"/>
-              </a:spcAft>
-            </a:pPr>
+              <a:buFont typeface="Wingdings" pitchFamily="2" charset="2"/>
+              <a:buChar char="Ø"/>
+            </a:pPr>
+            <a:r>
+              <a:rPr lang="en-US" sz="2100" dirty="0" smtClean="0">
+                <a:latin typeface="Calibri" panose="020F0502020204030204" pitchFamily="34" charset="0"/>
+                <a:ea typeface="Calibri" panose="020F0502020204030204" pitchFamily="34" charset="0"/>
+                <a:cs typeface="Times New Roman" panose="02020603050405020304" pitchFamily="18" charset="0"/>
+              </a:rPr>
+              <a:t>In AGPS system, a </a:t>
+            </a:r>
             <a:r>
               <a:rPr lang="en-US" sz="2100" b="1" dirty="0" smtClean="0">
                 <a:latin typeface="Calibri" panose="020F0502020204030204" pitchFamily="34" charset="0"/>
                 <a:ea typeface="Calibri" panose="020F0502020204030204" pitchFamily="34" charset="0"/>
-                <a:cs typeface="Calibri" panose="020F0502020204030204" pitchFamily="34" charset="0"/>
-              </a:rPr>
-              <a:t>Principle of Electromagnetic Brake System</a:t>
+                <a:cs typeface="Times New Roman" panose="02020603050405020304" pitchFamily="18" charset="0"/>
+              </a:rPr>
+              <a:t>terrestrial RF </a:t>
+            </a:r>
+            <a:r>
+              <a:rPr lang="en-US" sz="2100" dirty="0" smtClean="0">
+                <a:latin typeface="Calibri" panose="020F0502020204030204" pitchFamily="34" charset="0"/>
+                <a:ea typeface="Calibri" panose="020F0502020204030204" pitchFamily="34" charset="0"/>
+                <a:cs typeface="Times New Roman" panose="02020603050405020304" pitchFamily="18" charset="0"/>
+              </a:rPr>
+              <a:t>network is used to improve the performance of GPS receivers as it provides information about the satellite constellation directly to the GPS receivers.</a:t>
+            </a:r>
+          </a:p>
+          <a:p>
+            <a:pPr algn="just">
+              <a:buFont typeface="Wingdings" pitchFamily="2" charset="2"/>
+              <a:buChar char="Ø"/>
+            </a:pPr>
+            <a:endParaRPr lang="en-US" sz="2100" dirty="0" smtClean="0">
+              <a:latin typeface="Calibri" panose="020F0502020204030204" pitchFamily="34" charset="0"/>
+              <a:ea typeface="Calibri" panose="020F0502020204030204" pitchFamily="34" charset="0"/>
+              <a:cs typeface="Times New Roman" panose="02020603050405020304" pitchFamily="18" charset="0"/>
+            </a:endParaRPr>
+          </a:p>
+          <a:p>
+            <a:pPr algn="just">
+              <a:buFont typeface="Wingdings" pitchFamily="2" charset="2"/>
+              <a:buChar char="Ø"/>
+            </a:pPr>
+            <a:r>
+              <a:rPr lang="en-US" sz="2100" dirty="0" smtClean="0">
+                <a:latin typeface="Calibri" panose="020F0502020204030204" pitchFamily="34" charset="0"/>
+                <a:ea typeface="Calibri" panose="020F0502020204030204" pitchFamily="34" charset="0"/>
+                <a:cs typeface="Times New Roman" panose="02020603050405020304" pitchFamily="18" charset="0"/>
+              </a:rPr>
+              <a:t>AGPS uses both </a:t>
+            </a:r>
+            <a:r>
+              <a:rPr lang="en-US" sz="2100" b="1" dirty="0" smtClean="0">
+                <a:latin typeface="Calibri" panose="020F0502020204030204" pitchFamily="34" charset="0"/>
+                <a:ea typeface="Calibri" panose="020F0502020204030204" pitchFamily="34" charset="0"/>
+                <a:cs typeface="Times New Roman" panose="02020603050405020304" pitchFamily="18" charset="0"/>
+              </a:rPr>
+              <a:t>mobiles</a:t>
+            </a:r>
+            <a:r>
+              <a:rPr lang="en-US" sz="2100" dirty="0" smtClean="0">
+                <a:latin typeface="Calibri" panose="020F0502020204030204" pitchFamily="34" charset="0"/>
+                <a:ea typeface="Calibri" panose="020F0502020204030204" pitchFamily="34" charset="0"/>
+                <a:cs typeface="Times New Roman" panose="02020603050405020304" pitchFamily="18" charset="0"/>
+              </a:rPr>
+              <a:t> and </a:t>
+            </a:r>
+            <a:r>
+              <a:rPr lang="en-US" sz="2100" b="1" dirty="0" smtClean="0">
+                <a:latin typeface="Calibri" panose="020F0502020204030204" pitchFamily="34" charset="0"/>
+                <a:ea typeface="Calibri" panose="020F0502020204030204" pitchFamily="34" charset="0"/>
+                <a:cs typeface="Times New Roman" panose="02020603050405020304" pitchFamily="18" charset="0"/>
+              </a:rPr>
+              <a:t>cellular networks</a:t>
+            </a:r>
+            <a:r>
+              <a:rPr lang="en-US" sz="2100" dirty="0" smtClean="0">
+                <a:latin typeface="Calibri" panose="020F0502020204030204" pitchFamily="34" charset="0"/>
+                <a:ea typeface="Calibri" panose="020F0502020204030204" pitchFamily="34" charset="0"/>
+                <a:cs typeface="Times New Roman" panose="02020603050405020304" pitchFamily="18" charset="0"/>
+              </a:rPr>
+              <a:t> to locate the </a:t>
+            </a:r>
+            <a:r>
+              <a:rPr lang="en-US" sz="2100" b="1" dirty="0" smtClean="0">
+                <a:latin typeface="Calibri" panose="020F0502020204030204" pitchFamily="34" charset="0"/>
+                <a:ea typeface="Calibri" panose="020F0502020204030204" pitchFamily="34" charset="0"/>
+                <a:cs typeface="Times New Roman" panose="02020603050405020304" pitchFamily="18" charset="0"/>
+              </a:rPr>
+              <a:t>accurate positioning information</a:t>
+            </a:r>
+            <a:r>
+              <a:rPr lang="en-US" sz="2100" dirty="0" smtClean="0">
+                <a:latin typeface="Calibri" panose="020F0502020204030204" pitchFamily="34" charset="0"/>
+                <a:ea typeface="Calibri" panose="020F0502020204030204" pitchFamily="34" charset="0"/>
+                <a:cs typeface="Times New Roman" panose="02020603050405020304" pitchFamily="18" charset="0"/>
+              </a:rPr>
+              <a:t>.</a:t>
+            </a:r>
+          </a:p>
+          <a:p>
+            <a:pPr algn="just">
+              <a:buFont typeface="Wingdings" pitchFamily="2" charset="2"/>
+              <a:buChar char="Ø"/>
+            </a:pPr>
+            <a:endParaRPr lang="en-US" sz="2100" dirty="0" smtClean="0">
+              <a:latin typeface="Calibri" panose="020F0502020204030204" pitchFamily="34" charset="0"/>
+              <a:ea typeface="Calibri" panose="020F0502020204030204" pitchFamily="34" charset="0"/>
+              <a:cs typeface="Times New Roman" panose="02020603050405020304" pitchFamily="18" charset="0"/>
+            </a:endParaRPr>
+          </a:p>
+          <a:p>
+            <a:pPr algn="just">
+              <a:buFont typeface="Wingdings" pitchFamily="2" charset="2"/>
+              <a:buChar char="Ø"/>
+            </a:pPr>
+            <a:r>
+              <a:rPr lang="en-US" sz="2100" dirty="0" smtClean="0">
+                <a:latin typeface="Calibri" panose="020F0502020204030204" pitchFamily="34" charset="0"/>
+                <a:ea typeface="Calibri" panose="020F0502020204030204" pitchFamily="34" charset="0"/>
+                <a:cs typeface="Times New Roman" panose="02020603050405020304" pitchFamily="18" charset="0"/>
+              </a:rPr>
+              <a:t>Location of the vehicle is provided with accuracy of between 3m and 8m, and the speed of 1Km by using this method. </a:t>
+            </a:r>
+          </a:p>
+          <a:p>
+            <a:pPr algn="just">
+              <a:buFont typeface="Wingdings" pitchFamily="2" charset="2"/>
+              <a:buChar char="Ø"/>
+            </a:pPr>
+            <a:endParaRPr lang="en-US" sz="2100" dirty="0" smtClean="0">
+              <a:latin typeface="Calibri" panose="020F0502020204030204" pitchFamily="34" charset="0"/>
+              <a:ea typeface="Calibri" panose="020F0502020204030204" pitchFamily="34" charset="0"/>
+              <a:cs typeface="Times New Roman" panose="02020603050405020304" pitchFamily="18" charset="0"/>
+            </a:endParaRPr>
+          </a:p>
+          <a:p>
+            <a:pPr algn="just">
+              <a:buFont typeface="Wingdings" pitchFamily="2" charset="2"/>
+              <a:buChar char="Ø"/>
+            </a:pPr>
+            <a:r>
+              <a:rPr lang="en-US" sz="2100" dirty="0" smtClean="0">
+                <a:latin typeface="Calibri" panose="020F0502020204030204" pitchFamily="34" charset="0"/>
+                <a:ea typeface="Calibri" panose="020F0502020204030204" pitchFamily="34" charset="0"/>
+                <a:cs typeface="Times New Roman" panose="02020603050405020304" pitchFamily="18" charset="0"/>
+              </a:rPr>
+              <a:t>The system provides </a:t>
+            </a:r>
+            <a:r>
+              <a:rPr lang="en-US" sz="2100" b="1" dirty="0" smtClean="0">
+                <a:latin typeface="Calibri" panose="020F0502020204030204" pitchFamily="34" charset="0"/>
+                <a:ea typeface="Calibri" panose="020F0502020204030204" pitchFamily="34" charset="0"/>
+                <a:cs typeface="Times New Roman" panose="02020603050405020304" pitchFamily="18" charset="0"/>
+              </a:rPr>
+              <a:t>continues updates after every 10 seconds while the vehicle is in motion</a:t>
+            </a:r>
+            <a:r>
+              <a:rPr lang="en-US" sz="2100" dirty="0" smtClean="0">
+                <a:latin typeface="Calibri" panose="020F0502020204030204" pitchFamily="34" charset="0"/>
+                <a:ea typeface="Calibri" panose="020F0502020204030204" pitchFamily="34" charset="0"/>
+                <a:cs typeface="Times New Roman" panose="02020603050405020304" pitchFamily="18" charset="0"/>
+              </a:rPr>
+              <a:t>.</a:t>
             </a:r>
             <a:endParaRPr lang="en-IN" sz="2100" dirty="0" smtClean="0">
               <a:latin typeface="Calibri" panose="020F0502020204030204" pitchFamily="34" charset="0"/>
@@ -4652,169 +4517,18 @@
             </a:endParaRPr>
           </a:p>
           <a:p>
-            <a:pPr marL="285750" indent="-285750" algn="just">
-              <a:lnSpc>
-                <a:spcPct val="115000"/>
-              </a:lnSpc>
-              <a:spcAft>
-                <a:spcPts val="1000"/>
-              </a:spcAft>
-              <a:buFont typeface="Wingdings" panose="05000000000000000000" pitchFamily="2" charset="2"/>
-              <a:buChar char="Ø"/>
-            </a:pPr>
-            <a:r>
-              <a:rPr lang="en-US" sz="2100" dirty="0" smtClean="0">
-                <a:latin typeface="Calibri" panose="020F0502020204030204" pitchFamily="34" charset="0"/>
-                <a:ea typeface="Calibri" panose="020F0502020204030204" pitchFamily="34" charset="0"/>
-                <a:cs typeface="Calibri" panose="020F0502020204030204" pitchFamily="34" charset="0"/>
-              </a:rPr>
-              <a:t>If a piece of copper wire wound around the nail bar and then connected to the electrical supply, it would create that substance to act as an electro magnet. </a:t>
-            </a:r>
-          </a:p>
-          <a:p>
-            <a:pPr marL="285750" indent="-285750" algn="just">
-              <a:lnSpc>
-                <a:spcPct val="115000"/>
-              </a:lnSpc>
-              <a:spcAft>
-                <a:spcPts val="1000"/>
-              </a:spcAft>
-              <a:buFont typeface="Wingdings" panose="05000000000000000000" pitchFamily="2" charset="2"/>
-              <a:buChar char="Ø"/>
-            </a:pPr>
-            <a:r>
-              <a:rPr lang="en-US" sz="2100" dirty="0" smtClean="0">
-                <a:latin typeface="Calibri" panose="020F0502020204030204" pitchFamily="34" charset="0"/>
-                <a:ea typeface="Calibri" panose="020F0502020204030204" pitchFamily="34" charset="0"/>
-                <a:cs typeface="Calibri" panose="020F0502020204030204" pitchFamily="34" charset="0"/>
-              </a:rPr>
-              <a:t>The magnetic field that is generated in the wire, from the current is known as “</a:t>
-            </a:r>
-            <a:r>
-              <a:rPr lang="en-US" sz="2100" b="1" dirty="0" smtClean="0">
-                <a:latin typeface="Calibri" panose="020F0502020204030204" pitchFamily="34" charset="0"/>
-                <a:ea typeface="Calibri" panose="020F0502020204030204" pitchFamily="34" charset="0"/>
-                <a:cs typeface="Calibri" panose="020F0502020204030204" pitchFamily="34" charset="0"/>
-              </a:rPr>
-              <a:t>Right Hand Thumb Rule</a:t>
-            </a:r>
-            <a:r>
-              <a:rPr lang="en-US" sz="2100" dirty="0" smtClean="0">
-                <a:latin typeface="Calibri" panose="020F0502020204030204" pitchFamily="34" charset="0"/>
-                <a:ea typeface="Calibri" panose="020F0502020204030204" pitchFamily="34" charset="0"/>
-                <a:cs typeface="Calibri" panose="020F0502020204030204" pitchFamily="34" charset="0"/>
-              </a:rPr>
-              <a:t>”. </a:t>
-            </a:r>
-            <a:r>
-              <a:rPr lang="en-US" sz="2100" dirty="0" smtClean="0">
-                <a:latin typeface="Calibri" panose="020F0502020204030204" pitchFamily="34" charset="0"/>
-                <a:ea typeface="Calibri" panose="020F0502020204030204" pitchFamily="34" charset="0"/>
-                <a:cs typeface="Calibri" panose="020F0502020204030204" pitchFamily="34" charset="0"/>
-              </a:rPr>
-              <a:t>The magnetic fields disappear when the current is lost. </a:t>
-            </a:r>
-            <a:endParaRPr lang="en-US" sz="2100" dirty="0" smtClean="0">
-              <a:latin typeface="Calibri" panose="020F0502020204030204" pitchFamily="34" charset="0"/>
-              <a:ea typeface="Calibri" panose="020F0502020204030204" pitchFamily="34" charset="0"/>
-              <a:cs typeface="Calibri" panose="020F0502020204030204" pitchFamily="34" charset="0"/>
-            </a:endParaRPr>
-          </a:p>
-          <a:p>
-            <a:pPr marL="285750" indent="-285750" algn="just">
-              <a:lnSpc>
-                <a:spcPct val="115000"/>
-              </a:lnSpc>
-              <a:spcAft>
-                <a:spcPts val="1000"/>
-              </a:spcAft>
-            </a:pPr>
-            <a:r>
-              <a:rPr lang="en-US" sz="2100" b="1" dirty="0" smtClean="0">
-                <a:latin typeface="Calibri" panose="020F0502020204030204" pitchFamily="34" charset="0"/>
-                <a:ea typeface="Calibri" panose="020F0502020204030204" pitchFamily="34" charset="0"/>
-                <a:cs typeface="Calibri" panose="020F0502020204030204" pitchFamily="34" charset="0"/>
-              </a:rPr>
-              <a:t>Working of Electromagnetic Brake </a:t>
-            </a:r>
-            <a:r>
-              <a:rPr lang="en-US" sz="2100" b="1" dirty="0" smtClean="0">
-                <a:latin typeface="Calibri" panose="020F0502020204030204" pitchFamily="34" charset="0"/>
-                <a:ea typeface="Calibri" panose="020F0502020204030204" pitchFamily="34" charset="0"/>
-                <a:cs typeface="Calibri" panose="020F0502020204030204" pitchFamily="34" charset="0"/>
-              </a:rPr>
-              <a:t>System</a:t>
-            </a:r>
-          </a:p>
-          <a:p>
-            <a:pPr marL="285750" indent="-285750" algn="just">
-              <a:lnSpc>
-                <a:spcPct val="115000"/>
-              </a:lnSpc>
-              <a:spcAft>
-                <a:spcPts val="1000"/>
-              </a:spcAft>
+            <a:pPr algn="just">
               <a:buFont typeface="Wingdings" pitchFamily="2" charset="2"/>
               <a:buChar char="Ø"/>
             </a:pPr>
-            <a:r>
-              <a:rPr lang="en-US" sz="2100" dirty="0" smtClean="0">
-                <a:latin typeface="Calibri" panose="020F0502020204030204" pitchFamily="34" charset="0"/>
-                <a:ea typeface="Calibri" panose="020F0502020204030204" pitchFamily="34" charset="0"/>
-                <a:cs typeface="Calibri" panose="020F0502020204030204" pitchFamily="34" charset="0"/>
-              </a:rPr>
-              <a:t>A soft iron core that is magnetized by passing a current through a coil of wire wound on the core. </a:t>
-            </a:r>
-          </a:p>
-          <a:p>
-            <a:pPr marL="285750" indent="-285750" algn="just">
-              <a:lnSpc>
-                <a:spcPct val="115000"/>
-              </a:lnSpc>
-              <a:spcAft>
-                <a:spcPts val="1000"/>
-              </a:spcAft>
+            <a:endParaRPr lang="en-IN" sz="2100" dirty="0" smtClean="0"/>
+          </a:p>
+          <a:p>
+            <a:pPr algn="just">
               <a:buFont typeface="Wingdings" pitchFamily="2" charset="2"/>
               <a:buChar char="Ø"/>
             </a:pPr>
-            <a:r>
-              <a:rPr lang="en-US" sz="2100" dirty="0" smtClean="0">
-                <a:latin typeface="Calibri" panose="020F0502020204030204" pitchFamily="34" charset="0"/>
-                <a:ea typeface="Calibri" panose="020F0502020204030204" pitchFamily="34" charset="0"/>
-                <a:cs typeface="Calibri" panose="020F0502020204030204" pitchFamily="34" charset="0"/>
-              </a:rPr>
-              <a:t>Electromagnets are used to lift heavy masses of magnetic </a:t>
-            </a:r>
-            <a:r>
-              <a:rPr lang="en-US" sz="2100" dirty="0" smtClean="0">
-                <a:latin typeface="Calibri" panose="020F0502020204030204" pitchFamily="34" charset="0"/>
-                <a:ea typeface="Calibri" panose="020F0502020204030204" pitchFamily="34" charset="0"/>
-                <a:cs typeface="Calibri" panose="020F0502020204030204" pitchFamily="34" charset="0"/>
-              </a:rPr>
-              <a:t>material.</a:t>
-            </a:r>
-            <a:endParaRPr lang="en-IN" sz="2100" dirty="0" smtClean="0">
-              <a:latin typeface="Calibri" panose="020F0502020204030204" pitchFamily="34" charset="0"/>
-              <a:ea typeface="Calibri" panose="020F0502020204030204" pitchFamily="34" charset="0"/>
-              <a:cs typeface="Times New Roman" panose="02020603050405020304" pitchFamily="18" charset="0"/>
-            </a:endParaRPr>
-          </a:p>
-          <a:p>
-            <a:pPr marL="285750" indent="-285750" algn="just">
-              <a:lnSpc>
-                <a:spcPct val="115000"/>
-              </a:lnSpc>
-              <a:spcAft>
-                <a:spcPts val="1000"/>
-              </a:spcAft>
-              <a:buFont typeface="Wingdings" pitchFamily="2" charset="2"/>
-              <a:buChar char="Ø"/>
-            </a:pPr>
-            <a:endParaRPr lang="en-US" sz="2100" dirty="0" smtClean="0">
-              <a:latin typeface="Calibri" panose="020F0502020204030204" pitchFamily="34" charset="0"/>
-              <a:ea typeface="Calibri" panose="020F0502020204030204" pitchFamily="34" charset="0"/>
-              <a:cs typeface="Calibri" panose="020F0502020204030204" pitchFamily="34" charset="0"/>
-            </a:endParaRPr>
+            <a:endParaRPr lang="en-US" sz="2100" dirty="0" smtClean="0"/>
           </a:p>
         </p:txBody>
       </p:sp>
@@ -4917,7 +4631,7 @@
                 </a:solidFill>
                 <a:latin typeface="Russo One" pitchFamily="2" charset="0"/>
               </a:rPr>
-              <a:t>TYPES OF CLASSIFICATION OF ELECTROMAGNETS :</a:t>
+              <a:t>AUTOMATIC VEHICLE LOCATION SYSTEM (AVL) :</a:t>
             </a:r>
             <a:endParaRPr lang="en-US" sz="2100" dirty="0">
               <a:solidFill>
@@ -4943,8 +4657,8 @@
         </p:nvSpPr>
         <p:spPr>
           <a:xfrm>
-            <a:off x="457200" y="1295400"/>
-            <a:ext cx="8229600" cy="4495800"/>
+            <a:off x="457200" y="838200"/>
+            <a:ext cx="8229600" cy="5791200"/>
           </a:xfrm>
         </p:spPr>
         <p:txBody>
@@ -4953,24 +4667,57 @@
           </a:bodyPr>
           <a:lstStyle/>
           <a:p>
-            <a:pPr lvl="0" algn="just">
-              <a:lnSpc>
-                <a:spcPct val="115000"/>
-              </a:lnSpc>
-              <a:spcAft>
-                <a:spcPts val="1000"/>
-              </a:spcAft>
-              <a:buNone/>
-            </a:pPr>
+            <a:pPr algn="just">
+              <a:buFont typeface="Wingdings" pitchFamily="2" charset="2"/>
+              <a:buChar char="Ø"/>
+            </a:pPr>
+            <a:r>
+              <a:rPr lang="en-US" sz="2100" dirty="0" smtClean="0">
+                <a:latin typeface="Calibri" panose="020F0502020204030204" pitchFamily="34" charset="0"/>
+                <a:ea typeface="Calibri" panose="020F0502020204030204" pitchFamily="34" charset="0"/>
+                <a:cs typeface="Times New Roman" panose="02020603050405020304" pitchFamily="18" charset="0"/>
+              </a:rPr>
+              <a:t>AVL comprises of </a:t>
+            </a:r>
             <a:r>
               <a:rPr lang="en-US" sz="2100" b="1" dirty="0" smtClean="0">
                 <a:latin typeface="Calibri" panose="020F0502020204030204" pitchFamily="34" charset="0"/>
                 <a:ea typeface="Calibri" panose="020F0502020204030204" pitchFamily="34" charset="0"/>
-                <a:cs typeface="Calibri" panose="020F0502020204030204" pitchFamily="34" charset="0"/>
-              </a:rPr>
-              <a:t>Traction Magnets:</a:t>
-            </a:r>
-            <a:endParaRPr lang="en-IN" sz="2100" b="1" dirty="0" smtClean="0">
+                <a:cs typeface="Times New Roman" panose="02020603050405020304" pitchFamily="18" charset="0"/>
+              </a:rPr>
+              <a:t>Global Positioning System (GPS) </a:t>
+            </a:r>
+            <a:r>
+              <a:rPr lang="en-US" sz="2100" dirty="0" smtClean="0">
+                <a:latin typeface="Calibri" panose="020F0502020204030204" pitchFamily="34" charset="0"/>
+                <a:ea typeface="Calibri" panose="020F0502020204030204" pitchFamily="34" charset="0"/>
+                <a:cs typeface="Times New Roman" panose="02020603050405020304" pitchFamily="18" charset="0"/>
+              </a:rPr>
+              <a:t>and </a:t>
+            </a:r>
+            <a:r>
+              <a:rPr lang="en-US" sz="2100" b="1" dirty="0" smtClean="0">
+                <a:latin typeface="Calibri" panose="020F0502020204030204" pitchFamily="34" charset="0"/>
+                <a:ea typeface="Calibri" panose="020F0502020204030204" pitchFamily="34" charset="0"/>
+                <a:cs typeface="Times New Roman" panose="02020603050405020304" pitchFamily="18" charset="0"/>
+              </a:rPr>
+              <a:t>Geographic Information System (GIS) </a:t>
+            </a:r>
+            <a:r>
+              <a:rPr lang="en-US" sz="2100" dirty="0" smtClean="0">
+                <a:latin typeface="Calibri" panose="020F0502020204030204" pitchFamily="34" charset="0"/>
+                <a:ea typeface="Calibri" panose="020F0502020204030204" pitchFamily="34" charset="0"/>
+                <a:cs typeface="Times New Roman" panose="02020603050405020304" pitchFamily="18" charset="0"/>
+              </a:rPr>
+              <a:t>in order to provide the real geographic location of the vehicle.</a:t>
+            </a:r>
+          </a:p>
+          <a:p>
+            <a:pPr algn="just">
+              <a:buFont typeface="Wingdings" pitchFamily="2" charset="2"/>
+              <a:buChar char="Ø"/>
+            </a:pPr>
+            <a:endParaRPr lang="en-US" sz="2100" dirty="0" smtClean="0">
               <a:latin typeface="Calibri" panose="020F0502020204030204" pitchFamily="34" charset="0"/>
               <a:ea typeface="Calibri" panose="020F0502020204030204" pitchFamily="34" charset="0"/>
               <a:cs typeface="Times New Roman" panose="02020603050405020304" pitchFamily="18" charset="0"/>
@@ -4978,12 +4725,6 @@
           </a:p>
           <a:p>
             <a:pPr algn="just">
-              <a:lnSpc>
-                <a:spcPct val="115000"/>
-              </a:lnSpc>
-              <a:spcAft>
-                <a:spcPts val="1000"/>
-              </a:spcAft>
               <a:buFont typeface="Wingdings" pitchFamily="2" charset="2"/>
               <a:buChar char="Ø"/>
             </a:pPr>
@@ -4991,27 +4732,124 @@
               <a:rPr lang="en-US" sz="2100" dirty="0" smtClean="0">
                 <a:latin typeface="Calibri" panose="020F0502020204030204" pitchFamily="34" charset="0"/>
                 <a:ea typeface="Calibri" panose="020F0502020204030204" pitchFamily="34" charset="0"/>
-                <a:cs typeface="Calibri" panose="020F0502020204030204" pitchFamily="34" charset="0"/>
-              </a:rPr>
-              <a:t>In which the pull is to be exerted over a distance and work is done by reducing the air gap.  </a:t>
-            </a:r>
+                <a:cs typeface="Times New Roman" panose="02020603050405020304" pitchFamily="18" charset="0"/>
+              </a:rPr>
+              <a:t>AVL system consists of PC based tracking software to dispatch, a radio system.</a:t>
+            </a:r>
+          </a:p>
+          <a:p>
+            <a:pPr algn="just">
+              <a:buFont typeface="Wingdings" pitchFamily="2" charset="2"/>
+              <a:buChar char="Ø"/>
+            </a:pPr>
             <a:endParaRPr lang="en-US" sz="2100" dirty="0" smtClean="0">
               <a:latin typeface="Calibri" panose="020F0502020204030204" pitchFamily="34" charset="0"/>
               <a:ea typeface="Calibri" panose="020F0502020204030204" pitchFamily="34" charset="0"/>
-              <a:cs typeface="Calibri" panose="020F0502020204030204" pitchFamily="34" charset="0"/>
+              <a:cs typeface="Times New Roman" panose="02020603050405020304" pitchFamily="18" charset="0"/>
             </a:endParaRPr>
           </a:p>
           <a:p>
             <a:pPr algn="just">
-              <a:lnSpc>
-                <a:spcPct val="115000"/>
-              </a:lnSpc>
-              <a:spcAft>
-                <a:spcPts val="1000"/>
-              </a:spcAft>
               <a:buFont typeface="Wingdings" pitchFamily="2" charset="2"/>
               <a:buChar char="Ø"/>
             </a:pPr>
+            <a:r>
+              <a:rPr lang="en-US" sz="2100" dirty="0" smtClean="0">
+                <a:latin typeface="Calibri" panose="020F0502020204030204" pitchFamily="34" charset="0"/>
+                <a:ea typeface="Calibri" panose="020F0502020204030204" pitchFamily="34" charset="0"/>
+                <a:cs typeface="Times New Roman" panose="02020603050405020304" pitchFamily="18" charset="0"/>
+              </a:rPr>
+              <a:t>The system also has some limitation using the AVL system we cannot get accurate, complete and sufficient satellite data in dense </a:t>
+            </a:r>
+            <a:r>
+              <a:rPr lang="en-US" sz="2100" b="1" dirty="0" smtClean="0">
+                <a:latin typeface="Calibri" panose="020F0502020204030204" pitchFamily="34" charset="0"/>
+                <a:ea typeface="Calibri" panose="020F0502020204030204" pitchFamily="34" charset="0"/>
+                <a:cs typeface="Times New Roman" panose="02020603050405020304" pitchFamily="18" charset="0"/>
+              </a:rPr>
+              <a:t>urban areas </a:t>
+            </a:r>
+            <a:r>
+              <a:rPr lang="en-US" sz="2100" dirty="0" smtClean="0">
+                <a:latin typeface="Calibri" panose="020F0502020204030204" pitchFamily="34" charset="0"/>
+                <a:ea typeface="Calibri" panose="020F0502020204030204" pitchFamily="34" charset="0"/>
+                <a:cs typeface="Times New Roman" panose="02020603050405020304" pitchFamily="18" charset="0"/>
+              </a:rPr>
+              <a:t>or </a:t>
+            </a:r>
+            <a:r>
+              <a:rPr lang="en-US" sz="2100" b="1" dirty="0" smtClean="0">
+                <a:latin typeface="Calibri" panose="020F0502020204030204" pitchFamily="34" charset="0"/>
+                <a:ea typeface="Calibri" panose="020F0502020204030204" pitchFamily="34" charset="0"/>
+                <a:cs typeface="Times New Roman" panose="02020603050405020304" pitchFamily="18" charset="0"/>
+              </a:rPr>
+              <a:t>indoors</a:t>
+            </a:r>
+            <a:r>
+              <a:rPr lang="en-US" sz="2100" dirty="0" smtClean="0">
+                <a:latin typeface="Calibri" panose="020F0502020204030204" pitchFamily="34" charset="0"/>
+                <a:ea typeface="Calibri" panose="020F0502020204030204" pitchFamily="34" charset="0"/>
+                <a:cs typeface="Times New Roman" panose="02020603050405020304" pitchFamily="18" charset="0"/>
+              </a:rPr>
+              <a:t> and when </a:t>
+            </a:r>
+            <a:r>
+              <a:rPr lang="en-US" sz="2100" b="1" dirty="0" smtClean="0">
+                <a:latin typeface="Calibri" panose="020F0502020204030204" pitchFamily="34" charset="0"/>
+                <a:ea typeface="Calibri" panose="020F0502020204030204" pitchFamily="34" charset="0"/>
+                <a:cs typeface="Times New Roman" panose="02020603050405020304" pitchFamily="18" charset="0"/>
+              </a:rPr>
+              <a:t>transmission is blocked by natural obstructions or many buildings</a:t>
+            </a:r>
+            <a:r>
+              <a:rPr lang="en-US" sz="2100" dirty="0" smtClean="0">
+                <a:latin typeface="Calibri" panose="020F0502020204030204" pitchFamily="34" charset="0"/>
+                <a:ea typeface="Calibri" panose="020F0502020204030204" pitchFamily="34" charset="0"/>
+                <a:cs typeface="Times New Roman" panose="02020603050405020304" pitchFamily="18" charset="0"/>
+              </a:rPr>
+              <a:t>.</a:t>
+            </a:r>
+          </a:p>
+          <a:p>
+            <a:pPr algn="just">
+              <a:buFont typeface="Wingdings" pitchFamily="2" charset="2"/>
+              <a:buChar char="Ø"/>
+            </a:pPr>
+            <a:endParaRPr lang="en-US" sz="2100" dirty="0" smtClean="0">
+              <a:latin typeface="Calibri" panose="020F0502020204030204" pitchFamily="34" charset="0"/>
+              <a:ea typeface="Calibri" panose="020F0502020204030204" pitchFamily="34" charset="0"/>
+              <a:cs typeface="Times New Roman" panose="02020603050405020304" pitchFamily="18" charset="0"/>
+            </a:endParaRPr>
+          </a:p>
+          <a:p>
+            <a:pPr algn="just">
+              <a:buFont typeface="Wingdings" pitchFamily="2" charset="2"/>
+              <a:buChar char="Ø"/>
+            </a:pPr>
+            <a:r>
+              <a:rPr lang="en-US" sz="2100" dirty="0" smtClean="0">
+                <a:latin typeface="Calibri" panose="020F0502020204030204" pitchFamily="34" charset="0"/>
+                <a:ea typeface="Calibri" panose="020F0502020204030204" pitchFamily="34" charset="0"/>
+                <a:cs typeface="Times New Roman" panose="02020603050405020304" pitchFamily="18" charset="0"/>
+              </a:rPr>
+              <a:t>It can also occur in RF shadowed environments and under unfriendly </a:t>
+            </a:r>
+            <a:r>
+              <a:rPr lang="en-US" sz="2100" b="1" dirty="0" smtClean="0">
+                <a:latin typeface="Calibri" panose="020F0502020204030204" pitchFamily="34" charset="0"/>
+                <a:ea typeface="Calibri" panose="020F0502020204030204" pitchFamily="34" charset="0"/>
+                <a:cs typeface="Times New Roman" panose="02020603050405020304" pitchFamily="18" charset="0"/>
+              </a:rPr>
+              <a:t>Radio Frequency (RF) conditions</a:t>
+            </a:r>
+            <a:r>
+              <a:rPr lang="en-US" sz="2100" dirty="0" smtClean="0">
+                <a:latin typeface="Calibri" panose="020F0502020204030204" pitchFamily="34" charset="0"/>
+                <a:ea typeface="Calibri" panose="020F0502020204030204" pitchFamily="34" charset="0"/>
+                <a:cs typeface="Times New Roman" panose="02020603050405020304" pitchFamily="18" charset="0"/>
+              </a:rPr>
+              <a:t>. Sometimes, a position fix can be impossible.</a:t>
+            </a:r>
             <a:endParaRPr lang="en-IN" sz="2100" dirty="0" smtClean="0">
               <a:latin typeface="Calibri" panose="020F0502020204030204" pitchFamily="34" charset="0"/>
               <a:ea typeface="Calibri" panose="020F0502020204030204" pitchFamily="34" charset="0"/>
@@ -5020,85 +4858,10 @@
           </a:p>
           <a:p>
             <a:pPr algn="just">
-              <a:lnSpc>
-                <a:spcPct val="115000"/>
-              </a:lnSpc>
-              <a:spcAft>
-                <a:spcPts val="1000"/>
-              </a:spcAft>
               <a:buFont typeface="Wingdings" pitchFamily="2" charset="2"/>
               <a:buChar char="Ø"/>
             </a:pPr>
-            <a:endParaRPr lang="en-IN" sz="2100" dirty="0" smtClean="0">
-              <a:latin typeface="Calibri" panose="020F0502020204030204" pitchFamily="34" charset="0"/>
-              <a:ea typeface="Calibri" panose="020F0502020204030204" pitchFamily="34" charset="0"/>
-              <a:cs typeface="Times New Roman" panose="02020603050405020304" pitchFamily="18" charset="0"/>
-            </a:endParaRPr>
-          </a:p>
-          <a:p>
-            <a:pPr lvl="0" algn="just">
-              <a:lnSpc>
-                <a:spcPct val="115000"/>
-              </a:lnSpc>
-              <a:spcAft>
-                <a:spcPts val="1000"/>
-              </a:spcAft>
-              <a:buNone/>
-            </a:pPr>
-            <a:r>
-              <a:rPr lang="en-US" sz="2100" b="1" dirty="0" smtClean="0">
-                <a:latin typeface="Calibri" panose="020F0502020204030204" pitchFamily="34" charset="0"/>
-                <a:ea typeface="Calibri" panose="020F0502020204030204" pitchFamily="34" charset="0"/>
-                <a:cs typeface="Calibri" panose="020F0502020204030204" pitchFamily="34" charset="0"/>
-              </a:rPr>
-              <a:t>Lifting or holding magnets:</a:t>
-            </a:r>
-            <a:endParaRPr lang="en-IN" sz="2100" b="1" dirty="0" smtClean="0">
-              <a:latin typeface="Calibri" panose="020F0502020204030204" pitchFamily="34" charset="0"/>
-              <a:ea typeface="Calibri" panose="020F0502020204030204" pitchFamily="34" charset="0"/>
-              <a:cs typeface="Times New Roman" panose="02020603050405020304" pitchFamily="18" charset="0"/>
-            </a:endParaRPr>
-          </a:p>
-          <a:p>
-            <a:pPr algn="just">
-              <a:lnSpc>
-                <a:spcPct val="115000"/>
-              </a:lnSpc>
-              <a:spcAft>
-                <a:spcPts val="1000"/>
-              </a:spcAft>
-              <a:buFont typeface="Wingdings" pitchFamily="2" charset="2"/>
-              <a:buChar char="Ø"/>
-            </a:pPr>
-            <a:r>
-              <a:rPr lang="en-US" sz="2100" dirty="0" smtClean="0">
-                <a:latin typeface="Calibri" panose="020F0502020204030204" pitchFamily="34" charset="0"/>
-                <a:ea typeface="Calibri" panose="020F0502020204030204" pitchFamily="34" charset="0"/>
-                <a:cs typeface="Calibri" panose="020F0502020204030204" pitchFamily="34" charset="0"/>
-              </a:rPr>
-              <a:t>In which the material is initially placed in contact with the magnet For Examples of the latter type are magnetic chucks and circular lifting magnets.</a:t>
-            </a:r>
-            <a:endParaRPr lang="en-IN" sz="2100" dirty="0" smtClean="0">
-              <a:latin typeface="Calibri" panose="020F0502020204030204" pitchFamily="34" charset="0"/>
-              <a:ea typeface="Calibri" panose="020F0502020204030204" pitchFamily="34" charset="0"/>
-              <a:cs typeface="Times New Roman" panose="02020603050405020304" pitchFamily="18" charset="0"/>
-            </a:endParaRPr>
-          </a:p>
-          <a:p>
-            <a:pPr algn="just">
-              <a:lnSpc>
-                <a:spcPct val="115000"/>
-              </a:lnSpc>
-              <a:spcAft>
-                <a:spcPts val="1000"/>
-              </a:spcAft>
-              <a:buNone/>
-            </a:pPr>
-            <a:endParaRPr lang="en-IN" sz="2100" dirty="0">
-              <a:latin typeface="Calibri" panose="020F0502020204030204" pitchFamily="34" charset="0"/>
-              <a:ea typeface="Calibri" panose="020F0502020204030204" pitchFamily="34" charset="0"/>
-              <a:cs typeface="Times New Roman" panose="02020603050405020304" pitchFamily="18" charset="0"/>
-            </a:endParaRPr>
+            <a:endParaRPr lang="en-US" sz="2100" dirty="0" smtClean="0"/>
           </a:p>
         </p:txBody>
       </p:sp>
@@ -5201,7 +4964,7 @@
                 </a:solidFill>
                 <a:latin typeface="Russo One" pitchFamily="2" charset="0"/>
               </a:rPr>
-              <a:t>DESIGN AND PRACTICAL WORKING :</a:t>
+              <a:t>RADIO FREQUENCY IDENTICATION (RFID) :</a:t>
             </a:r>
             <a:endParaRPr lang="en-US" sz="2100" dirty="0">
               <a:solidFill>
@@ -5227,8 +4990,8 @@
         </p:nvSpPr>
         <p:spPr>
           <a:xfrm>
-            <a:off x="457200" y="838200"/>
-            <a:ext cx="8229600" cy="5791200"/>
+            <a:off x="457200" y="914400"/>
+            <a:ext cx="8229600" cy="5715000"/>
           </a:xfrm>
         </p:spPr>
         <p:txBody>
@@ -5238,12 +5001,6 @@
           <a:lstStyle/>
           <a:p>
             <a:pPr algn="just">
-              <a:lnSpc>
-                <a:spcPct val="115000"/>
-              </a:lnSpc>
-              <a:spcAft>
-                <a:spcPts val="1000"/>
-              </a:spcAft>
               <a:buFont typeface="Wingdings" pitchFamily="2" charset="2"/>
               <a:buChar char="Ø"/>
             </a:pPr>
@@ -5251,39 +5008,24 @@
               <a:rPr lang="en-US" sz="2100" dirty="0" smtClean="0">
                 <a:latin typeface="Calibri" panose="020F0502020204030204" pitchFamily="34" charset="0"/>
                 <a:ea typeface="Calibri" panose="020F0502020204030204" pitchFamily="34" charset="0"/>
-                <a:cs typeface="Calibri" panose="020F0502020204030204" pitchFamily="34" charset="0"/>
-              </a:rPr>
-              <a:t>Theoretically, it is divided into three main units are Base unit, Driving unity and Braking Unit. </a:t>
+                <a:cs typeface="Times New Roman" panose="02020603050405020304" pitchFamily="18" charset="0"/>
+              </a:rPr>
+              <a:t>In RFID is an automatic identification method using devices called tags to store and remotely retrieves data. RFID uses radio waves to capture data from tags. </a:t>
             </a:r>
           </a:p>
           <a:p>
             <a:pPr algn="just">
-              <a:lnSpc>
-                <a:spcPct val="115000"/>
-              </a:lnSpc>
-              <a:spcAft>
-                <a:spcPts val="1000"/>
-              </a:spcAft>
               <a:buFont typeface="Wingdings" pitchFamily="2" charset="2"/>
               <a:buChar char="Ø"/>
             </a:pPr>
-            <a:r>
-              <a:rPr lang="en-US" sz="2100" dirty="0" smtClean="0">
-                <a:latin typeface="Calibri" panose="020F0502020204030204" pitchFamily="34" charset="0"/>
-                <a:ea typeface="Calibri" panose="020F0502020204030204" pitchFamily="34" charset="0"/>
-                <a:cs typeface="Calibri" panose="020F0502020204030204" pitchFamily="34" charset="0"/>
-              </a:rPr>
-              <a:t>Base unit consist of structural foundation of base unit, driving unit consist of an electrical motor, power control and bearing. Braking unit consists of an electromagnet. </a:t>
-            </a:r>
+            <a:endParaRPr lang="en-US" sz="2100" dirty="0" smtClean="0">
+              <a:latin typeface="Calibri" panose="020F0502020204030204" pitchFamily="34" charset="0"/>
+              <a:ea typeface="Calibri" panose="020F0502020204030204" pitchFamily="34" charset="0"/>
+              <a:cs typeface="Times New Roman" panose="02020603050405020304" pitchFamily="18" charset="0"/>
+            </a:endParaRPr>
           </a:p>
           <a:p>
             <a:pPr algn="just">
-              <a:lnSpc>
-                <a:spcPct val="115000"/>
-              </a:lnSpc>
-              <a:spcAft>
-                <a:spcPts val="1000"/>
-              </a:spcAft>
               <a:buFont typeface="Wingdings" pitchFamily="2" charset="2"/>
               <a:buChar char="Ø"/>
             </a:pPr>
@@ -5291,61 +5033,157 @@
               <a:rPr lang="en-US" sz="2100" dirty="0" smtClean="0">
                 <a:latin typeface="Calibri" panose="020F0502020204030204" pitchFamily="34" charset="0"/>
                 <a:ea typeface="Calibri" panose="020F0502020204030204" pitchFamily="34" charset="0"/>
-                <a:cs typeface="Calibri" panose="020F0502020204030204" pitchFamily="34" charset="0"/>
-              </a:rPr>
-              <a:t>Electromagnetic brakes also called as </a:t>
+                <a:cs typeface="Times New Roman" panose="02020603050405020304" pitchFamily="18" charset="0"/>
+              </a:rPr>
+              <a:t>The tracking method of RFID is comprised of three components tag </a:t>
             </a:r>
             <a:r>
               <a:rPr lang="en-US" sz="2100" b="1" dirty="0" smtClean="0">
                 <a:latin typeface="Calibri" panose="020F0502020204030204" pitchFamily="34" charset="0"/>
                 <a:ea typeface="Calibri" panose="020F0502020204030204" pitchFamily="34" charset="0"/>
-                <a:cs typeface="Calibri" panose="020F0502020204030204" pitchFamily="34" charset="0"/>
-              </a:rPr>
-              <a:t>Electro Mechanical Brakes</a:t>
+                <a:cs typeface="Times New Roman" panose="02020603050405020304" pitchFamily="18" charset="0"/>
+              </a:rPr>
+              <a:t>passive</a:t>
             </a:r>
             <a:r>
               <a:rPr lang="en-US" sz="2100" dirty="0" smtClean="0">
                 <a:latin typeface="Calibri" panose="020F0502020204030204" pitchFamily="34" charset="0"/>
                 <a:ea typeface="Calibri" panose="020F0502020204030204" pitchFamily="34" charset="0"/>
-                <a:cs typeface="Calibri" panose="020F0502020204030204" pitchFamily="34" charset="0"/>
-              </a:rPr>
-              <a:t>. Stop motion using electromagnetic force to apply mechanical resistance by friction. The original name was ‘Electro Mechanical Brakes’ referring to their actuation method. </a:t>
+                <a:cs typeface="Times New Roman" panose="02020603050405020304" pitchFamily="18" charset="0"/>
+              </a:rPr>
+              <a:t>, </a:t>
+            </a:r>
+            <a:r>
+              <a:rPr lang="en-US" sz="2100" b="1" dirty="0" smtClean="0">
+                <a:latin typeface="Calibri" panose="020F0502020204030204" pitchFamily="34" charset="0"/>
+                <a:ea typeface="Calibri" panose="020F0502020204030204" pitchFamily="34" charset="0"/>
+                <a:cs typeface="Times New Roman" panose="02020603050405020304" pitchFamily="18" charset="0"/>
+              </a:rPr>
+              <a:t>semi passive</a:t>
+            </a:r>
+            <a:r>
+              <a:rPr lang="en-US" sz="2100" dirty="0" smtClean="0">
+                <a:latin typeface="Calibri" panose="020F0502020204030204" pitchFamily="34" charset="0"/>
+                <a:ea typeface="Calibri" panose="020F0502020204030204" pitchFamily="34" charset="0"/>
+                <a:cs typeface="Times New Roman" panose="02020603050405020304" pitchFamily="18" charset="0"/>
+              </a:rPr>
+              <a:t> and </a:t>
+            </a:r>
+            <a:r>
+              <a:rPr lang="en-US" sz="2100" b="1" dirty="0" smtClean="0">
+                <a:latin typeface="Calibri" panose="020F0502020204030204" pitchFamily="34" charset="0"/>
+                <a:ea typeface="Calibri" panose="020F0502020204030204" pitchFamily="34" charset="0"/>
+                <a:cs typeface="Times New Roman" panose="02020603050405020304" pitchFamily="18" charset="0"/>
+              </a:rPr>
+              <a:t>active</a:t>
+            </a:r>
+            <a:r>
+              <a:rPr lang="en-US" sz="2100" dirty="0" smtClean="0">
+                <a:latin typeface="Calibri" panose="020F0502020204030204" pitchFamily="34" charset="0"/>
+                <a:ea typeface="Calibri" panose="020F0502020204030204" pitchFamily="34" charset="0"/>
+                <a:cs typeface="Times New Roman" panose="02020603050405020304" pitchFamily="18" charset="0"/>
+              </a:rPr>
+              <a:t>, </a:t>
+            </a:r>
+            <a:r>
+              <a:rPr lang="en-US" sz="2100" b="1" dirty="0" smtClean="0">
+                <a:latin typeface="Calibri" panose="020F0502020204030204" pitchFamily="34" charset="0"/>
+                <a:ea typeface="Calibri" panose="020F0502020204030204" pitchFamily="34" charset="0"/>
+                <a:cs typeface="Times New Roman" panose="02020603050405020304" pitchFamily="18" charset="0"/>
+              </a:rPr>
+              <a:t>reader (antenna or integrator) </a:t>
+            </a:r>
+            <a:r>
+              <a:rPr lang="en-US" sz="2100" dirty="0" smtClean="0">
+                <a:latin typeface="Calibri" panose="020F0502020204030204" pitchFamily="34" charset="0"/>
+                <a:ea typeface="Calibri" panose="020F0502020204030204" pitchFamily="34" charset="0"/>
+                <a:cs typeface="Times New Roman" panose="02020603050405020304" pitchFamily="18" charset="0"/>
+              </a:rPr>
+              <a:t>and </a:t>
+            </a:r>
+            <a:r>
+              <a:rPr lang="en-US" sz="2100" b="1" dirty="0" smtClean="0">
+                <a:latin typeface="Calibri" panose="020F0502020204030204" pitchFamily="34" charset="0"/>
+                <a:ea typeface="Calibri" panose="020F0502020204030204" pitchFamily="34" charset="0"/>
+                <a:cs typeface="Times New Roman" panose="02020603050405020304" pitchFamily="18" charset="0"/>
+              </a:rPr>
+              <a:t>software</a:t>
+            </a:r>
+            <a:r>
+              <a:rPr lang="en-US" sz="2100" dirty="0" smtClean="0">
+                <a:latin typeface="Calibri" panose="020F0502020204030204" pitchFamily="34" charset="0"/>
+                <a:ea typeface="Calibri" panose="020F0502020204030204" pitchFamily="34" charset="0"/>
+                <a:cs typeface="Times New Roman" panose="02020603050405020304" pitchFamily="18" charset="0"/>
+              </a:rPr>
+              <a:t>. RFID tag which contains microelectronic circuits sends the vehicle information to a remote </a:t>
+            </a:r>
+            <a:r>
+              <a:rPr lang="en-US" sz="2100" b="1" dirty="0" smtClean="0">
+                <a:latin typeface="Calibri" panose="020F0502020204030204" pitchFamily="34" charset="0"/>
+                <a:ea typeface="Calibri" panose="020F0502020204030204" pitchFamily="34" charset="0"/>
+                <a:cs typeface="Times New Roman" panose="02020603050405020304" pitchFamily="18" charset="0"/>
+              </a:rPr>
+              <a:t>RFID reader </a:t>
+            </a:r>
+            <a:r>
+              <a:rPr lang="en-US" sz="2100" dirty="0" smtClean="0">
+                <a:latin typeface="Calibri" panose="020F0502020204030204" pitchFamily="34" charset="0"/>
+                <a:ea typeface="Calibri" panose="020F0502020204030204" pitchFamily="34" charset="0"/>
+                <a:cs typeface="Times New Roman" panose="02020603050405020304" pitchFamily="18" charset="0"/>
+              </a:rPr>
+              <a:t>which is then read via the software. </a:t>
             </a:r>
           </a:p>
           <a:p>
             <a:pPr algn="just">
-              <a:lnSpc>
-                <a:spcPct val="115000"/>
-              </a:lnSpc>
-              <a:spcAft>
-                <a:spcPts val="1000"/>
-              </a:spcAft>
               <a:buFont typeface="Wingdings" pitchFamily="2" charset="2"/>
               <a:buChar char="Ø"/>
             </a:pPr>
+            <a:endParaRPr lang="en-US" sz="2100" dirty="0" smtClean="0">
+              <a:latin typeface="Calibri" panose="020F0502020204030204" pitchFamily="34" charset="0"/>
+              <a:ea typeface="Calibri" panose="020F0502020204030204" pitchFamily="34" charset="0"/>
+              <a:cs typeface="Times New Roman" panose="02020603050405020304" pitchFamily="18" charset="0"/>
+            </a:endParaRPr>
+          </a:p>
+          <a:p>
+            <a:pPr algn="just">
+              <a:buFont typeface="Wingdings" pitchFamily="2" charset="2"/>
+              <a:buChar char="Ø"/>
+            </a:pPr>
             <a:r>
               <a:rPr lang="en-US" sz="2100" dirty="0" smtClean="0">
                 <a:latin typeface="Calibri" panose="020F0502020204030204" pitchFamily="34" charset="0"/>
                 <a:ea typeface="Calibri" panose="020F0502020204030204" pitchFamily="34" charset="0"/>
-                <a:cs typeface="Calibri" panose="020F0502020204030204" pitchFamily="34" charset="0"/>
-              </a:rPr>
-              <a:t>Since becoming popular in the mid 20</a:t>
-            </a:r>
-            <a:r>
-              <a:rPr lang="en-US" sz="2100" baseline="30000" dirty="0" smtClean="0">
-                <a:latin typeface="Calibri" panose="020F0502020204030204" pitchFamily="34" charset="0"/>
-                <a:ea typeface="Calibri" panose="020F0502020204030204" pitchFamily="34" charset="0"/>
-                <a:cs typeface="Calibri" panose="020F0502020204030204" pitchFamily="34" charset="0"/>
-              </a:rPr>
-              <a:t>th</a:t>
-            </a:r>
+                <a:cs typeface="Times New Roman" panose="02020603050405020304" pitchFamily="18" charset="0"/>
+              </a:rPr>
+              <a:t>This system provides the location of the vehicle with the accuracy of 4m to 6m. Information such as location of the vehicle, mileage and speed are delivered by the tracking system to the centre.</a:t>
+            </a:r>
+          </a:p>
+          <a:p>
+            <a:pPr algn="just">
+              <a:buNone/>
+            </a:pPr>
             <a:r>
               <a:rPr lang="en-US" sz="2100" dirty="0" smtClean="0">
                 <a:latin typeface="Calibri" panose="020F0502020204030204" pitchFamily="34" charset="0"/>
                 <a:ea typeface="Calibri" panose="020F0502020204030204" pitchFamily="34" charset="0"/>
-                <a:cs typeface="Calibri" panose="020F0502020204030204" pitchFamily="34" charset="0"/>
-              </a:rPr>
-              <a:t> century especially in trains and trolleys, the variety of application and brake current brakes use electromagnetic force but electromagnetic brakes ultimately depend on friction and eddy current brakes use magnetic force directly.</a:t>
+                <a:cs typeface="Times New Roman" panose="02020603050405020304" pitchFamily="18" charset="0"/>
+              </a:rPr>
+              <a:t> </a:t>
+            </a:r>
+          </a:p>
+          <a:p>
+            <a:pPr algn="just">
+              <a:buFont typeface="Wingdings" pitchFamily="2" charset="2"/>
+              <a:buChar char="Ø"/>
+            </a:pPr>
+            <a:r>
+              <a:rPr lang="en-US" sz="2100" dirty="0" smtClean="0">
+                <a:latin typeface="Calibri" panose="020F0502020204030204" pitchFamily="34" charset="0"/>
+                <a:ea typeface="Calibri" panose="020F0502020204030204" pitchFamily="34" charset="0"/>
+                <a:cs typeface="Times New Roman" panose="02020603050405020304" pitchFamily="18" charset="0"/>
+              </a:rPr>
+              <a:t>The information is updated every one minute. The information is sent to and received from RFID tags by a reader using radio waves.</a:t>
             </a:r>
             <a:endParaRPr lang="en-IN" sz="2100" dirty="0" smtClean="0">
               <a:latin typeface="Calibri" panose="020F0502020204030204" pitchFamily="34" charset="0"/>
@@ -5355,20 +5193,10 @@
           </a:p>
           <a:p>
             <a:pPr algn="just">
-              <a:lnSpc>
-                <a:spcPct val="115000"/>
-              </a:lnSpc>
-              <a:spcAft>
-                <a:spcPts val="1000"/>
-              </a:spcAft>
               <a:buFont typeface="Wingdings" pitchFamily="2" charset="2"/>
               <a:buChar char="Ø"/>
             </a:pPr>
-            <a:endParaRPr lang="en-IN" sz="2100" dirty="0">
-              <a:latin typeface="Calibri" panose="020F0502020204030204" pitchFamily="34" charset="0"/>
-              <a:ea typeface="Calibri" panose="020F0502020204030204" pitchFamily="34" charset="0"/>
-              <a:cs typeface="Times New Roman" panose="02020603050405020304" pitchFamily="18" charset="0"/>
-            </a:endParaRPr>
+            <a:endParaRPr lang="en-US" sz="2100" dirty="0" smtClean="0"/>
           </a:p>
         </p:txBody>
       </p:sp>
@@ -5456,7 +5284,7 @@
         </p:spPr>
         <p:txBody>
           <a:bodyPr>
-            <a:normAutofit/>
+            <a:normAutofit fontScale="90000"/>
           </a:bodyPr>
           <a:lstStyle/>
           <a:p>
@@ -5471,7 +5299,7 @@
                 </a:solidFill>
                 <a:latin typeface="Russo One" pitchFamily="2" charset="0"/>
               </a:rPr>
-              <a:t>MATERIAL SELECTION :</a:t>
+              <a:t>LITERATURE REVIEW OF ELECTROMAGNETIC BRAKE SYSTEM :</a:t>
             </a:r>
             <a:endParaRPr lang="en-US" sz="2100" dirty="0">
               <a:solidFill>
@@ -5497,8 +5325,8 @@
         </p:nvSpPr>
         <p:spPr>
           <a:xfrm>
-            <a:off x="381000" y="1447800"/>
-            <a:ext cx="8229600" cy="3810000"/>
+            <a:off x="457200" y="838200"/>
+            <a:ext cx="8229600" cy="5791200"/>
           </a:xfrm>
         </p:spPr>
         <p:txBody>
@@ -5508,6 +5336,103 @@
           <a:lstStyle/>
           <a:p>
             <a:pPr algn="just">
+              <a:lnSpc>
+                <a:spcPct val="115000"/>
+              </a:lnSpc>
+              <a:spcAft>
+                <a:spcPts val="1000"/>
+              </a:spcAft>
+            </a:pPr>
+            <a:r>
+              <a:rPr lang="en-US" sz="2100" b="1" dirty="0" smtClean="0">
+                <a:latin typeface="Calibri" panose="020F0502020204030204" pitchFamily="34" charset="0"/>
+                <a:ea typeface="Calibri" panose="020F0502020204030204" pitchFamily="34" charset="0"/>
+                <a:cs typeface="Calibri" panose="020F0502020204030204" pitchFamily="34" charset="0"/>
+              </a:rPr>
+              <a:t>Principle of Electromagnetic Brake System</a:t>
+            </a:r>
+            <a:endParaRPr lang="en-IN" sz="2100" dirty="0" smtClean="0">
+              <a:latin typeface="Calibri" panose="020F0502020204030204" pitchFamily="34" charset="0"/>
+              <a:ea typeface="Calibri" panose="020F0502020204030204" pitchFamily="34" charset="0"/>
+              <a:cs typeface="Times New Roman" panose="02020603050405020304" pitchFamily="18" charset="0"/>
+            </a:endParaRPr>
+          </a:p>
+          <a:p>
+            <a:pPr marL="285750" indent="-285750" algn="just">
+              <a:lnSpc>
+                <a:spcPct val="115000"/>
+              </a:lnSpc>
+              <a:spcAft>
+                <a:spcPts val="1000"/>
+              </a:spcAft>
+              <a:buFont typeface="Wingdings" panose="05000000000000000000" pitchFamily="2" charset="2"/>
+              <a:buChar char="Ø"/>
+            </a:pPr>
+            <a:r>
+              <a:rPr lang="en-US" sz="2100" dirty="0" smtClean="0">
+                <a:latin typeface="Calibri" panose="020F0502020204030204" pitchFamily="34" charset="0"/>
+                <a:ea typeface="Calibri" panose="020F0502020204030204" pitchFamily="34" charset="0"/>
+                <a:cs typeface="Calibri" panose="020F0502020204030204" pitchFamily="34" charset="0"/>
+              </a:rPr>
+              <a:t>If a piece of copper wire wound around the nail bar and then connected to the electrical supply, it would create that substance to act as an electro magnet. </a:t>
+            </a:r>
+          </a:p>
+          <a:p>
+            <a:pPr marL="285750" indent="-285750" algn="just">
+              <a:lnSpc>
+                <a:spcPct val="115000"/>
+              </a:lnSpc>
+              <a:spcAft>
+                <a:spcPts val="1000"/>
+              </a:spcAft>
+              <a:buFont typeface="Wingdings" panose="05000000000000000000" pitchFamily="2" charset="2"/>
+              <a:buChar char="Ø"/>
+            </a:pPr>
+            <a:r>
+              <a:rPr lang="en-US" sz="2100" dirty="0" smtClean="0">
+                <a:latin typeface="Calibri" panose="020F0502020204030204" pitchFamily="34" charset="0"/>
+                <a:ea typeface="Calibri" panose="020F0502020204030204" pitchFamily="34" charset="0"/>
+                <a:cs typeface="Calibri" panose="020F0502020204030204" pitchFamily="34" charset="0"/>
+              </a:rPr>
+              <a:t>The magnetic field that is generated in the wire, from the current is known as “</a:t>
+            </a:r>
+            <a:r>
+              <a:rPr lang="en-US" sz="2100" b="1" dirty="0" smtClean="0">
+                <a:latin typeface="Calibri" panose="020F0502020204030204" pitchFamily="34" charset="0"/>
+                <a:ea typeface="Calibri" panose="020F0502020204030204" pitchFamily="34" charset="0"/>
+                <a:cs typeface="Calibri" panose="020F0502020204030204" pitchFamily="34" charset="0"/>
+              </a:rPr>
+              <a:t>Right Hand Thumb Rule</a:t>
+            </a:r>
+            <a:r>
+              <a:rPr lang="en-US" sz="2100" dirty="0" smtClean="0">
+                <a:latin typeface="Calibri" panose="020F0502020204030204" pitchFamily="34" charset="0"/>
+                <a:ea typeface="Calibri" panose="020F0502020204030204" pitchFamily="34" charset="0"/>
+                <a:cs typeface="Calibri" panose="020F0502020204030204" pitchFamily="34" charset="0"/>
+              </a:rPr>
+              <a:t>”. The magnetic fields disappear when the current is lost. </a:t>
+            </a:r>
+          </a:p>
+          <a:p>
+            <a:pPr marL="285750" indent="-285750" algn="just">
+              <a:lnSpc>
+                <a:spcPct val="115000"/>
+              </a:lnSpc>
+              <a:spcAft>
+                <a:spcPts val="1000"/>
+              </a:spcAft>
+            </a:pPr>
+            <a:r>
+              <a:rPr lang="en-US" sz="2100" b="1" dirty="0" smtClean="0">
+                <a:latin typeface="Calibri" panose="020F0502020204030204" pitchFamily="34" charset="0"/>
+                <a:ea typeface="Calibri" panose="020F0502020204030204" pitchFamily="34" charset="0"/>
+                <a:cs typeface="Calibri" panose="020F0502020204030204" pitchFamily="34" charset="0"/>
+              </a:rPr>
+              <a:t>Working of Electromagnetic Brake System</a:t>
+            </a:r>
+          </a:p>
+          <a:p>
+            <a:pPr marL="285750" indent="-285750" algn="just">
               <a:lnSpc>
                 <a:spcPct val="115000"/>
               </a:lnSpc>
@@ -5523,16 +5448,11 @@
                 <a:ea typeface="Calibri" panose="020F0502020204030204" pitchFamily="34" charset="0"/>
                 <a:cs typeface="Calibri" panose="020F0502020204030204" pitchFamily="34" charset="0"/>
               </a:rPr>
-              <a:t>Material Selection process is depending on application of where the brake is used. </a:t>
-            </a:r>
-            <a:endParaRPr lang="en-US" sz="2100" dirty="0" smtClean="0">
-              <a:latin typeface="Calibri" panose="020F0502020204030204" pitchFamily="34" charset="0"/>
-              <a:ea typeface="Calibri" panose="020F0502020204030204" pitchFamily="34" charset="0"/>
-              <a:cs typeface="Calibri" panose="020F0502020204030204" pitchFamily="34" charset="0"/>
-            </a:endParaRPr>
-          </a:p>
-          <a:p>
-            <a:pPr algn="just">
+              <a:t>A soft iron core that is magnetized by passing a current through a coil of wire wound on the core. </a:t>
+            </a:r>
+          </a:p>
+          <a:p>
+            <a:pPr marL="285750" indent="-285750" algn="just">
               <a:lnSpc>
                 <a:spcPct val="115000"/>
               </a:lnSpc>
@@ -5542,14 +5462,22 @@
               <a:buFont typeface="Wingdings" pitchFamily="2" charset="2"/>
               <a:buChar char="Ø"/>
             </a:pPr>
-            <a:endParaRPr lang="en-US" sz="2100" dirty="0" smtClean="0">
+            <a:r>
+              <a:rPr lang="en-US" sz="2100" dirty="0" smtClean="0">
+                <a:latin typeface="Calibri" panose="020F0502020204030204" pitchFamily="34" charset="0"/>
+                <a:ea typeface="Calibri" panose="020F0502020204030204" pitchFamily="34" charset="0"/>
+                <a:cs typeface="Calibri" panose="020F0502020204030204" pitchFamily="34" charset="0"/>
+              </a:rPr>
+              <a:t>Electromagnets are used to lift heavy masses of magnetic material.</a:t>
+            </a:r>
+            <a:endParaRPr lang="en-IN" sz="2100" dirty="0" smtClean="0">
               <a:latin typeface="Calibri" panose="020F0502020204030204" pitchFamily="34" charset="0"/>
               <a:ea typeface="Calibri" panose="020F0502020204030204" pitchFamily="34" charset="0"/>
-              <a:cs typeface="Calibri" panose="020F0502020204030204" pitchFamily="34" charset="0"/>
+              <a:cs typeface="Times New Roman" panose="02020603050405020304" pitchFamily="18" charset="0"/>
             </a:endParaRPr>
           </a:p>
           <a:p>
-            <a:pPr algn="just">
+            <a:pPr marL="285750" indent="-285750" algn="just">
               <a:lnSpc>
                 <a:spcPct val="115000"/>
               </a:lnSpc>
@@ -5559,125 +5487,10 @@
               <a:buFont typeface="Wingdings" pitchFamily="2" charset="2"/>
               <a:buChar char="Ø"/>
             </a:pPr>
-            <a:r>
-              <a:rPr lang="en-US" sz="2100" dirty="0" smtClean="0">
-                <a:latin typeface="Calibri" panose="020F0502020204030204" pitchFamily="34" charset="0"/>
-                <a:ea typeface="Calibri" panose="020F0502020204030204" pitchFamily="34" charset="0"/>
-                <a:cs typeface="Calibri" panose="020F0502020204030204" pitchFamily="34" charset="0"/>
-              </a:rPr>
-              <a:t>Generally plate is mostly used in </a:t>
-            </a:r>
-            <a:r>
-              <a:rPr lang="en-US" sz="2100" b="1" dirty="0" smtClean="0">
-                <a:latin typeface="Calibri" panose="020F0502020204030204" pitchFamily="34" charset="0"/>
-                <a:ea typeface="Calibri" panose="020F0502020204030204" pitchFamily="34" charset="0"/>
-                <a:cs typeface="Calibri" panose="020F0502020204030204" pitchFamily="34" charset="0"/>
-              </a:rPr>
-              <a:t>aluminum</a:t>
-            </a:r>
-            <a:r>
-              <a:rPr lang="en-US" sz="2100" dirty="0" smtClean="0">
-                <a:latin typeface="Calibri" panose="020F0502020204030204" pitchFamily="34" charset="0"/>
-                <a:ea typeface="Calibri" panose="020F0502020204030204" pitchFamily="34" charset="0"/>
-                <a:cs typeface="Calibri" panose="020F0502020204030204" pitchFamily="34" charset="0"/>
-              </a:rPr>
-              <a:t> because it is very efficient to produce </a:t>
-            </a:r>
-            <a:r>
-              <a:rPr lang="en-US" sz="2100" b="1" dirty="0" smtClean="0">
-                <a:latin typeface="Calibri" panose="020F0502020204030204" pitchFamily="34" charset="0"/>
-                <a:ea typeface="Calibri" panose="020F0502020204030204" pitchFamily="34" charset="0"/>
-                <a:cs typeface="Calibri" panose="020F0502020204030204" pitchFamily="34" charset="0"/>
-              </a:rPr>
-              <a:t>eddy current in plate</a:t>
-            </a:r>
-            <a:r>
-              <a:rPr lang="en-US" sz="2100" dirty="0" smtClean="0">
-                <a:latin typeface="Calibri" panose="020F0502020204030204" pitchFamily="34" charset="0"/>
-                <a:ea typeface="Calibri" panose="020F0502020204030204" pitchFamily="34" charset="0"/>
-                <a:cs typeface="Calibri" panose="020F0502020204030204" pitchFamily="34" charset="0"/>
-              </a:rPr>
-              <a:t>. </a:t>
-            </a:r>
             <a:endParaRPr lang="en-US" sz="2100" dirty="0" smtClean="0">
               <a:latin typeface="Calibri" panose="020F0502020204030204" pitchFamily="34" charset="0"/>
               <a:ea typeface="Calibri" panose="020F0502020204030204" pitchFamily="34" charset="0"/>
               <a:cs typeface="Calibri" panose="020F0502020204030204" pitchFamily="34" charset="0"/>
-            </a:endParaRPr>
-          </a:p>
-          <a:p>
-            <a:pPr algn="just">
-              <a:lnSpc>
-                <a:spcPct val="115000"/>
-              </a:lnSpc>
-              <a:spcAft>
-                <a:spcPts val="1000"/>
-              </a:spcAft>
-              <a:buFont typeface="Wingdings" pitchFamily="2" charset="2"/>
-              <a:buChar char="Ø"/>
-            </a:pPr>
-            <a:endParaRPr lang="en-US" sz="2100" dirty="0" smtClean="0">
-              <a:latin typeface="Calibri" panose="020F0502020204030204" pitchFamily="34" charset="0"/>
-              <a:ea typeface="Calibri" panose="020F0502020204030204" pitchFamily="34" charset="0"/>
-              <a:cs typeface="Calibri" panose="020F0502020204030204" pitchFamily="34" charset="0"/>
-            </a:endParaRPr>
-          </a:p>
-          <a:p>
-            <a:pPr algn="just">
-              <a:lnSpc>
-                <a:spcPct val="115000"/>
-              </a:lnSpc>
-              <a:spcAft>
-                <a:spcPts val="1000"/>
-              </a:spcAft>
-              <a:buFont typeface="Wingdings" pitchFamily="2" charset="2"/>
-              <a:buChar char="Ø"/>
-            </a:pPr>
-            <a:r>
-              <a:rPr lang="en-US" sz="2100" dirty="0" smtClean="0">
-                <a:latin typeface="Calibri" panose="020F0502020204030204" pitchFamily="34" charset="0"/>
-                <a:ea typeface="Calibri" panose="020F0502020204030204" pitchFamily="34" charset="0"/>
-                <a:cs typeface="Calibri" panose="020F0502020204030204" pitchFamily="34" charset="0"/>
-              </a:rPr>
-              <a:t>Preferred to use most </a:t>
-            </a:r>
-            <a:r>
-              <a:rPr lang="en-US" sz="2100" b="1" dirty="0" smtClean="0">
-                <a:latin typeface="Calibri" panose="020F0502020204030204" pitchFamily="34" charset="0"/>
-                <a:ea typeface="Calibri" panose="020F0502020204030204" pitchFamily="34" charset="0"/>
-                <a:cs typeface="Calibri" panose="020F0502020204030204" pitchFamily="34" charset="0"/>
-              </a:rPr>
-              <a:t>effective copper plate </a:t>
-            </a:r>
-            <a:r>
-              <a:rPr lang="en-US" sz="2100" dirty="0" smtClean="0">
-                <a:latin typeface="Calibri" panose="020F0502020204030204" pitchFamily="34" charset="0"/>
-                <a:ea typeface="Calibri" panose="020F0502020204030204" pitchFamily="34" charset="0"/>
-                <a:cs typeface="Calibri" panose="020F0502020204030204" pitchFamily="34" charset="0"/>
-              </a:rPr>
-              <a:t>but it is not cost efficient.</a:t>
-            </a:r>
-            <a:endParaRPr lang="en-IN" sz="2100" dirty="0" smtClean="0">
-              <a:latin typeface="Calibri" panose="020F0502020204030204" pitchFamily="34" charset="0"/>
-              <a:ea typeface="Calibri" panose="020F0502020204030204" pitchFamily="34" charset="0"/>
-              <a:cs typeface="Times New Roman" panose="02020603050405020304" pitchFamily="18" charset="0"/>
-            </a:endParaRPr>
-          </a:p>
-          <a:p>
-            <a:pPr algn="just">
-              <a:lnSpc>
-                <a:spcPct val="115000"/>
-              </a:lnSpc>
-              <a:spcAft>
-                <a:spcPts val="1000"/>
-              </a:spcAft>
-              <a:buFont typeface="Wingdings" pitchFamily="2" charset="2"/>
-              <a:buChar char="Ø"/>
-            </a:pPr>
-            <a:endParaRPr lang="en-IN" sz="2100" dirty="0">
-              <a:latin typeface="Calibri" panose="020F0502020204030204" pitchFamily="34" charset="0"/>
-              <a:ea typeface="Calibri" panose="020F0502020204030204" pitchFamily="34" charset="0"/>
-              <a:cs typeface="Times New Roman" panose="02020603050405020304" pitchFamily="18" charset="0"/>
             </a:endParaRPr>
           </a:p>
         </p:txBody>
@@ -5781,7 +5594,7 @@
                 </a:solidFill>
                 <a:latin typeface="Russo One" pitchFamily="2" charset="0"/>
               </a:rPr>
-              <a:t>TYPE OF BRAKE SYSTEM :</a:t>
+              <a:t>TYPES OF CLASSIFICATION OF ELECTROMAGNETS :</a:t>
             </a:r>
             <a:endParaRPr lang="en-US" sz="2100" dirty="0">
               <a:solidFill>
@@ -5807,7 +5620,7 @@
         </p:nvSpPr>
         <p:spPr>
           <a:xfrm>
-            <a:off x="457200" y="1371600"/>
+            <a:off x="457200" y="1295400"/>
             <a:ext cx="8229600" cy="4495800"/>
           </a:xfrm>
         </p:spPr>
@@ -5817,7 +5630,7 @@
           </a:bodyPr>
           <a:lstStyle/>
           <a:p>
-            <a:pPr algn="just">
+            <a:pPr lvl="0" algn="just">
               <a:lnSpc>
                 <a:spcPct val="115000"/>
               </a:lnSpc>
@@ -5827,139 +5640,14 @@
               <a:buNone/>
             </a:pPr>
             <a:r>
-              <a:rPr lang="en-US" sz="2100" dirty="0" smtClean="0">
-                <a:latin typeface="Calibri" panose="020F0502020204030204" pitchFamily="34" charset="0"/>
-                <a:ea typeface="Calibri" panose="020F0502020204030204" pitchFamily="34" charset="0"/>
-                <a:cs typeface="Times New Roman" panose="02020603050405020304" pitchFamily="18" charset="0"/>
-              </a:rPr>
-              <a:t>There are three main types of </a:t>
-            </a:r>
-            <a:r>
               <a:rPr lang="en-US" sz="2100" b="1" dirty="0" smtClean="0">
                 <a:latin typeface="Calibri" panose="020F0502020204030204" pitchFamily="34" charset="0"/>
                 <a:ea typeface="Calibri" panose="020F0502020204030204" pitchFamily="34" charset="0"/>
-                <a:cs typeface="Times New Roman" panose="02020603050405020304" pitchFamily="18" charset="0"/>
-              </a:rPr>
-              <a:t>brake system </a:t>
-            </a:r>
-            <a:r>
-              <a:rPr lang="en-US" sz="2100" dirty="0" smtClean="0">
-                <a:latin typeface="Calibri" panose="020F0502020204030204" pitchFamily="34" charset="0"/>
-                <a:ea typeface="Calibri" panose="020F0502020204030204" pitchFamily="34" charset="0"/>
-                <a:cs typeface="Times New Roman" panose="02020603050405020304" pitchFamily="18" charset="0"/>
-              </a:rPr>
-              <a:t>are</a:t>
-            </a:r>
-            <a:r>
-              <a:rPr lang="en-US" sz="2100" dirty="0" smtClean="0">
-                <a:latin typeface="Calibri" panose="020F0502020204030204" pitchFamily="34" charset="0"/>
-                <a:ea typeface="Calibri" panose="020F0502020204030204" pitchFamily="34" charset="0"/>
-                <a:cs typeface="Times New Roman" panose="02020603050405020304" pitchFamily="18" charset="0"/>
-              </a:rPr>
-              <a:t>:</a:t>
-            </a:r>
-          </a:p>
-          <a:p>
-            <a:pPr algn="just">
-              <a:lnSpc>
-                <a:spcPct val="115000"/>
-              </a:lnSpc>
-              <a:spcAft>
-                <a:spcPts val="1000"/>
-              </a:spcAft>
-              <a:buNone/>
-            </a:pPr>
-            <a:endParaRPr lang="en-IN" sz="2100" dirty="0" smtClean="0">
-              <a:latin typeface="Calibri" panose="020F0502020204030204" pitchFamily="34" charset="0"/>
-              <a:ea typeface="Calibri" panose="020F0502020204030204" pitchFamily="34" charset="0"/>
-              <a:cs typeface="Times New Roman" panose="02020603050405020304" pitchFamily="18" charset="0"/>
-            </a:endParaRPr>
-          </a:p>
-          <a:p>
-            <a:pPr lvl="0" algn="just">
-              <a:lnSpc>
-                <a:spcPct val="115000"/>
-              </a:lnSpc>
-              <a:spcAft>
-                <a:spcPts val="1000"/>
-              </a:spcAft>
-              <a:buFont typeface="Wingdings" pitchFamily="2" charset="2"/>
-              <a:buChar char="Ø"/>
-            </a:pPr>
-            <a:r>
-              <a:rPr lang="en-US" sz="2100" b="1" dirty="0" smtClean="0">
-                <a:latin typeface="Calibri" panose="020F0502020204030204" pitchFamily="34" charset="0"/>
-                <a:ea typeface="Calibri" panose="020F0502020204030204" pitchFamily="34" charset="0"/>
                 <a:cs typeface="Calibri" panose="020F0502020204030204" pitchFamily="34" charset="0"/>
               </a:rPr>
-              <a:t>Electromagnetic Brake System</a:t>
-            </a:r>
-            <a:r>
-              <a:rPr lang="en-US" sz="2100" dirty="0" smtClean="0">
-                <a:latin typeface="Calibri" panose="020F0502020204030204" pitchFamily="34" charset="0"/>
-                <a:ea typeface="Calibri" panose="020F0502020204030204" pitchFamily="34" charset="0"/>
-                <a:cs typeface="Calibri" panose="020F0502020204030204" pitchFamily="34" charset="0"/>
-              </a:rPr>
-              <a:t>:</a:t>
-            </a:r>
-          </a:p>
-          <a:p>
-            <a:pPr lvl="0" algn="just">
-              <a:lnSpc>
-                <a:spcPct val="115000"/>
-              </a:lnSpc>
-              <a:spcAft>
-                <a:spcPts val="1000"/>
-              </a:spcAft>
-              <a:buFont typeface="Wingdings" pitchFamily="2" charset="2"/>
-              <a:buChar char="Ø"/>
-            </a:pPr>
-            <a:endParaRPr lang="en-IN" sz="2100" dirty="0" smtClean="0">
-              <a:latin typeface="Calibri" panose="020F0502020204030204" pitchFamily="34" charset="0"/>
-              <a:ea typeface="Calibri" panose="020F0502020204030204" pitchFamily="34" charset="0"/>
-              <a:cs typeface="Times New Roman" panose="02020603050405020304" pitchFamily="18" charset="0"/>
-            </a:endParaRPr>
-          </a:p>
-          <a:p>
-            <a:pPr lvl="0" algn="just">
-              <a:lnSpc>
-                <a:spcPct val="115000"/>
-              </a:lnSpc>
-              <a:spcAft>
-                <a:spcPts val="1000"/>
-              </a:spcAft>
-              <a:buFont typeface="Wingdings" pitchFamily="2" charset="2"/>
-              <a:buChar char="Ø"/>
-            </a:pPr>
-            <a:r>
-              <a:rPr lang="en-US" sz="2100" b="1" dirty="0" smtClean="0">
-                <a:latin typeface="Calibri" panose="020F0502020204030204" pitchFamily="34" charset="0"/>
-                <a:ea typeface="Calibri" panose="020F0502020204030204" pitchFamily="34" charset="0"/>
-                <a:cs typeface="Times New Roman" panose="02020603050405020304" pitchFamily="18" charset="0"/>
-              </a:rPr>
-              <a:t>Frictional Brake System</a:t>
-            </a:r>
-            <a:r>
-              <a:rPr lang="en-US" sz="2100" dirty="0" smtClean="0">
-                <a:latin typeface="Calibri" panose="020F0502020204030204" pitchFamily="34" charset="0"/>
-                <a:ea typeface="Calibri" panose="020F0502020204030204" pitchFamily="34" charset="0"/>
-                <a:cs typeface="Times New Roman" panose="02020603050405020304" pitchFamily="18" charset="0"/>
-              </a:rPr>
-              <a:t>:</a:t>
-            </a:r>
-          </a:p>
-          <a:p>
-            <a:pPr lvl="0" algn="just">
-              <a:lnSpc>
-                <a:spcPct val="115000"/>
-              </a:lnSpc>
-              <a:spcAft>
-                <a:spcPts val="1000"/>
-              </a:spcAft>
-              <a:buFont typeface="Wingdings" pitchFamily="2" charset="2"/>
-              <a:buChar char="Ø"/>
-            </a:pPr>
-            <a:endParaRPr lang="en-IN" sz="2100" dirty="0" smtClean="0">
+              <a:t>Traction Magnets:</a:t>
+            </a:r>
+            <a:endParaRPr lang="en-IN" sz="2100" b="1" dirty="0" smtClean="0">
               <a:latin typeface="Calibri" panose="020F0502020204030204" pitchFamily="34" charset="0"/>
               <a:ea typeface="Calibri" panose="020F0502020204030204" pitchFamily="34" charset="0"/>
               <a:cs typeface="Times New Roman" panose="02020603050405020304" pitchFamily="18" charset="0"/>
@@ -5977,20 +5665,12 @@
               <a:buChar char="Ø"/>
             </a:pPr>
             <a:r>
-              <a:rPr lang="en-US" sz="2100" b="1" dirty="0" smtClean="0">
-                <a:latin typeface="Calibri" panose="020F0502020204030204" pitchFamily="34" charset="0"/>
-                <a:ea typeface="Calibri" panose="020F0502020204030204" pitchFamily="34" charset="0"/>
-                <a:cs typeface="Times New Roman" panose="02020603050405020304" pitchFamily="18" charset="0"/>
-              </a:rPr>
-              <a:t>Hydraulic brake system</a:t>
-            </a:r>
-            <a:r>
               <a:rPr lang="en-US" sz="2100" dirty="0" smtClean="0">
                 <a:latin typeface="Calibri" panose="020F0502020204030204" pitchFamily="34" charset="0"/>
                 <a:ea typeface="Calibri" panose="020F0502020204030204" pitchFamily="34" charset="0"/>
-                <a:cs typeface="Times New Roman" panose="02020603050405020304" pitchFamily="18" charset="0"/>
-              </a:rPr>
-              <a:t>:</a:t>
+                <a:cs typeface="Calibri" panose="020F0502020204030204" pitchFamily="34" charset="0"/>
+              </a:rPr>
+              <a:t>In which the pull is to be exerted over a distance and work is done by reducing the air gap.  </a:t>
             </a:r>
           </a:p>
           <a:p>
@@ -6003,6 +5683,88 @@
               </a:spcAft>
               <a:buFont typeface="Wingdings" pitchFamily="2" charset="2"/>
               <a:buChar char="Ø"/>
+            </a:pPr>
+            <a:endParaRPr lang="en-IN" sz="2100" dirty="0" smtClean="0">
+              <a:latin typeface="Calibri" panose="020F0502020204030204" pitchFamily="34" charset="0"/>
+              <a:ea typeface="Calibri" panose="020F0502020204030204" pitchFamily="34" charset="0"/>
+              <a:cs typeface="Times New Roman" panose="02020603050405020304" pitchFamily="18" charset="0"/>
+            </a:endParaRPr>
+          </a:p>
+          <a:p>
+            <a:pPr algn="just">
+              <a:lnSpc>
+                <a:spcPct val="115000"/>
+              </a:lnSpc>
+              <a:spcAft>
+                <a:spcPts val="1000"/>
+              </a:spcAft>
+              <a:buFont typeface="Wingdings" pitchFamily="2" charset="2"/>
+              <a:buChar char="Ø"/>
+            </a:pPr>
+            <a:endParaRPr lang="en-IN" sz="2100" dirty="0" smtClean="0">
+              <a:latin typeface="Calibri" panose="020F0502020204030204" pitchFamily="34" charset="0"/>
+              <a:ea typeface="Calibri" panose="020F0502020204030204" pitchFamily="34" charset="0"/>
+              <a:cs typeface="Times New Roman" panose="02020603050405020304" pitchFamily="18" charset="0"/>
+            </a:endParaRPr>
+          </a:p>
+          <a:p>
+            <a:pPr lvl="0" algn="just">
+              <a:lnSpc>
+                <a:spcPct val="115000"/>
+              </a:lnSpc>
+              <a:spcAft>
+                <a:spcPts val="1000"/>
+              </a:spcAft>
+              <a:buNone/>
+            </a:pPr>
+            <a:r>
+              <a:rPr lang="en-US" sz="2100" b="1" dirty="0" smtClean="0">
+                <a:latin typeface="Calibri" panose="020F0502020204030204" pitchFamily="34" charset="0"/>
+                <a:ea typeface="Calibri" panose="020F0502020204030204" pitchFamily="34" charset="0"/>
+                <a:cs typeface="Calibri" panose="020F0502020204030204" pitchFamily="34" charset="0"/>
+              </a:rPr>
+              <a:t>Lifting or holding magnets:</a:t>
+            </a:r>
+            <a:endParaRPr lang="en-IN" sz="2100" b="1" dirty="0" smtClean="0">
+              <a:latin typeface="Calibri" panose="020F0502020204030204" pitchFamily="34" charset="0"/>
+              <a:ea typeface="Calibri" panose="020F0502020204030204" pitchFamily="34" charset="0"/>
+              <a:cs typeface="Times New Roman" panose="02020603050405020304" pitchFamily="18" charset="0"/>
+            </a:endParaRPr>
+          </a:p>
+          <a:p>
+            <a:pPr algn="just">
+              <a:lnSpc>
+                <a:spcPct val="115000"/>
+              </a:lnSpc>
+              <a:spcAft>
+                <a:spcPts val="1000"/>
+              </a:spcAft>
+              <a:buFont typeface="Wingdings" pitchFamily="2" charset="2"/>
+              <a:buChar char="Ø"/>
+            </a:pPr>
+            <a:r>
+              <a:rPr lang="en-US" sz="2100" dirty="0" smtClean="0">
+                <a:latin typeface="Calibri" panose="020F0502020204030204" pitchFamily="34" charset="0"/>
+                <a:ea typeface="Calibri" panose="020F0502020204030204" pitchFamily="34" charset="0"/>
+                <a:cs typeface="Calibri" panose="020F0502020204030204" pitchFamily="34" charset="0"/>
+              </a:rPr>
+              <a:t>In which the material is initially placed in contact with the magnet For Examples of the latter type are magnetic chucks and circular lifting magnets.</a:t>
+            </a:r>
+            <a:endParaRPr lang="en-IN" sz="2100" dirty="0" smtClean="0">
+              <a:latin typeface="Calibri" panose="020F0502020204030204" pitchFamily="34" charset="0"/>
+              <a:ea typeface="Calibri" panose="020F0502020204030204" pitchFamily="34" charset="0"/>
+              <a:cs typeface="Times New Roman" panose="02020603050405020304" pitchFamily="18" charset="0"/>
+            </a:endParaRPr>
+          </a:p>
+          <a:p>
+            <a:pPr algn="just">
+              <a:lnSpc>
+                <a:spcPct val="115000"/>
+              </a:lnSpc>
+              <a:spcAft>
+                <a:spcPts val="1000"/>
+              </a:spcAft>
+              <a:buNone/>
             </a:pPr>
             <a:endParaRPr lang="en-IN" sz="2100" dirty="0">
               <a:latin typeface="Calibri" panose="020F0502020204030204" pitchFamily="34" charset="0"/>
@@ -6100,7 +5862,7 @@
           </a:bodyPr>
           <a:lstStyle/>
           <a:p>
-            <a:pPr lvl="0" algn="l"/>
+            <a:pPr algn="l"/>
             <a:r>
               <a:rPr lang="en-US" sz="2100" b="1" dirty="0" smtClean="0">
                 <a:solidFill>
@@ -6111,7 +5873,7 @@
                 </a:solidFill>
                 <a:latin typeface="Russo One" pitchFamily="2" charset="0"/>
               </a:rPr>
-              <a:t>ELECTROMAGNETIC BRAKE SYSTEM :</a:t>
+              <a:t>DESIGN AND PRACTICAL WORKING :</a:t>
             </a:r>
             <a:endParaRPr lang="en-US" sz="2100" dirty="0">
               <a:solidFill>
@@ -6137,8 +5899,8 @@
         </p:nvSpPr>
         <p:spPr>
           <a:xfrm>
-            <a:off x="457200" y="1524000"/>
-            <a:ext cx="8229600" cy="3810000"/>
+            <a:off x="457200" y="838200"/>
+            <a:ext cx="8229600" cy="5791200"/>
           </a:xfrm>
         </p:spPr>
         <p:txBody>
@@ -6161,31 +5923,10 @@
               <a:rPr lang="en-US" sz="2100" dirty="0" smtClean="0">
                 <a:latin typeface="Calibri" panose="020F0502020204030204" pitchFamily="34" charset="0"/>
                 <a:ea typeface="Calibri" panose="020F0502020204030204" pitchFamily="34" charset="0"/>
-                <a:cs typeface="Times New Roman" panose="02020603050405020304" pitchFamily="18" charset="0"/>
-              </a:rPr>
-              <a:t>Rising style of brake system, electromagnetic brakes use an electric motor that is included in the automobile which help the vehicle come to stop. </a:t>
-            </a:r>
-            <a:endParaRPr lang="en-US" sz="2100" dirty="0" smtClean="0">
-              <a:latin typeface="Calibri" panose="020F0502020204030204" pitchFamily="34" charset="0"/>
-              <a:ea typeface="Calibri" panose="020F0502020204030204" pitchFamily="34" charset="0"/>
-              <a:cs typeface="Times New Roman" panose="02020603050405020304" pitchFamily="18" charset="0"/>
-            </a:endParaRPr>
-          </a:p>
-          <a:p>
-            <a:pPr algn="just">
-              <a:lnSpc>
-                <a:spcPct val="115000"/>
-              </a:lnSpc>
-              <a:spcAft>
-                <a:spcPts val="1000"/>
-              </a:spcAft>
-              <a:buNone/>
-            </a:pPr>
-            <a:endParaRPr lang="en-US" sz="2100" dirty="0" smtClean="0">
-              <a:latin typeface="Calibri" panose="020F0502020204030204" pitchFamily="34" charset="0"/>
-              <a:ea typeface="Calibri" panose="020F0502020204030204" pitchFamily="34" charset="0"/>
-              <a:cs typeface="Times New Roman" panose="02020603050405020304" pitchFamily="18" charset="0"/>
-            </a:endParaRPr>
+                <a:cs typeface="Calibri" panose="020F0502020204030204" pitchFamily="34" charset="0"/>
+              </a:rPr>
+              <a:t>Theoretically, it is divided into three main units are Base unit, Driving unity and Braking Unit. </a:t>
+            </a:r>
           </a:p>
           <a:p>
             <a:pPr algn="just">
@@ -6202,31 +5943,10 @@
               <a:rPr lang="en-US" sz="2100" dirty="0" smtClean="0">
                 <a:latin typeface="Calibri" panose="020F0502020204030204" pitchFamily="34" charset="0"/>
                 <a:ea typeface="Calibri" panose="020F0502020204030204" pitchFamily="34" charset="0"/>
-                <a:cs typeface="Times New Roman" panose="02020603050405020304" pitchFamily="18" charset="0"/>
-              </a:rPr>
-              <a:t>These types of brakes are in most hybrid vehicles and use an electric motor to charge the batteries and regenerative brakes. </a:t>
-            </a:r>
-            <a:endParaRPr lang="en-US" sz="2100" dirty="0" smtClean="0">
-              <a:latin typeface="Calibri" panose="020F0502020204030204" pitchFamily="34" charset="0"/>
-              <a:ea typeface="Calibri" panose="020F0502020204030204" pitchFamily="34" charset="0"/>
-              <a:cs typeface="Times New Roman" panose="02020603050405020304" pitchFamily="18" charset="0"/>
-            </a:endParaRPr>
-          </a:p>
-          <a:p>
-            <a:pPr algn="just">
-              <a:lnSpc>
-                <a:spcPct val="115000"/>
-              </a:lnSpc>
-              <a:spcAft>
-                <a:spcPts val="1000"/>
-              </a:spcAft>
-              <a:buNone/>
-            </a:pPr>
-            <a:endParaRPr lang="en-US" sz="2100" dirty="0" smtClean="0">
-              <a:latin typeface="Calibri" panose="020F0502020204030204" pitchFamily="34" charset="0"/>
-              <a:ea typeface="Calibri" panose="020F0502020204030204" pitchFamily="34" charset="0"/>
-              <a:cs typeface="Times New Roman" panose="02020603050405020304" pitchFamily="18" charset="0"/>
-            </a:endParaRPr>
+                <a:cs typeface="Calibri" panose="020F0502020204030204" pitchFamily="34" charset="0"/>
+              </a:rPr>
+              <a:t>Base unit consist of structural foundation of base unit, driving unit consist of an electrical motor, power control and bearing. Braking unit consists of an electromagnet. </a:t>
+            </a:r>
           </a:p>
           <a:p>
             <a:pPr algn="just">
@@ -6243,9 +5963,61 @@
               <a:rPr lang="en-US" sz="2100" dirty="0" smtClean="0">
                 <a:latin typeface="Calibri" panose="020F0502020204030204" pitchFamily="34" charset="0"/>
                 <a:ea typeface="Calibri" panose="020F0502020204030204" pitchFamily="34" charset="0"/>
-                <a:cs typeface="Times New Roman" panose="02020603050405020304" pitchFamily="18" charset="0"/>
-              </a:rPr>
-              <a:t>On occasion some buses will use it as a secondary retarder brake.</a:t>
+                <a:cs typeface="Calibri" panose="020F0502020204030204" pitchFamily="34" charset="0"/>
+              </a:rPr>
+              <a:t>Electromagnetic brakes also called as </a:t>
+            </a:r>
+            <a:r>
+              <a:rPr lang="en-US" sz="2100" b="1" dirty="0" smtClean="0">
+                <a:latin typeface="Calibri" panose="020F0502020204030204" pitchFamily="34" charset="0"/>
+                <a:ea typeface="Calibri" panose="020F0502020204030204" pitchFamily="34" charset="0"/>
+                <a:cs typeface="Calibri" panose="020F0502020204030204" pitchFamily="34" charset="0"/>
+              </a:rPr>
+              <a:t>Electro Mechanical Brakes</a:t>
+            </a:r>
+            <a:r>
+              <a:rPr lang="en-US" sz="2100" dirty="0" smtClean="0">
+                <a:latin typeface="Calibri" panose="020F0502020204030204" pitchFamily="34" charset="0"/>
+                <a:ea typeface="Calibri" panose="020F0502020204030204" pitchFamily="34" charset="0"/>
+                <a:cs typeface="Calibri" panose="020F0502020204030204" pitchFamily="34" charset="0"/>
+              </a:rPr>
+              <a:t>. Stop motion using electromagnetic force to apply mechanical resistance by friction. The original name was ‘Electro Mechanical Brakes’ referring to their actuation method. </a:t>
+            </a:r>
+          </a:p>
+          <a:p>
+            <a:pPr algn="just">
+              <a:lnSpc>
+                <a:spcPct val="115000"/>
+              </a:lnSpc>
+              <a:spcAft>
+                <a:spcPts val="1000"/>
+              </a:spcAft>
+              <a:buFont typeface="Wingdings" pitchFamily="2" charset="2"/>
+              <a:buChar char="Ø"/>
+            </a:pPr>
+            <a:r>
+              <a:rPr lang="en-US" sz="2100" dirty="0" smtClean="0">
+                <a:latin typeface="Calibri" panose="020F0502020204030204" pitchFamily="34" charset="0"/>
+                <a:ea typeface="Calibri" panose="020F0502020204030204" pitchFamily="34" charset="0"/>
+                <a:cs typeface="Calibri" panose="020F0502020204030204" pitchFamily="34" charset="0"/>
+              </a:rPr>
+              <a:t>Since becoming popular in the mid 20</a:t>
+            </a:r>
+            <a:r>
+              <a:rPr lang="en-US" sz="2100" baseline="30000" dirty="0" smtClean="0">
+                <a:latin typeface="Calibri" panose="020F0502020204030204" pitchFamily="34" charset="0"/>
+                <a:ea typeface="Calibri" panose="020F0502020204030204" pitchFamily="34" charset="0"/>
+                <a:cs typeface="Calibri" panose="020F0502020204030204" pitchFamily="34" charset="0"/>
+              </a:rPr>
+              <a:t>th</a:t>
+            </a:r>
+            <a:r>
+              <a:rPr lang="en-US" sz="2100" dirty="0" smtClean="0">
+                <a:latin typeface="Calibri" panose="020F0502020204030204" pitchFamily="34" charset="0"/>
+                <a:ea typeface="Calibri" panose="020F0502020204030204" pitchFamily="34" charset="0"/>
+                <a:cs typeface="Calibri" panose="020F0502020204030204" pitchFamily="34" charset="0"/>
+              </a:rPr>
+              <a:t> century especially in trains and trolleys, the variety of application and brake current brakes use electromagnetic force but electromagnetic brakes ultimately depend on friction and eddy current brakes use magnetic force directly.</a:t>
             </a:r>
             <a:endParaRPr lang="en-IN" sz="2100" dirty="0" smtClean="0">
               <a:latin typeface="Calibri" panose="020F0502020204030204" pitchFamily="34" charset="0"/>
@@ -6370,19 +6142,7 @@
                 </a:solidFill>
                 <a:latin typeface="Russo One" pitchFamily="2" charset="0"/>
               </a:rPr>
-              <a:t>	TEAM MEMBER </a:t>
-            </a:r>
-            <a:r>
-              <a:rPr lang="en-US" sz="1800" b="1" dirty="0" smtClean="0">
-                <a:solidFill>
-                  <a:schemeClr val="accent6">
-                    <a:lumMod val="60000"/>
-                    <a:lumOff val="40000"/>
-                  </a:schemeClr>
-                </a:solidFill>
-                <a:latin typeface="Russo One" pitchFamily="2" charset="0"/>
-              </a:rPr>
-              <a:t>:</a:t>
+              <a:t>	TEAM MEMBER :</a:t>
             </a:r>
           </a:p>
           <a:p>
@@ -6591,19 +6351,7 @@
                 </a:solidFill>
                 <a:latin typeface="Russo One" pitchFamily="2" charset="0"/>
               </a:rPr>
-              <a:t>GUIDED BY </a:t>
-            </a:r>
-            <a:r>
-              <a:rPr lang="en-US" sz="1800" b="1" dirty="0" smtClean="0">
-                <a:solidFill>
-                  <a:schemeClr val="accent6">
-                    <a:lumMod val="60000"/>
-                    <a:lumOff val="40000"/>
-                  </a:schemeClr>
-                </a:solidFill>
-                <a:latin typeface="Russo One" pitchFamily="2" charset="0"/>
-              </a:rPr>
-              <a:t>:</a:t>
+              <a:t>GUIDED BY :</a:t>
             </a:r>
           </a:p>
           <a:p>
@@ -6750,7 +6498,7 @@
           </a:bodyPr>
           <a:lstStyle/>
           <a:p>
-            <a:pPr lvl="0" algn="l"/>
+            <a:pPr algn="l"/>
             <a:r>
               <a:rPr lang="en-US" sz="2100" b="1" dirty="0" smtClean="0">
                 <a:solidFill>
@@ -6761,7 +6509,7 @@
                 </a:solidFill>
                 <a:latin typeface="Russo One" pitchFamily="2" charset="0"/>
               </a:rPr>
-              <a:t>FRICTIONAL BRAKE SYSTEM :</a:t>
+              <a:t>MATERIAL SELECTION :</a:t>
             </a:r>
             <a:endParaRPr lang="en-US" sz="2100" dirty="0">
               <a:solidFill>
@@ -6787,8 +6535,8 @@
         </p:nvSpPr>
         <p:spPr>
           <a:xfrm>
-            <a:off x="457200" y="1371600"/>
-            <a:ext cx="8229600" cy="3886200"/>
+            <a:off x="381000" y="1447800"/>
+            <a:ext cx="8229600" cy="3810000"/>
           </a:xfrm>
         </p:spPr>
         <p:txBody>
@@ -6811,15 +6559,10 @@
               <a:rPr lang="en-US" sz="2100" dirty="0" smtClean="0">
                 <a:latin typeface="Calibri" panose="020F0502020204030204" pitchFamily="34" charset="0"/>
                 <a:ea typeface="Calibri" panose="020F0502020204030204" pitchFamily="34" charset="0"/>
-                <a:cs typeface="Times New Roman" panose="02020603050405020304" pitchFamily="18" charset="0"/>
-              </a:rPr>
-              <a:t>Frictional brake system is found in many automobiles. It is typically found in two forms pads and shoes. </a:t>
-            </a:r>
-            <a:endParaRPr lang="en-US" sz="2100" dirty="0" smtClean="0">
-              <a:latin typeface="Calibri" panose="020F0502020204030204" pitchFamily="34" charset="0"/>
-              <a:ea typeface="Calibri" panose="020F0502020204030204" pitchFamily="34" charset="0"/>
-              <a:cs typeface="Times New Roman" panose="02020603050405020304" pitchFamily="18" charset="0"/>
-            </a:endParaRPr>
+                <a:cs typeface="Calibri" panose="020F0502020204030204" pitchFamily="34" charset="0"/>
+              </a:rPr>
+              <a:t>Material Selection process is depending on application of where the brake is used. </a:t>
+            </a:r>
           </a:p>
           <a:p>
             <a:pPr algn="just">
@@ -6835,7 +6578,7 @@
             <a:endParaRPr lang="en-US" sz="2100" dirty="0" smtClean="0">
               <a:latin typeface="Calibri" panose="020F0502020204030204" pitchFamily="34" charset="0"/>
               <a:ea typeface="Calibri" panose="020F0502020204030204" pitchFamily="34" charset="0"/>
-              <a:cs typeface="Times New Roman" panose="02020603050405020304" pitchFamily="18" charset="0"/>
+              <a:cs typeface="Calibri" panose="020F0502020204030204" pitchFamily="34" charset="0"/>
             </a:endParaRPr>
           </a:p>
           <a:p>
@@ -6853,15 +6596,42 @@
               <a:rPr lang="en-US" sz="2100" dirty="0" smtClean="0">
                 <a:latin typeface="Calibri" panose="020F0502020204030204" pitchFamily="34" charset="0"/>
                 <a:ea typeface="Calibri" panose="020F0502020204030204" pitchFamily="34" charset="0"/>
-                <a:cs typeface="Times New Roman" panose="02020603050405020304" pitchFamily="18" charset="0"/>
-              </a:rPr>
-              <a:t>As the name implies these brakes use friction to stop the automobile from moving. </a:t>
-            </a:r>
-            <a:endParaRPr lang="en-US" sz="2100" dirty="0" smtClean="0">
-              <a:latin typeface="Calibri" panose="020F0502020204030204" pitchFamily="34" charset="0"/>
-              <a:ea typeface="Calibri" panose="020F0502020204030204" pitchFamily="34" charset="0"/>
-              <a:cs typeface="Times New Roman" panose="02020603050405020304" pitchFamily="18" charset="0"/>
-            </a:endParaRPr>
+                <a:cs typeface="Calibri" panose="020F0502020204030204" pitchFamily="34" charset="0"/>
+              </a:rPr>
+              <a:t>Generally plate is mostly used in </a:t>
+            </a:r>
+            <a:r>
+              <a:rPr lang="en-US" sz="2100" b="1" dirty="0" smtClean="0">
+                <a:latin typeface="Calibri" panose="020F0502020204030204" pitchFamily="34" charset="0"/>
+                <a:ea typeface="Calibri" panose="020F0502020204030204" pitchFamily="34" charset="0"/>
+                <a:cs typeface="Calibri" panose="020F0502020204030204" pitchFamily="34" charset="0"/>
+              </a:rPr>
+              <a:t>aluminum</a:t>
+            </a:r>
+            <a:r>
+              <a:rPr lang="en-US" sz="2100" dirty="0" smtClean="0">
+                <a:latin typeface="Calibri" panose="020F0502020204030204" pitchFamily="34" charset="0"/>
+                <a:ea typeface="Calibri" panose="020F0502020204030204" pitchFamily="34" charset="0"/>
+                <a:cs typeface="Calibri" panose="020F0502020204030204" pitchFamily="34" charset="0"/>
+              </a:rPr>
+              <a:t> because it is very efficient to produce </a:t>
+            </a:r>
+            <a:r>
+              <a:rPr lang="en-US" sz="2100" b="1" dirty="0" smtClean="0">
+                <a:latin typeface="Calibri" panose="020F0502020204030204" pitchFamily="34" charset="0"/>
+                <a:ea typeface="Calibri" panose="020F0502020204030204" pitchFamily="34" charset="0"/>
+                <a:cs typeface="Calibri" panose="020F0502020204030204" pitchFamily="34" charset="0"/>
+              </a:rPr>
+              <a:t>eddy current in plate</a:t>
+            </a:r>
+            <a:r>
+              <a:rPr lang="en-US" sz="2100" dirty="0" smtClean="0">
+                <a:latin typeface="Calibri" panose="020F0502020204030204" pitchFamily="34" charset="0"/>
+                <a:ea typeface="Calibri" panose="020F0502020204030204" pitchFamily="34" charset="0"/>
+                <a:cs typeface="Calibri" panose="020F0502020204030204" pitchFamily="34" charset="0"/>
+              </a:rPr>
+              <a:t>. </a:t>
+            </a:r>
           </a:p>
           <a:p>
             <a:pPr algn="just">
@@ -6877,7 +6647,7 @@
             <a:endParaRPr lang="en-US" sz="2100" dirty="0" smtClean="0">
               <a:latin typeface="Calibri" panose="020F0502020204030204" pitchFamily="34" charset="0"/>
               <a:ea typeface="Calibri" panose="020F0502020204030204" pitchFamily="34" charset="0"/>
-              <a:cs typeface="Times New Roman" panose="02020603050405020304" pitchFamily="18" charset="0"/>
+              <a:cs typeface="Calibri" panose="020F0502020204030204" pitchFamily="34" charset="0"/>
             </a:endParaRPr>
           </a:p>
           <a:p>
@@ -6895,17 +6665,25 @@
               <a:rPr lang="en-US" sz="2100" dirty="0" smtClean="0">
                 <a:latin typeface="Calibri" panose="020F0502020204030204" pitchFamily="34" charset="0"/>
                 <a:ea typeface="Calibri" panose="020F0502020204030204" pitchFamily="34" charset="0"/>
-                <a:cs typeface="Times New Roman" panose="02020603050405020304" pitchFamily="18" charset="0"/>
-              </a:rPr>
-              <a:t>Alternatively </a:t>
+                <a:cs typeface="Calibri" panose="020F0502020204030204" pitchFamily="34" charset="0"/>
+              </a:rPr>
+              <a:t>Preferred to use most </a:t>
+            </a:r>
+            <a:r>
+              <a:rPr lang="en-US" sz="2100" b="1" dirty="0" smtClean="0">
+                <a:latin typeface="Calibri" panose="020F0502020204030204" pitchFamily="34" charset="0"/>
+                <a:ea typeface="Calibri" panose="020F0502020204030204" pitchFamily="34" charset="0"/>
+                <a:cs typeface="Calibri" panose="020F0502020204030204" pitchFamily="34" charset="0"/>
+              </a:rPr>
+              <a:t>effective copper plate </a:t>
             </a:r>
             <a:r>
               <a:rPr lang="en-US" sz="2100" dirty="0" smtClean="0">
                 <a:latin typeface="Calibri" panose="020F0502020204030204" pitchFamily="34" charset="0"/>
                 <a:ea typeface="Calibri" panose="020F0502020204030204" pitchFamily="34" charset="0"/>
-                <a:cs typeface="Times New Roman" panose="02020603050405020304" pitchFamily="18" charset="0"/>
-              </a:rPr>
-              <a:t>on a drum brake, a rotating drum with shoes will expand and rub against the inside of the drum.</a:t>
+                <a:cs typeface="Calibri" panose="020F0502020204030204" pitchFamily="34" charset="0"/>
+              </a:rPr>
+              <a:t>but it is not cost efficient.</a:t>
             </a:r>
             <a:endParaRPr lang="en-IN" sz="2100" dirty="0" smtClean="0">
               <a:latin typeface="Calibri" panose="020F0502020204030204" pitchFamily="34" charset="0"/>
@@ -7031,7 +6809,7 @@
                 </a:solidFill>
                 <a:latin typeface="Russo One" pitchFamily="2" charset="0"/>
               </a:rPr>
-              <a:t>HYDRAULIC BRAKE SYSTEM :</a:t>
+              <a:t>TYPE OF BRAKE SYSTEM :</a:t>
             </a:r>
             <a:endParaRPr lang="en-US" sz="2100" dirty="0">
               <a:solidFill>
@@ -7057,8 +6835,8 @@
         </p:nvSpPr>
         <p:spPr>
           <a:xfrm>
-            <a:off x="457200" y="1143000"/>
-            <a:ext cx="8229600" cy="4724400"/>
+            <a:off x="457200" y="1371600"/>
+            <a:ext cx="8229600" cy="4495800"/>
           </a:xfrm>
         </p:spPr>
         <p:txBody>
@@ -7066,6 +6844,147 @@
             <a:noAutofit/>
           </a:bodyPr>
           <a:lstStyle/>
+          <a:p>
+            <a:pPr algn="just">
+              <a:lnSpc>
+                <a:spcPct val="115000"/>
+              </a:lnSpc>
+              <a:spcAft>
+                <a:spcPts val="1000"/>
+              </a:spcAft>
+              <a:buNone/>
+            </a:pPr>
+            <a:r>
+              <a:rPr lang="en-US" sz="2100" dirty="0" smtClean="0">
+                <a:latin typeface="Calibri" panose="020F0502020204030204" pitchFamily="34" charset="0"/>
+                <a:ea typeface="Calibri" panose="020F0502020204030204" pitchFamily="34" charset="0"/>
+                <a:cs typeface="Times New Roman" panose="02020603050405020304" pitchFamily="18" charset="0"/>
+              </a:rPr>
+              <a:t>There are three main types of </a:t>
+            </a:r>
+            <a:r>
+              <a:rPr lang="en-US" sz="2100" b="1" dirty="0" smtClean="0">
+                <a:latin typeface="Calibri" panose="020F0502020204030204" pitchFamily="34" charset="0"/>
+                <a:ea typeface="Calibri" panose="020F0502020204030204" pitchFamily="34" charset="0"/>
+                <a:cs typeface="Times New Roman" panose="02020603050405020304" pitchFamily="18" charset="0"/>
+              </a:rPr>
+              <a:t>brake system </a:t>
+            </a:r>
+            <a:r>
+              <a:rPr lang="en-US" sz="2100" dirty="0" smtClean="0">
+                <a:latin typeface="Calibri" panose="020F0502020204030204" pitchFamily="34" charset="0"/>
+                <a:ea typeface="Calibri" panose="020F0502020204030204" pitchFamily="34" charset="0"/>
+                <a:cs typeface="Times New Roman" panose="02020603050405020304" pitchFamily="18" charset="0"/>
+              </a:rPr>
+              <a:t>are:</a:t>
+            </a:r>
+          </a:p>
+          <a:p>
+            <a:pPr algn="just">
+              <a:lnSpc>
+                <a:spcPct val="115000"/>
+              </a:lnSpc>
+              <a:spcAft>
+                <a:spcPts val="1000"/>
+              </a:spcAft>
+              <a:buNone/>
+            </a:pPr>
+            <a:endParaRPr lang="en-IN" sz="2100" dirty="0" smtClean="0">
+              <a:latin typeface="Calibri" panose="020F0502020204030204" pitchFamily="34" charset="0"/>
+              <a:ea typeface="Calibri" panose="020F0502020204030204" pitchFamily="34" charset="0"/>
+              <a:cs typeface="Times New Roman" panose="02020603050405020304" pitchFamily="18" charset="0"/>
+            </a:endParaRPr>
+          </a:p>
+          <a:p>
+            <a:pPr lvl="0" algn="just">
+              <a:lnSpc>
+                <a:spcPct val="115000"/>
+              </a:lnSpc>
+              <a:spcAft>
+                <a:spcPts val="1000"/>
+              </a:spcAft>
+              <a:buFont typeface="Wingdings" pitchFamily="2" charset="2"/>
+              <a:buChar char="Ø"/>
+            </a:pPr>
+            <a:r>
+              <a:rPr lang="en-US" sz="2100" b="1" dirty="0" smtClean="0">
+                <a:latin typeface="Calibri" panose="020F0502020204030204" pitchFamily="34" charset="0"/>
+                <a:ea typeface="Calibri" panose="020F0502020204030204" pitchFamily="34" charset="0"/>
+                <a:cs typeface="Calibri" panose="020F0502020204030204" pitchFamily="34" charset="0"/>
+              </a:rPr>
+              <a:t>Electromagnetic Brake System</a:t>
+            </a:r>
+            <a:r>
+              <a:rPr lang="en-US" sz="2100" dirty="0" smtClean="0">
+                <a:latin typeface="Calibri" panose="020F0502020204030204" pitchFamily="34" charset="0"/>
+                <a:ea typeface="Calibri" panose="020F0502020204030204" pitchFamily="34" charset="0"/>
+                <a:cs typeface="Calibri" panose="020F0502020204030204" pitchFamily="34" charset="0"/>
+              </a:rPr>
+              <a:t>:</a:t>
+            </a:r>
+          </a:p>
+          <a:p>
+            <a:pPr lvl="0" algn="just">
+              <a:lnSpc>
+                <a:spcPct val="115000"/>
+              </a:lnSpc>
+              <a:spcAft>
+                <a:spcPts val="1000"/>
+              </a:spcAft>
+              <a:buFont typeface="Wingdings" pitchFamily="2" charset="2"/>
+              <a:buChar char="Ø"/>
+            </a:pPr>
+            <a:endParaRPr lang="en-IN" sz="2100" dirty="0" smtClean="0">
+              <a:latin typeface="Calibri" panose="020F0502020204030204" pitchFamily="34" charset="0"/>
+              <a:ea typeface="Calibri" panose="020F0502020204030204" pitchFamily="34" charset="0"/>
+              <a:cs typeface="Times New Roman" panose="02020603050405020304" pitchFamily="18" charset="0"/>
+            </a:endParaRPr>
+          </a:p>
+          <a:p>
+            <a:pPr lvl="0" algn="just">
+              <a:lnSpc>
+                <a:spcPct val="115000"/>
+              </a:lnSpc>
+              <a:spcAft>
+                <a:spcPts val="1000"/>
+              </a:spcAft>
+              <a:buFont typeface="Wingdings" pitchFamily="2" charset="2"/>
+              <a:buChar char="Ø"/>
+            </a:pPr>
+            <a:r>
+              <a:rPr lang="en-US" sz="2100" b="1" dirty="0" smtClean="0">
+                <a:latin typeface="Calibri" panose="020F0502020204030204" pitchFamily="34" charset="0"/>
+                <a:ea typeface="Calibri" panose="020F0502020204030204" pitchFamily="34" charset="0"/>
+                <a:cs typeface="Times New Roman" panose="02020603050405020304" pitchFamily="18" charset="0"/>
+              </a:rPr>
+              <a:t>Frictional Brake System</a:t>
+            </a:r>
+            <a:r>
+              <a:rPr lang="en-US" sz="2100" dirty="0" smtClean="0">
+                <a:latin typeface="Calibri" panose="020F0502020204030204" pitchFamily="34" charset="0"/>
+                <a:ea typeface="Calibri" panose="020F0502020204030204" pitchFamily="34" charset="0"/>
+                <a:cs typeface="Times New Roman" panose="02020603050405020304" pitchFamily="18" charset="0"/>
+              </a:rPr>
+              <a:t>:</a:t>
+            </a:r>
+          </a:p>
+          <a:p>
+            <a:pPr lvl="0" algn="just">
+              <a:lnSpc>
+                <a:spcPct val="115000"/>
+              </a:lnSpc>
+              <a:spcAft>
+                <a:spcPts val="1000"/>
+              </a:spcAft>
+              <a:buFont typeface="Wingdings" pitchFamily="2" charset="2"/>
+              <a:buChar char="Ø"/>
+            </a:pPr>
+            <a:endParaRPr lang="en-IN" sz="2100" dirty="0" smtClean="0">
+              <a:latin typeface="Calibri" panose="020F0502020204030204" pitchFamily="34" charset="0"/>
+              <a:ea typeface="Calibri" panose="020F0502020204030204" pitchFamily="34" charset="0"/>
+              <a:cs typeface="Times New Roman" panose="02020603050405020304" pitchFamily="18" charset="0"/>
+            </a:endParaRPr>
+          </a:p>
           <a:p>
             <a:pPr algn="just">
               <a:lnSpc>
@@ -7078,103 +6997,21 @@
               <a:buChar char="Ø"/>
             </a:pPr>
             <a:r>
+              <a:rPr lang="en-US" sz="2100" b="1" dirty="0" smtClean="0">
+                <a:latin typeface="Calibri" panose="020F0502020204030204" pitchFamily="34" charset="0"/>
+                <a:ea typeface="Calibri" panose="020F0502020204030204" pitchFamily="34" charset="0"/>
+                <a:cs typeface="Times New Roman" panose="02020603050405020304" pitchFamily="18" charset="0"/>
+              </a:rPr>
+              <a:t>Hydraulic brake system</a:t>
+            </a:r>
+            <a:r>
               <a:rPr lang="en-US" sz="2100" dirty="0" smtClean="0">
                 <a:latin typeface="Calibri" panose="020F0502020204030204" pitchFamily="34" charset="0"/>
                 <a:ea typeface="Calibri" panose="020F0502020204030204" pitchFamily="34" charset="0"/>
-                <a:cs typeface="Calibri" panose="020F0502020204030204" pitchFamily="34" charset="0"/>
-              </a:rPr>
-              <a:t>Hydraulic brake system is composed of a master cylinder that is fed by a reservoir of hydraulic braking fluid</a:t>
-            </a:r>
-            <a:r>
-              <a:rPr lang="en-US" sz="2100" dirty="0" smtClean="0">
-                <a:latin typeface="Calibri" panose="020F0502020204030204" pitchFamily="34" charset="0"/>
-                <a:ea typeface="Calibri" panose="020F0502020204030204" pitchFamily="34" charset="0"/>
-                <a:cs typeface="Calibri" panose="020F0502020204030204" pitchFamily="34" charset="0"/>
-              </a:rPr>
-              <a:t>.</a:t>
-            </a:r>
-          </a:p>
-          <a:p>
-            <a:pPr algn="just">
-              <a:lnSpc>
-                <a:spcPct val="115000"/>
-              </a:lnSpc>
-              <a:spcAft>
-                <a:spcPts val="1000"/>
-              </a:spcAft>
-              <a:buNone/>
-            </a:pPr>
-            <a:endParaRPr lang="en-US" sz="2100" dirty="0" smtClean="0">
-              <a:latin typeface="Calibri" panose="020F0502020204030204" pitchFamily="34" charset="0"/>
-              <a:ea typeface="Calibri" panose="020F0502020204030204" pitchFamily="34" charset="0"/>
-              <a:cs typeface="Calibri" panose="020F0502020204030204" pitchFamily="34" charset="0"/>
-            </a:endParaRPr>
-          </a:p>
-          <a:p>
-            <a:pPr algn="just">
-              <a:lnSpc>
-                <a:spcPct val="115000"/>
-              </a:lnSpc>
-              <a:spcAft>
-                <a:spcPts val="1000"/>
-              </a:spcAft>
-              <a:buFont typeface="Wingdings" pitchFamily="2" charset="2"/>
-              <a:buChar char="Ø"/>
-            </a:pPr>
-            <a:r>
-              <a:rPr lang="en-US" sz="2100" dirty="0" smtClean="0">
-                <a:latin typeface="Calibri" panose="020F0502020204030204" pitchFamily="34" charset="0"/>
-                <a:ea typeface="Calibri" panose="020F0502020204030204" pitchFamily="34" charset="0"/>
-                <a:cs typeface="Calibri" panose="020F0502020204030204" pitchFamily="34" charset="0"/>
-              </a:rPr>
-              <a:t>This is connected by an assortment of metal pipes and rubber fittings which are attached to the cylinders of the wheels. </a:t>
-            </a:r>
-            <a:endParaRPr lang="en-US" sz="2100" dirty="0" smtClean="0">
-              <a:latin typeface="Calibri" panose="020F0502020204030204" pitchFamily="34" charset="0"/>
-              <a:ea typeface="Calibri" panose="020F0502020204030204" pitchFamily="34" charset="0"/>
-              <a:cs typeface="Calibri" panose="020F0502020204030204" pitchFamily="34" charset="0"/>
-            </a:endParaRPr>
-          </a:p>
-          <a:p>
-            <a:pPr algn="just">
-              <a:lnSpc>
-                <a:spcPct val="115000"/>
-              </a:lnSpc>
-              <a:spcAft>
-                <a:spcPts val="1000"/>
-              </a:spcAft>
-              <a:buNone/>
-            </a:pPr>
-            <a:endParaRPr lang="en-US" sz="2100" dirty="0" smtClean="0">
-              <a:latin typeface="Calibri" panose="020F0502020204030204" pitchFamily="34" charset="0"/>
-              <a:ea typeface="Calibri" panose="020F0502020204030204" pitchFamily="34" charset="0"/>
-              <a:cs typeface="Calibri" panose="020F0502020204030204" pitchFamily="34" charset="0"/>
-            </a:endParaRPr>
-          </a:p>
-          <a:p>
-            <a:pPr algn="just">
-              <a:lnSpc>
-                <a:spcPct val="115000"/>
-              </a:lnSpc>
-              <a:spcAft>
-                <a:spcPts val="1000"/>
-              </a:spcAft>
-              <a:buFont typeface="Wingdings" pitchFamily="2" charset="2"/>
-              <a:buChar char="Ø"/>
-            </a:pPr>
-            <a:r>
-              <a:rPr lang="en-US" sz="2100" dirty="0" smtClean="0">
-                <a:latin typeface="Calibri" panose="020F0502020204030204" pitchFamily="34" charset="0"/>
-                <a:ea typeface="Calibri" panose="020F0502020204030204" pitchFamily="34" charset="0"/>
-                <a:cs typeface="Calibri" panose="020F0502020204030204" pitchFamily="34" charset="0"/>
-              </a:rPr>
-              <a:t>The wheels contain two opposite pistons which are located on the band or drum brakes which pressure to push the pistons apart forcing the brake pads into the cylinders, thus causing the wheel to stop moving.</a:t>
-            </a:r>
-            <a:endParaRPr lang="en-IN" sz="2100" dirty="0" smtClean="0">
-              <a:latin typeface="Calibri" panose="020F0502020204030204" pitchFamily="34" charset="0"/>
-              <a:ea typeface="Calibri" panose="020F0502020204030204" pitchFamily="34" charset="0"/>
-              <a:cs typeface="Times New Roman" panose="02020603050405020304" pitchFamily="18" charset="0"/>
-            </a:endParaRPr>
+                <a:cs typeface="Times New Roman" panose="02020603050405020304" pitchFamily="18" charset="0"/>
+              </a:rPr>
+              <a:t>:</a:t>
+            </a:r>
           </a:p>
           <a:p>
             <a:pPr algn="just">
@@ -7279,11 +7116,11 @@
         </p:spPr>
         <p:txBody>
           <a:bodyPr>
-            <a:normAutofit fontScale="90000"/>
+            <a:normAutofit/>
           </a:bodyPr>
           <a:lstStyle/>
           <a:p>
-            <a:pPr algn="l"/>
+            <a:pPr lvl="0" algn="l"/>
             <a:r>
               <a:rPr lang="en-US" sz="2100" b="1" dirty="0" smtClean="0">
                 <a:solidFill>
@@ -7294,7 +7131,7 @@
                 </a:solidFill>
                 <a:latin typeface="Russo One" pitchFamily="2" charset="0"/>
               </a:rPr>
-              <a:t>SIGNIFICATION/SCOPES OF ELECTROMAGNETIC BRAKE SYSTEM :</a:t>
+              <a:t>ELECTROMAGNETIC BRAKE SYSTEM :</a:t>
             </a:r>
             <a:endParaRPr lang="en-US" sz="2100" dirty="0">
               <a:solidFill>
@@ -7320,8 +7157,8 @@
         </p:nvSpPr>
         <p:spPr>
           <a:xfrm>
-            <a:off x="457200" y="1447800"/>
-            <a:ext cx="8229600" cy="4038600"/>
+            <a:off x="457200" y="1524000"/>
+            <a:ext cx="8229600" cy="3810000"/>
           </a:xfrm>
         </p:spPr>
         <p:txBody>
@@ -7330,117 +7167,7 @@
           </a:bodyPr>
           <a:lstStyle/>
           <a:p>
-            <a:pPr lvl="0" algn="just">
-              <a:lnSpc>
-                <a:spcPct val="115000"/>
-              </a:lnSpc>
-              <a:buFont typeface="Wingdings" pitchFamily="2" charset="2"/>
-              <a:buChar char="Ø"/>
-            </a:pPr>
-            <a:r>
-              <a:rPr lang="en-US" sz="2100" dirty="0" smtClean="0">
-                <a:latin typeface="Calibri" panose="020F0502020204030204" pitchFamily="34" charset="0"/>
-                <a:ea typeface="Calibri" panose="020F0502020204030204" pitchFamily="34" charset="0"/>
-                <a:cs typeface="Calibri" panose="020F0502020204030204" pitchFamily="34" charset="0"/>
-              </a:rPr>
-              <a:t>Electromagnetic brakes satisfy all the energy requirements of braking without the use of friction</a:t>
-            </a:r>
-            <a:r>
-              <a:rPr lang="en-US" sz="2100" dirty="0" smtClean="0">
-                <a:latin typeface="Calibri" panose="020F0502020204030204" pitchFamily="34" charset="0"/>
-                <a:ea typeface="Calibri" panose="020F0502020204030204" pitchFamily="34" charset="0"/>
-                <a:cs typeface="Calibri" panose="020F0502020204030204" pitchFamily="34" charset="0"/>
-              </a:rPr>
-              <a:t>.</a:t>
-            </a:r>
-          </a:p>
-          <a:p>
-            <a:pPr lvl="0" algn="just">
-              <a:lnSpc>
-                <a:spcPct val="115000"/>
-              </a:lnSpc>
-              <a:buNone/>
-            </a:pPr>
-            <a:endParaRPr lang="en-IN" sz="2100" dirty="0" smtClean="0">
-              <a:latin typeface="Calibri" panose="020F0502020204030204" pitchFamily="34" charset="0"/>
-              <a:ea typeface="Calibri" panose="020F0502020204030204" pitchFamily="34" charset="0"/>
-              <a:cs typeface="Times New Roman" panose="02020603050405020304" pitchFamily="18" charset="0"/>
-            </a:endParaRPr>
-          </a:p>
-          <a:p>
-            <a:pPr lvl="0" algn="just">
-              <a:lnSpc>
-                <a:spcPct val="115000"/>
-              </a:lnSpc>
-              <a:buNone/>
-            </a:pPr>
-            <a:endParaRPr lang="en-IN" sz="2100" dirty="0" smtClean="0">
-              <a:latin typeface="Calibri" panose="020F0502020204030204" pitchFamily="34" charset="0"/>
-              <a:ea typeface="Calibri" panose="020F0502020204030204" pitchFamily="34" charset="0"/>
-              <a:cs typeface="Times New Roman" panose="02020603050405020304" pitchFamily="18" charset="0"/>
-            </a:endParaRPr>
-          </a:p>
-          <a:p>
-            <a:pPr lvl="0" algn="just">
-              <a:lnSpc>
-                <a:spcPct val="115000"/>
-              </a:lnSpc>
-              <a:buFont typeface="Wingdings" pitchFamily="2" charset="2"/>
-              <a:buChar char="Ø"/>
-            </a:pPr>
-            <a:r>
-              <a:rPr lang="en-US" sz="2100" dirty="0" smtClean="0">
-                <a:latin typeface="Calibri" panose="020F0502020204030204" pitchFamily="34" charset="0"/>
-                <a:ea typeface="Calibri" panose="020F0502020204030204" pitchFamily="34" charset="0"/>
-                <a:cs typeface="Calibri" panose="020F0502020204030204" pitchFamily="34" charset="0"/>
-              </a:rPr>
-              <a:t>These </a:t>
-            </a:r>
-            <a:r>
-              <a:rPr lang="en-US" sz="2100" dirty="0" smtClean="0">
-                <a:latin typeface="Calibri" panose="020F0502020204030204" pitchFamily="34" charset="0"/>
-                <a:ea typeface="Calibri" panose="020F0502020204030204" pitchFamily="34" charset="0"/>
-                <a:cs typeface="Calibri" panose="020F0502020204030204" pitchFamily="34" charset="0"/>
-              </a:rPr>
-              <a:t>brake component cost is less so these brakes are cheap</a:t>
-            </a:r>
-            <a:r>
-              <a:rPr lang="en-US" sz="2100" dirty="0" smtClean="0">
-                <a:latin typeface="Calibri" panose="020F0502020204030204" pitchFamily="34" charset="0"/>
-                <a:ea typeface="Calibri" panose="020F0502020204030204" pitchFamily="34" charset="0"/>
-                <a:cs typeface="Calibri" panose="020F0502020204030204" pitchFamily="34" charset="0"/>
-              </a:rPr>
-              <a:t>.</a:t>
-            </a:r>
-          </a:p>
-          <a:p>
-            <a:pPr lvl="0" algn="just">
-              <a:lnSpc>
-                <a:spcPct val="115000"/>
-              </a:lnSpc>
-              <a:buNone/>
-            </a:pPr>
-            <a:endParaRPr lang="en-IN" sz="2100" dirty="0" smtClean="0">
-              <a:latin typeface="Calibri" panose="020F0502020204030204" pitchFamily="34" charset="0"/>
-              <a:ea typeface="Calibri" panose="020F0502020204030204" pitchFamily="34" charset="0"/>
-              <a:cs typeface="Times New Roman" panose="02020603050405020304" pitchFamily="18" charset="0"/>
-            </a:endParaRPr>
-          </a:p>
-          <a:p>
-            <a:pPr lvl="0" algn="just">
-              <a:lnSpc>
-                <a:spcPct val="115000"/>
-              </a:lnSpc>
-              <a:buNone/>
-            </a:pPr>
-            <a:endParaRPr lang="en-IN" sz="2100" dirty="0" smtClean="0">
-              <a:latin typeface="Calibri" panose="020F0502020204030204" pitchFamily="34" charset="0"/>
-              <a:ea typeface="Calibri" panose="020F0502020204030204" pitchFamily="34" charset="0"/>
-              <a:cs typeface="Times New Roman" panose="02020603050405020304" pitchFamily="18" charset="0"/>
-            </a:endParaRPr>
-          </a:p>
-          <a:p>
-            <a:pPr lvl="0" algn="just">
+            <a:pPr algn="just">
               <a:lnSpc>
                 <a:spcPct val="115000"/>
               </a:lnSpc>
@@ -7454,9 +7181,81 @@
               <a:rPr lang="en-US" sz="2100" dirty="0" smtClean="0">
                 <a:latin typeface="Calibri" panose="020F0502020204030204" pitchFamily="34" charset="0"/>
                 <a:ea typeface="Calibri" panose="020F0502020204030204" pitchFamily="34" charset="0"/>
-                <a:cs typeface="Calibri" panose="020F0502020204030204" pitchFamily="34" charset="0"/>
-              </a:rPr>
-              <a:t>They can be used as an alternative method for the future crisis of the crude oils.</a:t>
+                <a:cs typeface="Times New Roman" panose="02020603050405020304" pitchFamily="18" charset="0"/>
+              </a:rPr>
+              <a:t>Rising style of brake system, electromagnetic brakes use an electric motor that is included in the automobile which help the vehicle come to stop. </a:t>
+            </a:r>
+          </a:p>
+          <a:p>
+            <a:pPr algn="just">
+              <a:lnSpc>
+                <a:spcPct val="115000"/>
+              </a:lnSpc>
+              <a:spcAft>
+                <a:spcPts val="1000"/>
+              </a:spcAft>
+              <a:buNone/>
+            </a:pPr>
+            <a:endParaRPr lang="en-US" sz="2100" dirty="0" smtClean="0">
+              <a:latin typeface="Calibri" panose="020F0502020204030204" pitchFamily="34" charset="0"/>
+              <a:ea typeface="Calibri" panose="020F0502020204030204" pitchFamily="34" charset="0"/>
+              <a:cs typeface="Times New Roman" panose="02020603050405020304" pitchFamily="18" charset="0"/>
+            </a:endParaRPr>
+          </a:p>
+          <a:p>
+            <a:pPr algn="just">
+              <a:lnSpc>
+                <a:spcPct val="115000"/>
+              </a:lnSpc>
+              <a:spcAft>
+                <a:spcPts val="1000"/>
+              </a:spcAft>
+              <a:buFont typeface="Wingdings" pitchFamily="2" charset="2"/>
+              <a:buChar char="Ø"/>
+            </a:pPr>
+            <a:r>
+              <a:rPr lang="en-US" sz="2100" dirty="0" smtClean="0">
+                <a:latin typeface="Calibri" panose="020F0502020204030204" pitchFamily="34" charset="0"/>
+                <a:ea typeface="Calibri" panose="020F0502020204030204" pitchFamily="34" charset="0"/>
+                <a:cs typeface="Times New Roman" panose="02020603050405020304" pitchFamily="18" charset="0"/>
+              </a:rPr>
+              <a:t>These types of brakes are in most hybrid vehicles and use an electric motor to charge the batteries and regenerative brakes. </a:t>
+            </a:r>
+          </a:p>
+          <a:p>
+            <a:pPr algn="just">
+              <a:lnSpc>
+                <a:spcPct val="115000"/>
+              </a:lnSpc>
+              <a:spcAft>
+                <a:spcPts val="1000"/>
+              </a:spcAft>
+              <a:buNone/>
+            </a:pPr>
+            <a:endParaRPr lang="en-US" sz="2100" dirty="0" smtClean="0">
+              <a:latin typeface="Calibri" panose="020F0502020204030204" pitchFamily="34" charset="0"/>
+              <a:ea typeface="Calibri" panose="020F0502020204030204" pitchFamily="34" charset="0"/>
+              <a:cs typeface="Times New Roman" panose="02020603050405020304" pitchFamily="18" charset="0"/>
+            </a:endParaRPr>
+          </a:p>
+          <a:p>
+            <a:pPr algn="just">
+              <a:lnSpc>
+                <a:spcPct val="115000"/>
+              </a:lnSpc>
+              <a:spcAft>
+                <a:spcPts val="1000"/>
+              </a:spcAft>
+              <a:buFont typeface="Wingdings" pitchFamily="2" charset="2"/>
+              <a:buChar char="Ø"/>
+            </a:pPr>
+            <a:r>
+              <a:rPr lang="en-US" sz="2100" dirty="0" smtClean="0">
+                <a:latin typeface="Calibri" panose="020F0502020204030204" pitchFamily="34" charset="0"/>
+                <a:ea typeface="Calibri" panose="020F0502020204030204" pitchFamily="34" charset="0"/>
+                <a:cs typeface="Times New Roman" panose="02020603050405020304" pitchFamily="18" charset="0"/>
+              </a:rPr>
+              <a:t>On occasion some buses will use it as a secondary retarder brake.</a:t>
             </a:r>
             <a:endParaRPr lang="en-IN" sz="2100" dirty="0" smtClean="0">
               <a:latin typeface="Calibri" panose="020F0502020204030204" pitchFamily="34" charset="0"/>
@@ -7571,7 +7370,7 @@
           </a:bodyPr>
           <a:lstStyle/>
           <a:p>
-            <a:pPr algn="l"/>
+            <a:pPr lvl="0" algn="l"/>
             <a:r>
               <a:rPr lang="en-US" sz="2100" b="1" dirty="0" smtClean="0">
                 <a:solidFill>
@@ -7582,7 +7381,7 @@
                 </a:solidFill>
                 <a:latin typeface="Russo One" pitchFamily="2" charset="0"/>
               </a:rPr>
-              <a:t>LIMITATION OF ELECTROMAGNETIC BRAKE SYSTEM :</a:t>
+              <a:t>FRICTIONAL BRAKE SYSTEM :</a:t>
             </a:r>
             <a:endParaRPr lang="en-US" sz="2100" dirty="0">
               <a:solidFill>
@@ -7608,8 +7407,8 @@
         </p:nvSpPr>
         <p:spPr>
           <a:xfrm>
-            <a:off x="457200" y="1600200"/>
-            <a:ext cx="8229600" cy="3962400"/>
+            <a:off x="457200" y="1371600"/>
+            <a:ext cx="8229600" cy="3886200"/>
           </a:xfrm>
         </p:spPr>
         <p:txBody>
@@ -7618,10 +7417,13 @@
           </a:bodyPr>
           <a:lstStyle/>
           <a:p>
-            <a:pPr lvl="0" algn="just">
+            <a:pPr algn="just">
               <a:lnSpc>
                 <a:spcPct val="115000"/>
               </a:lnSpc>
+              <a:spcAft>
+                <a:spcPts val="1000"/>
+              </a:spcAft>
               <a:buFont typeface="Wingdings" pitchFamily="2" charset="2"/>
               <a:buChar char="Ø"/>
             </a:pPr>
@@ -7631,49 +7433,82 @@
                 <a:ea typeface="Calibri" panose="020F0502020204030204" pitchFamily="34" charset="0"/>
                 <a:cs typeface="Times New Roman" panose="02020603050405020304" pitchFamily="18" charset="0"/>
               </a:rPr>
-              <a:t>The installation of an electromagnetic brake is very difficult if there is not enough space between the </a:t>
-            </a:r>
-            <a:r>
-              <a:rPr lang="en-US" sz="2100" b="1" dirty="0" smtClean="0">
-                <a:latin typeface="Calibri" panose="020F0502020204030204" pitchFamily="34" charset="0"/>
-                <a:ea typeface="Calibri" panose="020F0502020204030204" pitchFamily="34" charset="0"/>
-                <a:cs typeface="Times New Roman" panose="02020603050405020304" pitchFamily="18" charset="0"/>
-              </a:rPr>
-              <a:t>gearbox</a:t>
-            </a:r>
-            <a:r>
-              <a:rPr lang="en-US" sz="2100" dirty="0" smtClean="0">
-                <a:latin typeface="Calibri" panose="020F0502020204030204" pitchFamily="34" charset="0"/>
-                <a:ea typeface="Calibri" panose="020F0502020204030204" pitchFamily="34" charset="0"/>
-                <a:cs typeface="Times New Roman" panose="02020603050405020304" pitchFamily="18" charset="0"/>
-              </a:rPr>
-              <a:t> and </a:t>
-            </a:r>
-            <a:r>
-              <a:rPr lang="en-US" sz="2100" b="1" dirty="0" smtClean="0">
-                <a:latin typeface="Calibri" panose="020F0502020204030204" pitchFamily="34" charset="0"/>
-                <a:ea typeface="Calibri" panose="020F0502020204030204" pitchFamily="34" charset="0"/>
-                <a:cs typeface="Times New Roman" panose="02020603050405020304" pitchFamily="18" charset="0"/>
-              </a:rPr>
-              <a:t>rear axle</a:t>
-            </a:r>
-            <a:r>
-              <a:rPr lang="en-US" sz="2100" dirty="0" smtClean="0">
-                <a:latin typeface="Calibri" panose="020F0502020204030204" pitchFamily="34" charset="0"/>
-                <a:ea typeface="Calibri" panose="020F0502020204030204" pitchFamily="34" charset="0"/>
-                <a:cs typeface="Times New Roman" panose="02020603050405020304" pitchFamily="18" charset="0"/>
-              </a:rPr>
-              <a:t>.</a:t>
-            </a:r>
-          </a:p>
-          <a:p>
-            <a:pPr lvl="0" algn="just">
+              <a:t>Frictional brake system is found in many automobiles. It is typically found in two forms pads and shoes. </a:t>
+            </a:r>
+          </a:p>
+          <a:p>
+            <a:pPr algn="just">
               <a:lnSpc>
                 <a:spcPct val="115000"/>
               </a:lnSpc>
+              <a:spcAft>
+                <a:spcPts val="1000"/>
+              </a:spcAft>
               <a:buFont typeface="Wingdings" pitchFamily="2" charset="2"/>
               <a:buChar char="Ø"/>
             </a:pPr>
+            <a:endParaRPr lang="en-US" sz="2100" dirty="0" smtClean="0">
+              <a:latin typeface="Calibri" panose="020F0502020204030204" pitchFamily="34" charset="0"/>
+              <a:ea typeface="Calibri" panose="020F0502020204030204" pitchFamily="34" charset="0"/>
+              <a:cs typeface="Times New Roman" panose="02020603050405020304" pitchFamily="18" charset="0"/>
+            </a:endParaRPr>
+          </a:p>
+          <a:p>
+            <a:pPr algn="just">
+              <a:lnSpc>
+                <a:spcPct val="115000"/>
+              </a:lnSpc>
+              <a:spcAft>
+                <a:spcPts val="1000"/>
+              </a:spcAft>
+              <a:buFont typeface="Wingdings" pitchFamily="2" charset="2"/>
+              <a:buChar char="Ø"/>
+            </a:pPr>
+            <a:r>
+              <a:rPr lang="en-US" sz="2100" dirty="0" smtClean="0">
+                <a:latin typeface="Calibri" panose="020F0502020204030204" pitchFamily="34" charset="0"/>
+                <a:ea typeface="Calibri" panose="020F0502020204030204" pitchFamily="34" charset="0"/>
+                <a:cs typeface="Times New Roman" panose="02020603050405020304" pitchFamily="18" charset="0"/>
+              </a:rPr>
+              <a:t>As the name implies these brakes use friction to stop the automobile from moving. </a:t>
+            </a:r>
+          </a:p>
+          <a:p>
+            <a:pPr algn="just">
+              <a:lnSpc>
+                <a:spcPct val="115000"/>
+              </a:lnSpc>
+              <a:spcAft>
+                <a:spcPts val="1000"/>
+              </a:spcAft>
+              <a:buFont typeface="Wingdings" pitchFamily="2" charset="2"/>
+              <a:buChar char="Ø"/>
+            </a:pPr>
+            <a:endParaRPr lang="en-US" sz="2100" dirty="0" smtClean="0">
+              <a:latin typeface="Calibri" panose="020F0502020204030204" pitchFamily="34" charset="0"/>
+              <a:ea typeface="Calibri" panose="020F0502020204030204" pitchFamily="34" charset="0"/>
+              <a:cs typeface="Times New Roman" panose="02020603050405020304" pitchFamily="18" charset="0"/>
+            </a:endParaRPr>
+          </a:p>
+          <a:p>
+            <a:pPr algn="just">
+              <a:lnSpc>
+                <a:spcPct val="115000"/>
+              </a:lnSpc>
+              <a:spcAft>
+                <a:spcPts val="1000"/>
+              </a:spcAft>
+              <a:buFont typeface="Wingdings" pitchFamily="2" charset="2"/>
+              <a:buChar char="Ø"/>
+            </a:pPr>
+            <a:r>
+              <a:rPr lang="en-US" sz="2100" dirty="0" smtClean="0">
+                <a:latin typeface="Calibri" panose="020F0502020204030204" pitchFamily="34" charset="0"/>
+                <a:ea typeface="Calibri" panose="020F0502020204030204" pitchFamily="34" charset="0"/>
+                <a:cs typeface="Times New Roman" panose="02020603050405020304" pitchFamily="18" charset="0"/>
+              </a:rPr>
+              <a:t>Alternatively on a drum brake, a rotating drum with shoes will expand and rub against the inside of the drum.</a:t>
+            </a:r>
             <a:endParaRPr lang="en-IN" sz="2100" dirty="0" smtClean="0">
               <a:latin typeface="Calibri" panose="020F0502020204030204" pitchFamily="34" charset="0"/>
               <a:ea typeface="Calibri" panose="020F0502020204030204" pitchFamily="34" charset="0"/>
@@ -7681,88 +7516,21 @@
             </a:endParaRPr>
           </a:p>
           <a:p>
-            <a:pPr lvl="0" algn="just">
+            <a:pPr algn="just">
               <a:lnSpc>
                 <a:spcPct val="115000"/>
               </a:lnSpc>
+              <a:spcAft>
+                <a:spcPts val="1000"/>
+              </a:spcAft>
               <a:buFont typeface="Wingdings" pitchFamily="2" charset="2"/>
               <a:buChar char="Ø"/>
             </a:pPr>
-            <a:endParaRPr lang="en-IN" sz="2100" dirty="0" smtClean="0">
+            <a:endParaRPr lang="en-IN" sz="2100" dirty="0">
               <a:latin typeface="Calibri" panose="020F0502020204030204" pitchFamily="34" charset="0"/>
               <a:ea typeface="Calibri" panose="020F0502020204030204" pitchFamily="34" charset="0"/>
               <a:cs typeface="Times New Roman" panose="02020603050405020304" pitchFamily="18" charset="0"/>
             </a:endParaRPr>
-          </a:p>
-          <a:p>
-            <a:pPr lvl="0" algn="just">
-              <a:lnSpc>
-                <a:spcPct val="115000"/>
-              </a:lnSpc>
-              <a:buFont typeface="Wingdings" pitchFamily="2" charset="2"/>
-              <a:buChar char="Ø"/>
-            </a:pPr>
-            <a:r>
-              <a:rPr lang="en-US" sz="2100" dirty="0" smtClean="0">
-                <a:latin typeface="Calibri" panose="020F0502020204030204" pitchFamily="34" charset="0"/>
-                <a:ea typeface="Calibri" panose="020F0502020204030204" pitchFamily="34" charset="0"/>
-                <a:cs typeface="Times New Roman" panose="02020603050405020304" pitchFamily="18" charset="0"/>
-              </a:rPr>
-              <a:t>It cannot use grease or oil</a:t>
-            </a:r>
-            <a:r>
-              <a:rPr lang="en-US" sz="2100" dirty="0" smtClean="0">
-                <a:latin typeface="Calibri" panose="020F0502020204030204" pitchFamily="34" charset="0"/>
-                <a:ea typeface="Calibri" panose="020F0502020204030204" pitchFamily="34" charset="0"/>
-                <a:cs typeface="Times New Roman" panose="02020603050405020304" pitchFamily="18" charset="0"/>
-              </a:rPr>
-              <a:t>.</a:t>
-            </a:r>
-          </a:p>
-          <a:p>
-            <a:pPr lvl="0" algn="just">
-              <a:lnSpc>
-                <a:spcPct val="115000"/>
-              </a:lnSpc>
-              <a:buFont typeface="Wingdings" pitchFamily="2" charset="2"/>
-              <a:buChar char="Ø"/>
-            </a:pPr>
-            <a:endParaRPr lang="en-IN" sz="2100" dirty="0" smtClean="0">
-              <a:latin typeface="Calibri" panose="020F0502020204030204" pitchFamily="34" charset="0"/>
-              <a:ea typeface="Calibri" panose="020F0502020204030204" pitchFamily="34" charset="0"/>
-              <a:cs typeface="Times New Roman" panose="02020603050405020304" pitchFamily="18" charset="0"/>
-            </a:endParaRPr>
-          </a:p>
-          <a:p>
-            <a:pPr lvl="0" algn="just">
-              <a:lnSpc>
-                <a:spcPct val="115000"/>
-              </a:lnSpc>
-              <a:buFont typeface="Wingdings" pitchFamily="2" charset="2"/>
-              <a:buChar char="Ø"/>
-            </a:pPr>
-            <a:endParaRPr lang="en-IN" sz="2100" dirty="0" smtClean="0">
-              <a:latin typeface="Calibri" panose="020F0502020204030204" pitchFamily="34" charset="0"/>
-              <a:ea typeface="Calibri" panose="020F0502020204030204" pitchFamily="34" charset="0"/>
-              <a:cs typeface="Times New Roman" panose="02020603050405020304" pitchFamily="18" charset="0"/>
-            </a:endParaRPr>
-          </a:p>
-          <a:p>
-            <a:pPr lvl="0" algn="just">
-              <a:lnSpc>
-                <a:spcPct val="115000"/>
-              </a:lnSpc>
-              <a:buFont typeface="Wingdings" pitchFamily="2" charset="2"/>
-              <a:buChar char="Ø"/>
-            </a:pPr>
-            <a:r>
-              <a:rPr lang="en-US" sz="2100" dirty="0" smtClean="0">
-                <a:latin typeface="Calibri" panose="020F0502020204030204" pitchFamily="34" charset="0"/>
-                <a:ea typeface="Calibri" panose="020F0502020204030204" pitchFamily="34" charset="0"/>
-                <a:cs typeface="Times New Roman" panose="02020603050405020304" pitchFamily="18" charset="0"/>
-              </a:rPr>
-              <a:t>Electromagnetic brakes are good at slowing things down, not completely stopping them.</a:t>
-            </a:r>
           </a:p>
         </p:txBody>
       </p:sp>
@@ -7844,18 +7612,19 @@
         </p:nvSpPr>
         <p:spPr>
           <a:xfrm>
-            <a:off x="381000" y="2819400"/>
-            <a:ext cx="8229600" cy="990600"/>
+            <a:off x="457200" y="228600"/>
+            <a:ext cx="8229600" cy="563562"/>
           </a:xfrm>
         </p:spPr>
         <p:txBody>
           <a:bodyPr>
-            <a:noAutofit/>
+            <a:normAutofit/>
           </a:bodyPr>
           <a:lstStyle/>
           <a:p>
-            <a:r>
-              <a:rPr lang="en-US" sz="6000" b="1" dirty="0" smtClean="0">
+            <a:pPr algn="l"/>
+            <a:r>
+              <a:rPr lang="en-US" sz="2100" b="1" dirty="0" smtClean="0">
                 <a:solidFill>
                   <a:schemeClr val="accent6">
                     <a:lumMod val="60000"/>
@@ -7864,21 +7633,9 @@
                 </a:solidFill>
                 <a:latin typeface="Russo One" pitchFamily="2" charset="0"/>
               </a:rPr>
-              <a:t>THANK	 </a:t>
-            </a:r>
-            <a:r>
-              <a:rPr lang="en-US" sz="6000" b="1" dirty="0" smtClean="0">
-                <a:solidFill>
-                  <a:schemeClr val="accent6">
-                    <a:lumMod val="60000"/>
-                    <a:lumOff val="40000"/>
-                  </a:schemeClr>
-                </a:solidFill>
-                <a:latin typeface="Russo One" pitchFamily="2" charset="0"/>
-              </a:rPr>
-              <a:t>YOU</a:t>
-            </a:r>
-            <a:endParaRPr lang="en-US" sz="6000" dirty="0">
+              <a:t>HYDRAULIC BRAKE SYSTEM :</a:t>
+            </a:r>
+            <a:endParaRPr lang="en-US" sz="2100" dirty="0">
               <a:solidFill>
                 <a:schemeClr val="accent6">
                   <a:lumMod val="60000"/>
@@ -7886,6 +7643,143 @@
                 </a:schemeClr>
               </a:solidFill>
               <a:latin typeface="Russo One" pitchFamily="2" charset="0"/>
+            </a:endParaRPr>
+          </a:p>
+        </p:txBody>
+      </p:sp>
+      <p:sp>
+        <p:nvSpPr>
+          <p:cNvPr id="3" name="Content Placeholder 2"/>
+          <p:cNvSpPr>
+            <a:spLocks noGrp="1"/>
+          </p:cNvSpPr>
+          <p:nvPr>
+            <p:ph idx="1"/>
+          </p:nvPr>
+        </p:nvSpPr>
+        <p:spPr>
+          <a:xfrm>
+            <a:off x="457200" y="1143000"/>
+            <a:ext cx="8229600" cy="4724400"/>
+          </a:xfrm>
+        </p:spPr>
+        <p:txBody>
+          <a:bodyPr>
+            <a:noAutofit/>
+          </a:bodyPr>
+          <a:lstStyle/>
+          <a:p>
+            <a:pPr algn="just">
+              <a:lnSpc>
+                <a:spcPct val="115000"/>
+              </a:lnSpc>
+              <a:spcAft>
+                <a:spcPts val="1000"/>
+              </a:spcAft>
+              <a:buFont typeface="Wingdings" pitchFamily="2" charset="2"/>
+              <a:buChar char="Ø"/>
+            </a:pPr>
+            <a:r>
+              <a:rPr lang="en-US" sz="2100" dirty="0" smtClean="0">
+                <a:latin typeface="Calibri" panose="020F0502020204030204" pitchFamily="34" charset="0"/>
+                <a:ea typeface="Calibri" panose="020F0502020204030204" pitchFamily="34" charset="0"/>
+                <a:cs typeface="Calibri" panose="020F0502020204030204" pitchFamily="34" charset="0"/>
+              </a:rPr>
+              <a:t>Hydraulic brake system is composed of a master cylinder that is fed by a reservoir of hydraulic braking fluid.</a:t>
+            </a:r>
+          </a:p>
+          <a:p>
+            <a:pPr algn="just">
+              <a:lnSpc>
+                <a:spcPct val="115000"/>
+              </a:lnSpc>
+              <a:spcAft>
+                <a:spcPts val="1000"/>
+              </a:spcAft>
+              <a:buNone/>
+            </a:pPr>
+            <a:endParaRPr lang="en-US" sz="2100" dirty="0" smtClean="0">
+              <a:latin typeface="Calibri" panose="020F0502020204030204" pitchFamily="34" charset="0"/>
+              <a:ea typeface="Calibri" panose="020F0502020204030204" pitchFamily="34" charset="0"/>
+              <a:cs typeface="Calibri" panose="020F0502020204030204" pitchFamily="34" charset="0"/>
+            </a:endParaRPr>
+          </a:p>
+          <a:p>
+            <a:pPr algn="just">
+              <a:lnSpc>
+                <a:spcPct val="115000"/>
+              </a:lnSpc>
+              <a:spcAft>
+                <a:spcPts val="1000"/>
+              </a:spcAft>
+              <a:buFont typeface="Wingdings" pitchFamily="2" charset="2"/>
+              <a:buChar char="Ø"/>
+            </a:pPr>
+            <a:r>
+              <a:rPr lang="en-US" sz="2100" dirty="0" smtClean="0">
+                <a:latin typeface="Calibri" panose="020F0502020204030204" pitchFamily="34" charset="0"/>
+                <a:ea typeface="Calibri" panose="020F0502020204030204" pitchFamily="34" charset="0"/>
+                <a:cs typeface="Calibri" panose="020F0502020204030204" pitchFamily="34" charset="0"/>
+              </a:rPr>
+              <a:t>This is connected by an assortment of metal pipes and rubber fittings which are attached to the cylinders of the wheels. </a:t>
+            </a:r>
+          </a:p>
+          <a:p>
+            <a:pPr algn="just">
+              <a:lnSpc>
+                <a:spcPct val="115000"/>
+              </a:lnSpc>
+              <a:spcAft>
+                <a:spcPts val="1000"/>
+              </a:spcAft>
+              <a:buNone/>
+            </a:pPr>
+            <a:endParaRPr lang="en-US" sz="2100" dirty="0" smtClean="0">
+              <a:latin typeface="Calibri" panose="020F0502020204030204" pitchFamily="34" charset="0"/>
+              <a:ea typeface="Calibri" panose="020F0502020204030204" pitchFamily="34" charset="0"/>
+              <a:cs typeface="Calibri" panose="020F0502020204030204" pitchFamily="34" charset="0"/>
+            </a:endParaRPr>
+          </a:p>
+          <a:p>
+            <a:pPr algn="just">
+              <a:lnSpc>
+                <a:spcPct val="115000"/>
+              </a:lnSpc>
+              <a:spcAft>
+                <a:spcPts val="1000"/>
+              </a:spcAft>
+              <a:buFont typeface="Wingdings" pitchFamily="2" charset="2"/>
+              <a:buChar char="Ø"/>
+            </a:pPr>
+            <a:r>
+              <a:rPr lang="en-US" sz="2100" dirty="0" smtClean="0">
+                <a:latin typeface="Calibri" panose="020F0502020204030204" pitchFamily="34" charset="0"/>
+                <a:ea typeface="Calibri" panose="020F0502020204030204" pitchFamily="34" charset="0"/>
+                <a:cs typeface="Calibri" panose="020F0502020204030204" pitchFamily="34" charset="0"/>
+              </a:rPr>
+              <a:t>The wheels contain two opposite pistons which are located on the band or drum brakes which pressure to push the pistons apart forcing the brake pads into the cylinders, thus causing the wheel to stop moving.</a:t>
+            </a:r>
+            <a:endParaRPr lang="en-IN" sz="2100" dirty="0" smtClean="0">
+              <a:latin typeface="Calibri" panose="020F0502020204030204" pitchFamily="34" charset="0"/>
+              <a:ea typeface="Calibri" panose="020F0502020204030204" pitchFamily="34" charset="0"/>
+              <a:cs typeface="Times New Roman" panose="02020603050405020304" pitchFamily="18" charset="0"/>
+            </a:endParaRPr>
+          </a:p>
+          <a:p>
+            <a:pPr algn="just">
+              <a:lnSpc>
+                <a:spcPct val="115000"/>
+              </a:lnSpc>
+              <a:spcAft>
+                <a:spcPts val="1000"/>
+              </a:spcAft>
+              <a:buFont typeface="Wingdings" pitchFamily="2" charset="2"/>
+              <a:buChar char="Ø"/>
+            </a:pPr>
+            <a:endParaRPr lang="en-IN" sz="2100" dirty="0">
+              <a:latin typeface="Calibri" panose="020F0502020204030204" pitchFamily="34" charset="0"/>
+              <a:ea typeface="Calibri" panose="020F0502020204030204" pitchFamily="34" charset="0"/>
+              <a:cs typeface="Times New Roman" panose="02020603050405020304" pitchFamily="18" charset="0"/>
             </a:endParaRPr>
           </a:p>
         </p:txBody>
@@ -7974,7 +7868,7 @@
         </p:spPr>
         <p:txBody>
           <a:bodyPr>
-            <a:normAutofit/>
+            <a:normAutofit fontScale="90000"/>
           </a:bodyPr>
           <a:lstStyle/>
           <a:p>
@@ -7989,7 +7883,7 @@
                 </a:solidFill>
                 <a:latin typeface="Russo One" pitchFamily="2" charset="0"/>
               </a:rPr>
-              <a:t>ABSTRACT :</a:t>
+              <a:t>SIGNIFICATION/SCOPES OF ELECTROMAGNETIC BRAKE SYSTEM :</a:t>
             </a:r>
             <a:endParaRPr lang="en-US" sz="2100" dirty="0">
               <a:solidFill>
@@ -8015,8 +7909,8 @@
         </p:nvSpPr>
         <p:spPr>
           <a:xfrm>
-            <a:off x="457200" y="838200"/>
-            <a:ext cx="8229600" cy="5791200"/>
+            <a:off x="457200" y="1447800"/>
+            <a:ext cx="8229600" cy="4038600"/>
           </a:xfrm>
         </p:spPr>
         <p:txBody>
@@ -8025,90 +7919,519 @@
           </a:bodyPr>
           <a:lstStyle/>
           <a:p>
-            <a:pPr algn="just">
+            <a:pPr lvl="0" algn="just">
+              <a:lnSpc>
+                <a:spcPct val="115000"/>
+              </a:lnSpc>
               <a:buFont typeface="Wingdings" pitchFamily="2" charset="2"/>
               <a:buChar char="Ø"/>
             </a:pPr>
             <a:r>
-              <a:rPr lang="en-US" sz="2100" b="1" dirty="0" smtClean="0"/>
-              <a:t>Rising incidents of theft vehicles is an increasing concern in cities</a:t>
-            </a:r>
-            <a:r>
-              <a:rPr lang="en-US" sz="2100" dirty="0" smtClean="0"/>
-              <a:t>. The purpose of this project is to eliminate all possibility of theft by using </a:t>
-            </a:r>
-            <a:r>
-              <a:rPr lang="en-US" sz="2100" b="1" dirty="0" smtClean="0"/>
-              <a:t>‘Advance Smart GPS System’</a:t>
-            </a:r>
-            <a:r>
-              <a:rPr lang="en-US" sz="2100" dirty="0" smtClean="0"/>
-              <a:t>. </a:t>
-            </a:r>
-            <a:r>
-              <a:rPr lang="en-US" sz="2100" b="1" dirty="0" smtClean="0"/>
-              <a:t>‘Electromagnetic Brake Systems’</a:t>
-            </a:r>
-            <a:r>
-              <a:rPr lang="en-US" sz="2100" dirty="0" smtClean="0"/>
-              <a:t> are the future of transportation safety using </a:t>
-            </a:r>
-            <a:r>
-              <a:rPr lang="en-US" sz="2100" b="1" dirty="0" smtClean="0"/>
-              <a:t>‘Eddy Current Law’</a:t>
-            </a:r>
-            <a:r>
-              <a:rPr lang="en-US" sz="2100" dirty="0" smtClean="0"/>
-              <a:t>. Eddy current braking systems are a better alternative, to the currently used friction based braking systems for instance disk and drum brakes. Electromagnetic brakes have become a wide regarded, technological advancement, in regards to the reduction of friction and heat energy produced, when braking heavy loads of matter. By Combining </a:t>
-            </a:r>
-            <a:r>
-              <a:rPr lang="en-US" sz="2100" b="1" dirty="0" smtClean="0"/>
-              <a:t>‘Advance Smart GPS’</a:t>
-            </a:r>
-            <a:r>
-              <a:rPr lang="en-US" sz="2100" dirty="0" smtClean="0"/>
-              <a:t> &amp; </a:t>
-            </a:r>
-            <a:r>
-              <a:rPr lang="en-US" sz="2100" b="1" dirty="0" smtClean="0"/>
-              <a:t>‘Electromagnetic Brake System’</a:t>
-            </a:r>
-            <a:r>
-              <a:rPr lang="en-US" sz="2100" dirty="0" smtClean="0"/>
-              <a:t> technology can get all the stats of these two system into mobile by creating a Mobile App. These System can be controlled from Mobile app, Smart GPS System is a system in which can integrate all vehicles into one app to track data and analyze from different place regardless of vehicles location. This Smart GPS System Project is </a:t>
-            </a:r>
-            <a:r>
-              <a:rPr lang="en-US" sz="2100" b="1" dirty="0" smtClean="0"/>
-              <a:t>copyrighted (©)</a:t>
-            </a:r>
-            <a:r>
-              <a:rPr lang="en-US" sz="2100" dirty="0" smtClean="0"/>
-              <a:t> by </a:t>
-            </a:r>
-            <a:r>
-              <a:rPr lang="en-US" sz="2100" b="1" dirty="0" smtClean="0"/>
-              <a:t>‘Dread Eye Studio’</a:t>
-            </a:r>
-            <a:r>
-              <a:rPr lang="en-US" sz="2100" dirty="0" smtClean="0"/>
-              <a:t>. This project definitively answers the question regarding elimination of theft &amp; future proof. Further studies are needed to establish </a:t>
-            </a:r>
-            <a:r>
-              <a:rPr lang="en-US" sz="2100" b="1" dirty="0" smtClean="0"/>
-              <a:t>crucial for safety </a:t>
-            </a:r>
-            <a:r>
-              <a:rPr lang="en-US" sz="2100" dirty="0" smtClean="0"/>
-              <a:t>&amp; </a:t>
-            </a:r>
-            <a:r>
-              <a:rPr lang="en-US" sz="2100" b="1" dirty="0" smtClean="0"/>
-              <a:t>preventative measures</a:t>
-            </a:r>
-            <a:r>
-              <a:rPr lang="en-US" sz="2100" dirty="0" smtClean="0"/>
+              <a:rPr lang="en-US" sz="2100" dirty="0" smtClean="0">
+                <a:latin typeface="Calibri" panose="020F0502020204030204" pitchFamily="34" charset="0"/>
+                <a:ea typeface="Calibri" panose="020F0502020204030204" pitchFamily="34" charset="0"/>
+                <a:cs typeface="Calibri" panose="020F0502020204030204" pitchFamily="34" charset="0"/>
+              </a:rPr>
+              <a:t>Electromagnetic brakes satisfy all the energy requirements of braking without the use of friction.</a:t>
+            </a:r>
+          </a:p>
+          <a:p>
+            <a:pPr lvl="0" algn="just">
+              <a:lnSpc>
+                <a:spcPct val="115000"/>
+              </a:lnSpc>
+              <a:buNone/>
+            </a:pPr>
+            <a:endParaRPr lang="en-IN" sz="2100" dirty="0" smtClean="0">
+              <a:latin typeface="Calibri" panose="020F0502020204030204" pitchFamily="34" charset="0"/>
+              <a:ea typeface="Calibri" panose="020F0502020204030204" pitchFamily="34" charset="0"/>
+              <a:cs typeface="Times New Roman" panose="02020603050405020304" pitchFamily="18" charset="0"/>
+            </a:endParaRPr>
+          </a:p>
+          <a:p>
+            <a:pPr lvl="0" algn="just">
+              <a:lnSpc>
+                <a:spcPct val="115000"/>
+              </a:lnSpc>
+              <a:buNone/>
+            </a:pPr>
+            <a:endParaRPr lang="en-IN" sz="2100" dirty="0" smtClean="0">
+              <a:latin typeface="Calibri" panose="020F0502020204030204" pitchFamily="34" charset="0"/>
+              <a:ea typeface="Calibri" panose="020F0502020204030204" pitchFamily="34" charset="0"/>
+              <a:cs typeface="Times New Roman" panose="02020603050405020304" pitchFamily="18" charset="0"/>
+            </a:endParaRPr>
+          </a:p>
+          <a:p>
+            <a:pPr lvl="0" algn="just">
+              <a:lnSpc>
+                <a:spcPct val="115000"/>
+              </a:lnSpc>
+              <a:buFont typeface="Wingdings" pitchFamily="2" charset="2"/>
+              <a:buChar char="Ø"/>
+            </a:pPr>
+            <a:r>
+              <a:rPr lang="en-US" sz="2100" dirty="0" smtClean="0">
+                <a:latin typeface="Calibri" panose="020F0502020204030204" pitchFamily="34" charset="0"/>
+                <a:ea typeface="Calibri" panose="020F0502020204030204" pitchFamily="34" charset="0"/>
+                <a:cs typeface="Calibri" panose="020F0502020204030204" pitchFamily="34" charset="0"/>
+              </a:rPr>
+              <a:t>These brake component cost is less so these brakes are cheap.</a:t>
+            </a:r>
+          </a:p>
+          <a:p>
+            <a:pPr lvl="0" algn="just">
+              <a:lnSpc>
+                <a:spcPct val="115000"/>
+              </a:lnSpc>
+              <a:buNone/>
+            </a:pPr>
+            <a:endParaRPr lang="en-IN" sz="2100" dirty="0" smtClean="0">
+              <a:latin typeface="Calibri" panose="020F0502020204030204" pitchFamily="34" charset="0"/>
+              <a:ea typeface="Calibri" panose="020F0502020204030204" pitchFamily="34" charset="0"/>
+              <a:cs typeface="Times New Roman" panose="02020603050405020304" pitchFamily="18" charset="0"/>
+            </a:endParaRPr>
+          </a:p>
+          <a:p>
+            <a:pPr lvl="0" algn="just">
+              <a:lnSpc>
+                <a:spcPct val="115000"/>
+              </a:lnSpc>
+              <a:buNone/>
+            </a:pPr>
+            <a:endParaRPr lang="en-IN" sz="2100" dirty="0" smtClean="0">
+              <a:latin typeface="Calibri" panose="020F0502020204030204" pitchFamily="34" charset="0"/>
+              <a:ea typeface="Calibri" panose="020F0502020204030204" pitchFamily="34" charset="0"/>
+              <a:cs typeface="Times New Roman" panose="02020603050405020304" pitchFamily="18" charset="0"/>
+            </a:endParaRPr>
+          </a:p>
+          <a:p>
+            <a:pPr lvl="0" algn="just">
+              <a:lnSpc>
+                <a:spcPct val="115000"/>
+              </a:lnSpc>
+              <a:spcAft>
+                <a:spcPts val="1000"/>
+              </a:spcAft>
+              <a:buFont typeface="Wingdings" pitchFamily="2" charset="2"/>
+              <a:buChar char="Ø"/>
+            </a:pPr>
+            <a:r>
+              <a:rPr lang="en-US" sz="2100" dirty="0" smtClean="0">
+                <a:latin typeface="Calibri" panose="020F0502020204030204" pitchFamily="34" charset="0"/>
+                <a:ea typeface="Calibri" panose="020F0502020204030204" pitchFamily="34" charset="0"/>
+                <a:cs typeface="Calibri" panose="020F0502020204030204" pitchFamily="34" charset="0"/>
+              </a:rPr>
+              <a:t>They can be used as an alternative method for the future crisis of the crude oils.</a:t>
+            </a:r>
+            <a:endParaRPr lang="en-IN" sz="2100" dirty="0" smtClean="0">
+              <a:latin typeface="Calibri" panose="020F0502020204030204" pitchFamily="34" charset="0"/>
+              <a:ea typeface="Calibri" panose="020F0502020204030204" pitchFamily="34" charset="0"/>
+              <a:cs typeface="Times New Roman" panose="02020603050405020304" pitchFamily="18" charset="0"/>
+            </a:endParaRPr>
+          </a:p>
+          <a:p>
+            <a:pPr algn="just">
+              <a:lnSpc>
+                <a:spcPct val="115000"/>
+              </a:lnSpc>
+              <a:spcAft>
+                <a:spcPts val="1000"/>
+              </a:spcAft>
+              <a:buFont typeface="Wingdings" pitchFamily="2" charset="2"/>
+              <a:buChar char="Ø"/>
+            </a:pPr>
+            <a:endParaRPr lang="en-IN" sz="2100" dirty="0">
+              <a:latin typeface="Calibri" panose="020F0502020204030204" pitchFamily="34" charset="0"/>
+              <a:ea typeface="Calibri" panose="020F0502020204030204" pitchFamily="34" charset="0"/>
+              <a:cs typeface="Times New Roman" panose="02020603050405020304" pitchFamily="18" charset="0"/>
+            </a:endParaRPr>
+          </a:p>
+        </p:txBody>
+      </p:sp>
+    </p:spTree>
+  </p:cSld>
+  <p:clrMapOvr>
+    <a:masterClrMapping/>
+  </p:clrMapOvr>
+  <p:transition>
+    <p:diamond/>
+  </p:transition>
+  <p:timing>
+    <p:tnLst>
+      <p:par>
+        <p:cTn id="1" dur="indefinite" restart="never" nodeType="tmRoot"/>
+      </p:par>
+    </p:tnLst>
+  </p:timing>
+</p:sld>
+</file>
+
+<file path=ppt/slides/slide26.xml><?xml version="1.0" encoding="utf-8"?>
+<p:sld xmlns:a="http://schemas.openxmlformats.org/drawingml/2006/main" xmlns:r="http://schemas.openxmlformats.org/officeDocument/2006/relationships" xmlns:p="http://schemas.openxmlformats.org/presentationml/2006/main">
+  <p:cSld>
+    <p:spTree>
+      <p:nvGrpSpPr>
+        <p:cNvPr id="1" name=""/>
+        <p:cNvGrpSpPr/>
+        <p:nvPr/>
+      </p:nvGrpSpPr>
+      <p:grpSpPr>
+        <a:xfrm>
+          <a:off x="0" y="0"/>
+          <a:ext cx="0" cy="0"/>
+          <a:chOff x="0" y="0"/>
+          <a:chExt cx="0" cy="0"/>
+        </a:xfrm>
+      </p:grpSpPr>
+      <p:pic>
+        <p:nvPicPr>
+          <p:cNvPr id="2050" name="Picture 2" descr="C:\Users\syed\Desktop\GITHUB\Advance-Smart-GPS-Electromagnetic-Brake-System\IMAGE\anatomic-blue-and-pink-template-powerpoint-backgrounds.jpg"/>
+          <p:cNvPicPr>
+            <a:picLocks noChangeAspect="1" noChangeArrowheads="1"/>
+          </p:cNvPicPr>
+          <p:nvPr/>
+        </p:nvPicPr>
+        <p:blipFill>
+          <a:blip r:embed="rId2" cstate="print">
+            <a:lum bright="10000"/>
+          </a:blip>
+          <a:srcRect/>
+          <a:stretch>
+            <a:fillRect/>
+          </a:stretch>
+        </p:blipFill>
+        <p:spPr bwMode="auto">
+          <a:xfrm>
+            <a:off x="0" y="0"/>
+            <a:ext cx="9144000" cy="6858000"/>
+          </a:xfrm>
+          <a:prstGeom prst="rect">
+            <a:avLst/>
+          </a:prstGeom>
+          <a:noFill/>
+          <a:ln>
+            <a:noFill/>
+          </a:ln>
+        </p:spPr>
+      </p:pic>
+      <p:sp>
+        <p:nvSpPr>
+          <p:cNvPr id="2" name="Title 1"/>
+          <p:cNvSpPr>
+            <a:spLocks noGrp="1"/>
+          </p:cNvSpPr>
+          <p:nvPr>
+            <p:ph type="title"/>
+          </p:nvPr>
+        </p:nvSpPr>
+        <p:spPr>
+          <a:xfrm>
+            <a:off x="457200" y="228600"/>
+            <a:ext cx="8229600" cy="563562"/>
+          </a:xfrm>
+        </p:spPr>
+        <p:txBody>
+          <a:bodyPr>
+            <a:normAutofit/>
+          </a:bodyPr>
+          <a:lstStyle/>
+          <a:p>
+            <a:pPr algn="l"/>
+            <a:r>
+              <a:rPr lang="en-US" sz="2100" b="1" dirty="0" smtClean="0">
+                <a:solidFill>
+                  <a:schemeClr val="accent6">
+                    <a:lumMod val="60000"/>
+                    <a:lumOff val="40000"/>
+                  </a:schemeClr>
+                </a:solidFill>
+                <a:latin typeface="Russo One" pitchFamily="2" charset="0"/>
+              </a:rPr>
+              <a:t>LIMITATION OF ELECTROMAGNETIC BRAKE SYSTEM :</a:t>
+            </a:r>
+            <a:endParaRPr lang="en-US" sz="2100" dirty="0">
+              <a:solidFill>
+                <a:schemeClr val="accent6">
+                  <a:lumMod val="60000"/>
+                  <a:lumOff val="40000"/>
+                </a:schemeClr>
+              </a:solidFill>
+              <a:latin typeface="Russo One" pitchFamily="2" charset="0"/>
+            </a:endParaRPr>
+          </a:p>
+        </p:txBody>
+      </p:sp>
+      <p:sp>
+        <p:nvSpPr>
+          <p:cNvPr id="3" name="Content Placeholder 2"/>
+          <p:cNvSpPr>
+            <a:spLocks noGrp="1"/>
+          </p:cNvSpPr>
+          <p:nvPr>
+            <p:ph idx="1"/>
+          </p:nvPr>
+        </p:nvSpPr>
+        <p:spPr>
+          <a:xfrm>
+            <a:off x="457200" y="1600200"/>
+            <a:ext cx="8229600" cy="3962400"/>
+          </a:xfrm>
+        </p:spPr>
+        <p:txBody>
+          <a:bodyPr>
+            <a:noAutofit/>
+          </a:bodyPr>
+          <a:lstStyle/>
+          <a:p>
+            <a:pPr lvl="0" algn="just">
+              <a:lnSpc>
+                <a:spcPct val="115000"/>
+              </a:lnSpc>
+              <a:buFont typeface="Wingdings" pitchFamily="2" charset="2"/>
+              <a:buChar char="Ø"/>
+            </a:pPr>
+            <a:r>
+              <a:rPr lang="en-US" sz="2100" dirty="0" smtClean="0">
+                <a:latin typeface="Calibri" panose="020F0502020204030204" pitchFamily="34" charset="0"/>
+                <a:ea typeface="Calibri" panose="020F0502020204030204" pitchFamily="34" charset="0"/>
+                <a:cs typeface="Times New Roman" panose="02020603050405020304" pitchFamily="18" charset="0"/>
+              </a:rPr>
+              <a:t>The installation of an electromagnetic brake is very difficult if there is not enough space between the </a:t>
+            </a:r>
+            <a:r>
+              <a:rPr lang="en-US" sz="2100" b="1" dirty="0" smtClean="0">
+                <a:latin typeface="Calibri" panose="020F0502020204030204" pitchFamily="34" charset="0"/>
+                <a:ea typeface="Calibri" panose="020F0502020204030204" pitchFamily="34" charset="0"/>
+                <a:cs typeface="Times New Roman" panose="02020603050405020304" pitchFamily="18" charset="0"/>
+              </a:rPr>
+              <a:t>gearbox</a:t>
+            </a:r>
+            <a:r>
+              <a:rPr lang="en-US" sz="2100" dirty="0" smtClean="0">
+                <a:latin typeface="Calibri" panose="020F0502020204030204" pitchFamily="34" charset="0"/>
+                <a:ea typeface="Calibri" panose="020F0502020204030204" pitchFamily="34" charset="0"/>
+                <a:cs typeface="Times New Roman" panose="02020603050405020304" pitchFamily="18" charset="0"/>
+              </a:rPr>
+              <a:t> and </a:t>
+            </a:r>
+            <a:r>
+              <a:rPr lang="en-US" sz="2100" b="1" dirty="0" smtClean="0">
+                <a:latin typeface="Calibri" panose="020F0502020204030204" pitchFamily="34" charset="0"/>
+                <a:ea typeface="Calibri" panose="020F0502020204030204" pitchFamily="34" charset="0"/>
+                <a:cs typeface="Times New Roman" panose="02020603050405020304" pitchFamily="18" charset="0"/>
+              </a:rPr>
+              <a:t>rear axle</a:t>
+            </a:r>
+            <a:r>
+              <a:rPr lang="en-US" sz="2100" dirty="0" smtClean="0">
+                <a:latin typeface="Calibri" panose="020F0502020204030204" pitchFamily="34" charset="0"/>
+                <a:ea typeface="Calibri" panose="020F0502020204030204" pitchFamily="34" charset="0"/>
+                <a:cs typeface="Times New Roman" panose="02020603050405020304" pitchFamily="18" charset="0"/>
+              </a:rPr>
               <a:t>.</a:t>
             </a:r>
+          </a:p>
+          <a:p>
+            <a:pPr lvl="0" algn="just">
+              <a:lnSpc>
+                <a:spcPct val="115000"/>
+              </a:lnSpc>
+              <a:buFont typeface="Wingdings" pitchFamily="2" charset="2"/>
+              <a:buChar char="Ø"/>
+            </a:pPr>
+            <a:endParaRPr lang="en-IN" sz="2100" dirty="0" smtClean="0">
+              <a:latin typeface="Calibri" panose="020F0502020204030204" pitchFamily="34" charset="0"/>
+              <a:ea typeface="Calibri" panose="020F0502020204030204" pitchFamily="34" charset="0"/>
+              <a:cs typeface="Times New Roman" panose="02020603050405020304" pitchFamily="18" charset="0"/>
+            </a:endParaRPr>
+          </a:p>
+          <a:p>
+            <a:pPr lvl="0" algn="just">
+              <a:lnSpc>
+                <a:spcPct val="115000"/>
+              </a:lnSpc>
+              <a:buFont typeface="Wingdings" pitchFamily="2" charset="2"/>
+              <a:buChar char="Ø"/>
+            </a:pPr>
+            <a:endParaRPr lang="en-IN" sz="2100" dirty="0" smtClean="0">
+              <a:latin typeface="Calibri" panose="020F0502020204030204" pitchFamily="34" charset="0"/>
+              <a:ea typeface="Calibri" panose="020F0502020204030204" pitchFamily="34" charset="0"/>
+              <a:cs typeface="Times New Roman" panose="02020603050405020304" pitchFamily="18" charset="0"/>
+            </a:endParaRPr>
+          </a:p>
+          <a:p>
+            <a:pPr lvl="0" algn="just">
+              <a:lnSpc>
+                <a:spcPct val="115000"/>
+              </a:lnSpc>
+              <a:buFont typeface="Wingdings" pitchFamily="2" charset="2"/>
+              <a:buChar char="Ø"/>
+            </a:pPr>
+            <a:r>
+              <a:rPr lang="en-US" sz="2100" dirty="0" smtClean="0">
+                <a:latin typeface="Calibri" panose="020F0502020204030204" pitchFamily="34" charset="0"/>
+                <a:ea typeface="Calibri" panose="020F0502020204030204" pitchFamily="34" charset="0"/>
+                <a:cs typeface="Times New Roman" panose="02020603050405020304" pitchFamily="18" charset="0"/>
+              </a:rPr>
+              <a:t>It cannot use grease or oil.</a:t>
+            </a:r>
+          </a:p>
+          <a:p>
+            <a:pPr lvl="0" algn="just">
+              <a:lnSpc>
+                <a:spcPct val="115000"/>
+              </a:lnSpc>
+              <a:buFont typeface="Wingdings" pitchFamily="2" charset="2"/>
+              <a:buChar char="Ø"/>
+            </a:pPr>
+            <a:endParaRPr lang="en-IN" sz="2100" dirty="0" smtClean="0">
+              <a:latin typeface="Calibri" panose="020F0502020204030204" pitchFamily="34" charset="0"/>
+              <a:ea typeface="Calibri" panose="020F0502020204030204" pitchFamily="34" charset="0"/>
+              <a:cs typeface="Times New Roman" panose="02020603050405020304" pitchFamily="18" charset="0"/>
+            </a:endParaRPr>
+          </a:p>
+          <a:p>
+            <a:pPr lvl="0" algn="just">
+              <a:lnSpc>
+                <a:spcPct val="115000"/>
+              </a:lnSpc>
+              <a:buFont typeface="Wingdings" pitchFamily="2" charset="2"/>
+              <a:buChar char="Ø"/>
+            </a:pPr>
+            <a:endParaRPr lang="en-IN" sz="2100" dirty="0" smtClean="0">
+              <a:latin typeface="Calibri" panose="020F0502020204030204" pitchFamily="34" charset="0"/>
+              <a:ea typeface="Calibri" panose="020F0502020204030204" pitchFamily="34" charset="0"/>
+              <a:cs typeface="Times New Roman" panose="02020603050405020304" pitchFamily="18" charset="0"/>
+            </a:endParaRPr>
+          </a:p>
+          <a:p>
+            <a:pPr lvl="0" algn="just">
+              <a:lnSpc>
+                <a:spcPct val="115000"/>
+              </a:lnSpc>
+              <a:buFont typeface="Wingdings" pitchFamily="2" charset="2"/>
+              <a:buChar char="Ø"/>
+            </a:pPr>
+            <a:r>
+              <a:rPr lang="en-US" sz="2100" dirty="0" smtClean="0">
+                <a:latin typeface="Calibri" panose="020F0502020204030204" pitchFamily="34" charset="0"/>
+                <a:ea typeface="Calibri" panose="020F0502020204030204" pitchFamily="34" charset="0"/>
+                <a:cs typeface="Times New Roman" panose="02020603050405020304" pitchFamily="18" charset="0"/>
+              </a:rPr>
+              <a:t>Electromagnetic brakes are good at slowing things down, not completely stopping them.</a:t>
+            </a:r>
+          </a:p>
+        </p:txBody>
+      </p:sp>
+    </p:spTree>
+  </p:cSld>
+  <p:clrMapOvr>
+    <a:masterClrMapping/>
+  </p:clrMapOvr>
+  <p:transition>
+    <p:diamond/>
+  </p:transition>
+  <p:timing>
+    <p:tnLst>
+      <p:par>
+        <p:cTn id="1" dur="indefinite" restart="never" nodeType="tmRoot"/>
+      </p:par>
+    </p:tnLst>
+  </p:timing>
+</p:sld>
+</file>
+
+<file path=ppt/slides/slide27.xml><?xml version="1.0" encoding="utf-8"?>
+<p:sld xmlns:a="http://schemas.openxmlformats.org/drawingml/2006/main" xmlns:r="http://schemas.openxmlformats.org/officeDocument/2006/relationships" xmlns:p="http://schemas.openxmlformats.org/presentationml/2006/main">
+  <p:cSld>
+    <p:spTree>
+      <p:nvGrpSpPr>
+        <p:cNvPr id="1" name=""/>
+        <p:cNvGrpSpPr/>
+        <p:nvPr/>
+      </p:nvGrpSpPr>
+      <p:grpSpPr>
+        <a:xfrm>
+          <a:off x="0" y="0"/>
+          <a:ext cx="0" cy="0"/>
+          <a:chOff x="0" y="0"/>
+          <a:chExt cx="0" cy="0"/>
+        </a:xfrm>
+      </p:grpSpPr>
+      <p:pic>
+        <p:nvPicPr>
+          <p:cNvPr id="2050" name="Picture 2" descr="C:\Users\syed\Desktop\GITHUB\Advance-Smart-GPS-Electromagnetic-Brake-System\IMAGE\anatomic-blue-and-pink-template-powerpoint-backgrounds.jpg"/>
+          <p:cNvPicPr>
+            <a:picLocks noChangeAspect="1" noChangeArrowheads="1"/>
+          </p:cNvPicPr>
+          <p:nvPr/>
+        </p:nvPicPr>
+        <p:blipFill>
+          <a:blip r:embed="rId2" cstate="print">
+            <a:lum bright="10000"/>
+          </a:blip>
+          <a:srcRect/>
+          <a:stretch>
+            <a:fillRect/>
+          </a:stretch>
+        </p:blipFill>
+        <p:spPr bwMode="auto">
+          <a:xfrm>
+            <a:off x="0" y="0"/>
+            <a:ext cx="9144000" cy="6858000"/>
+          </a:xfrm>
+          <a:prstGeom prst="rect">
+            <a:avLst/>
+          </a:prstGeom>
+          <a:noFill/>
+          <a:ln>
+            <a:noFill/>
+          </a:ln>
+        </p:spPr>
+      </p:pic>
+      <p:sp>
+        <p:nvSpPr>
+          <p:cNvPr id="2" name="Title 1"/>
+          <p:cNvSpPr>
+            <a:spLocks noGrp="1"/>
+          </p:cNvSpPr>
+          <p:nvPr>
+            <p:ph type="title"/>
+          </p:nvPr>
+        </p:nvSpPr>
+        <p:spPr>
+          <a:xfrm>
+            <a:off x="381000" y="2819400"/>
+            <a:ext cx="8229600" cy="990600"/>
+          </a:xfrm>
+        </p:spPr>
+        <p:txBody>
+          <a:bodyPr>
+            <a:noAutofit/>
+          </a:bodyPr>
+          <a:lstStyle/>
+          <a:p>
+            <a:r>
+              <a:rPr lang="en-US" sz="6000" b="1" dirty="0" smtClean="0">
+                <a:solidFill>
+                  <a:schemeClr val="accent6">
+                    <a:lumMod val="60000"/>
+                    <a:lumOff val="40000"/>
+                  </a:schemeClr>
+                </a:solidFill>
+                <a:latin typeface="Russo One" pitchFamily="2" charset="0"/>
+              </a:rPr>
+              <a:t>THANK	 YOU</a:t>
+            </a:r>
+            <a:endParaRPr lang="en-US" sz="6000" dirty="0">
+              <a:solidFill>
+                <a:schemeClr val="accent6">
+                  <a:lumMod val="60000"/>
+                  <a:lumOff val="40000"/>
+                </a:schemeClr>
+              </a:solidFill>
+              <a:latin typeface="Russo One" pitchFamily="2" charset="0"/>
+            </a:endParaRPr>
           </a:p>
         </p:txBody>
       </p:sp>
@@ -8211,7 +8534,253 @@
                 </a:solidFill>
                 <a:latin typeface="Russo One" pitchFamily="2" charset="0"/>
               </a:rPr>
-              <a:t>Project 3D Model </a:t>
+              <a:t>ABSTRACT :</a:t>
+            </a:r>
+            <a:endParaRPr lang="en-US" sz="2100" dirty="0">
+              <a:solidFill>
+                <a:schemeClr val="accent6">
+                  <a:lumMod val="60000"/>
+                  <a:lumOff val="40000"/>
+                </a:schemeClr>
+              </a:solidFill>
+              <a:latin typeface="Russo One" pitchFamily="2" charset="0"/>
+            </a:endParaRPr>
+          </a:p>
+        </p:txBody>
+      </p:sp>
+      <p:sp>
+        <p:nvSpPr>
+          <p:cNvPr id="3" name="Content Placeholder 2"/>
+          <p:cNvSpPr>
+            <a:spLocks noGrp="1"/>
+          </p:cNvSpPr>
+          <p:nvPr>
+            <p:ph idx="1"/>
+          </p:nvPr>
+        </p:nvSpPr>
+        <p:spPr>
+          <a:xfrm>
+            <a:off x="457200" y="838200"/>
+            <a:ext cx="8229600" cy="5791200"/>
+          </a:xfrm>
+        </p:spPr>
+        <p:txBody>
+          <a:bodyPr>
+            <a:noAutofit/>
+          </a:bodyPr>
+          <a:lstStyle/>
+          <a:p>
+            <a:pPr algn="just">
+              <a:buFont typeface="Wingdings" pitchFamily="2" charset="2"/>
+              <a:buChar char="Ø"/>
+            </a:pPr>
+            <a:r>
+              <a:rPr lang="en-US" sz="2100" b="1" dirty="0" smtClean="0"/>
+              <a:t>Rising incidents of theft vehicles is an increasing concern in cities</a:t>
+            </a:r>
+            <a:r>
+              <a:rPr lang="en-US" sz="2100" dirty="0" smtClean="0"/>
+              <a:t>. The purpose of this project is to eliminate all possibility of theft by using </a:t>
+            </a:r>
+            <a:r>
+              <a:rPr lang="en-US" sz="2100" b="1" dirty="0" smtClean="0"/>
+              <a:t>‘Advance Smart GPS System’</a:t>
+            </a:r>
+            <a:r>
+              <a:rPr lang="en-US" sz="2100" dirty="0" smtClean="0"/>
+              <a:t>. </a:t>
+            </a:r>
+            <a:r>
+              <a:rPr lang="en-US" sz="2100" b="1" dirty="0" smtClean="0"/>
+              <a:t>‘Electromagnetic Brake Systems’</a:t>
+            </a:r>
+            <a:r>
+              <a:rPr lang="en-US" sz="2100" dirty="0" smtClean="0"/>
+              <a:t> are the future of transportation safety using </a:t>
+            </a:r>
+            <a:r>
+              <a:rPr lang="en-US" sz="2100" b="1" dirty="0" smtClean="0"/>
+              <a:t>‘Eddy Current Law’</a:t>
+            </a:r>
+            <a:r>
+              <a:rPr lang="en-US" sz="2100" dirty="0" smtClean="0"/>
+              <a:t>. Eddy current braking systems are a better alternative, to the currently used friction based braking systems for instance disk and drum brakes. Electromagnetic brakes have become a wide regarded, technological advancement, in regards to the reduction of friction and heat energy produced, when braking heavy loads of matter. By Combining </a:t>
+            </a:r>
+            <a:r>
+              <a:rPr lang="en-US" sz="2100" b="1" dirty="0" smtClean="0"/>
+              <a:t>‘Advance Smart GPS’</a:t>
+            </a:r>
+            <a:r>
+              <a:rPr lang="en-US" sz="2100" dirty="0" smtClean="0"/>
+              <a:t> &amp; </a:t>
+            </a:r>
+            <a:r>
+              <a:rPr lang="en-US" sz="2100" b="1" dirty="0" smtClean="0"/>
+              <a:t>‘Electromagnetic Brake System’</a:t>
+            </a:r>
+            <a:r>
+              <a:rPr lang="en-US" sz="2100" dirty="0" smtClean="0"/>
+              <a:t> technology can get all the stats of these two system into mobile by creating a Mobile App. These System can be controlled from Mobile app, Smart GPS System is a system in which can integrate all vehicles into one app to track data and analyze from different place regardless of vehicles location. This Smart GPS System Project is </a:t>
+            </a:r>
+            <a:r>
+              <a:rPr lang="en-US" sz="2100" b="1" dirty="0" smtClean="0"/>
+              <a:t>copyrighted (©)</a:t>
+            </a:r>
+            <a:r>
+              <a:rPr lang="en-US" sz="2100" dirty="0" smtClean="0"/>
+              <a:t> by </a:t>
+            </a:r>
+            <a:r>
+              <a:rPr lang="en-US" sz="2100" b="1" dirty="0" smtClean="0"/>
+              <a:t>‘Dread Eye Studio’</a:t>
+            </a:r>
+            <a:r>
+              <a:rPr lang="en-US" sz="2100" dirty="0" smtClean="0"/>
+              <a:t>. This project definitively answers the question regarding elimination of theft &amp; future proof. Further studies are needed to establish </a:t>
+            </a:r>
+            <a:r>
+              <a:rPr lang="en-US" sz="2100" b="1" dirty="0" smtClean="0"/>
+              <a:t>crucial for safety </a:t>
+            </a:r>
+            <a:r>
+              <a:rPr lang="en-US" sz="2100" dirty="0" smtClean="0"/>
+              <a:t>&amp; </a:t>
+            </a:r>
+            <a:r>
+              <a:rPr lang="en-US" sz="2100" b="1" dirty="0" smtClean="0"/>
+              <a:t>preventative measures</a:t>
+            </a:r>
+            <a:r>
+              <a:rPr lang="en-US" sz="2100" dirty="0" smtClean="0"/>
+              <a:t>.</a:t>
+            </a:r>
+          </a:p>
+        </p:txBody>
+      </p:sp>
+    </p:spTree>
+  </p:cSld>
+  <p:clrMapOvr>
+    <a:masterClrMapping/>
+  </p:clrMapOvr>
+  <p:transition>
+    <p:diamond/>
+  </p:transition>
+  <p:timing>
+    <p:tnLst>
+      <p:par>
+        <p:cTn id="1" dur="indefinite" restart="never" nodeType="tmRoot"/>
+      </p:par>
+    </p:tnLst>
+  </p:timing>
+</p:sld>
+</file>
+
+<file path=ppt/slides/slide4.xml><?xml version="1.0" encoding="utf-8"?>
+<p:sld xmlns:a="http://schemas.openxmlformats.org/drawingml/2006/main" xmlns:r="http://schemas.openxmlformats.org/officeDocument/2006/relationships" xmlns:p="http://schemas.openxmlformats.org/presentationml/2006/main">
+  <p:cSld>
+    <p:spTree>
+      <p:nvGrpSpPr>
+        <p:cNvPr id="1" name=""/>
+        <p:cNvGrpSpPr/>
+        <p:nvPr/>
+      </p:nvGrpSpPr>
+      <p:grpSpPr>
+        <a:xfrm>
+          <a:off x="0" y="0"/>
+          <a:ext cx="0" cy="0"/>
+          <a:chOff x="0" y="0"/>
+          <a:chExt cx="0" cy="0"/>
+        </a:xfrm>
+      </p:grpSpPr>
+      <p:pic>
+        <p:nvPicPr>
+          <p:cNvPr id="2050" name="Picture 2" descr="C:\Users\syed\Desktop\GITHUB\Advance-Smart-GPS-Electromagnetic-Brake-System\IMAGE\anatomic-blue-and-pink-template-powerpoint-backgrounds.jpg"/>
+          <p:cNvPicPr>
+            <a:picLocks noChangeAspect="1" noChangeArrowheads="1"/>
+          </p:cNvPicPr>
+          <p:nvPr/>
+        </p:nvPicPr>
+        <p:blipFill>
+          <a:blip r:embed="rId2" cstate="print">
+            <a:lum bright="10000"/>
+          </a:blip>
+          <a:srcRect/>
+          <a:stretch>
+            <a:fillRect/>
+          </a:stretch>
+        </p:blipFill>
+        <p:spPr bwMode="auto">
+          <a:xfrm>
+            <a:off x="0" y="0"/>
+            <a:ext cx="9144000" cy="6858000"/>
+          </a:xfrm>
+          <a:prstGeom prst="rect">
+            <a:avLst/>
+          </a:prstGeom>
+          <a:noFill/>
+          <a:ln>
+            <a:noFill/>
+          </a:ln>
+        </p:spPr>
+      </p:pic>
+      <p:sp>
+        <p:nvSpPr>
+          <p:cNvPr id="2" name="Title 1"/>
+          <p:cNvSpPr>
+            <a:spLocks noGrp="1"/>
+          </p:cNvSpPr>
+          <p:nvPr>
+            <p:ph type="title"/>
+          </p:nvPr>
+        </p:nvSpPr>
+        <p:spPr>
+          <a:xfrm>
+            <a:off x="457200" y="228600"/>
+            <a:ext cx="8229600" cy="563562"/>
+          </a:xfrm>
+        </p:spPr>
+        <p:txBody>
+          <a:bodyPr>
+            <a:normAutofit/>
+          </a:bodyPr>
+          <a:lstStyle/>
+          <a:p>
+            <a:pPr algn="l"/>
+            <a:r>
+              <a:rPr lang="en-US" sz="2100" b="1" dirty="0" smtClean="0">
+                <a:solidFill>
+                  <a:schemeClr val="accent6">
+                    <a:lumMod val="60000"/>
+                    <a:lumOff val="40000"/>
+                  </a:schemeClr>
+                </a:solidFill>
+                <a:latin typeface="Russo One" pitchFamily="2" charset="0"/>
+              </a:rPr>
+              <a:t>Design of </a:t>
+            </a:r>
+            <a:r>
+              <a:rPr lang="en-US" sz="2100" b="1" dirty="0" smtClean="0">
+                <a:solidFill>
+                  <a:schemeClr val="accent6">
+                    <a:lumMod val="60000"/>
+                    <a:lumOff val="40000"/>
+                  </a:schemeClr>
+                </a:solidFill>
+                <a:latin typeface="Russo One" pitchFamily="2" charset="0"/>
+              </a:rPr>
+              <a:t>3D </a:t>
+            </a:r>
+            <a:r>
+              <a:rPr lang="en-US" sz="2100" b="1" dirty="0" smtClean="0">
+                <a:solidFill>
+                  <a:schemeClr val="accent6">
+                    <a:lumMod val="60000"/>
+                    <a:lumOff val="40000"/>
+                  </a:schemeClr>
+                </a:solidFill>
+                <a:latin typeface="Russo One" pitchFamily="2" charset="0"/>
+              </a:rPr>
+              <a:t>Product </a:t>
             </a:r>
             <a:r>
               <a:rPr lang="en-US" sz="2100" b="1" dirty="0" smtClean="0">
@@ -8374,303 +8943,6 @@
 </p:sld>
 </file>
 
-<file path=ppt/slides/slide4.xml><?xml version="1.0" encoding="utf-8"?>
-<p:sld xmlns:a="http://schemas.openxmlformats.org/drawingml/2006/main" xmlns:r="http://schemas.openxmlformats.org/officeDocument/2006/relationships" xmlns:p="http://schemas.openxmlformats.org/presentationml/2006/main">
-  <p:cSld>
-    <p:spTree>
-      <p:nvGrpSpPr>
-        <p:cNvPr id="1" name=""/>
-        <p:cNvGrpSpPr/>
-        <p:nvPr/>
-      </p:nvGrpSpPr>
-      <p:grpSpPr>
-        <a:xfrm>
-          <a:off x="0" y="0"/>
-          <a:ext cx="0" cy="0"/>
-          <a:chOff x="0" y="0"/>
-          <a:chExt cx="0" cy="0"/>
-        </a:xfrm>
-      </p:grpSpPr>
-      <p:pic>
-        <p:nvPicPr>
-          <p:cNvPr id="2050" name="Picture 2" descr="C:\Users\syed\Desktop\GITHUB\Advance-Smart-GPS-Electromagnetic-Brake-System\IMAGE\anatomic-blue-and-pink-template-powerpoint-backgrounds.jpg"/>
-          <p:cNvPicPr>
-            <a:picLocks noChangeAspect="1" noChangeArrowheads="1"/>
-          </p:cNvPicPr>
-          <p:nvPr/>
-        </p:nvPicPr>
-        <p:blipFill>
-          <a:blip r:embed="rId2" cstate="print">
-            <a:lum bright="10000"/>
-          </a:blip>
-          <a:srcRect/>
-          <a:stretch>
-            <a:fillRect/>
-          </a:stretch>
-        </p:blipFill>
-        <p:spPr bwMode="auto">
-          <a:xfrm>
-            <a:off x="0" y="0"/>
-            <a:ext cx="9144000" cy="6858000"/>
-          </a:xfrm>
-          <a:prstGeom prst="rect">
-            <a:avLst/>
-          </a:prstGeom>
-          <a:noFill/>
-          <a:ln>
-            <a:noFill/>
-          </a:ln>
-        </p:spPr>
-      </p:pic>
-      <p:sp>
-        <p:nvSpPr>
-          <p:cNvPr id="2" name="Title 1"/>
-          <p:cNvSpPr>
-            <a:spLocks noGrp="1"/>
-          </p:cNvSpPr>
-          <p:nvPr>
-            <p:ph type="title"/>
-          </p:nvPr>
-        </p:nvSpPr>
-        <p:spPr>
-          <a:xfrm>
-            <a:off x="457200" y="228600"/>
-            <a:ext cx="8229600" cy="563562"/>
-          </a:xfrm>
-        </p:spPr>
-        <p:txBody>
-          <a:bodyPr>
-            <a:normAutofit/>
-          </a:bodyPr>
-          <a:lstStyle/>
-          <a:p>
-            <a:pPr algn="l"/>
-            <a:r>
-              <a:rPr lang="en-US" sz="2100" b="1" dirty="0" smtClean="0">
-                <a:solidFill>
-                  <a:schemeClr val="accent6">
-                    <a:lumMod val="60000"/>
-                    <a:lumOff val="40000"/>
-                  </a:schemeClr>
-                </a:solidFill>
-                <a:latin typeface="Russo One" pitchFamily="2" charset="0"/>
-              </a:rPr>
-              <a:t>INTRODUCTION OF ADVANCE SMART GPS SYSTEM :</a:t>
-            </a:r>
-            <a:endParaRPr lang="en-US" sz="2100" dirty="0">
-              <a:solidFill>
-                <a:schemeClr val="accent6">
-                  <a:lumMod val="60000"/>
-                  <a:lumOff val="40000"/>
-                </a:schemeClr>
-              </a:solidFill>
-              <a:latin typeface="Russo One" pitchFamily="2" charset="0"/>
-            </a:endParaRPr>
-          </a:p>
-        </p:txBody>
-      </p:sp>
-      <p:sp>
-        <p:nvSpPr>
-          <p:cNvPr id="3" name="Content Placeholder 2"/>
-          <p:cNvSpPr>
-            <a:spLocks noGrp="1"/>
-          </p:cNvSpPr>
-          <p:nvPr>
-            <p:ph idx="1"/>
-          </p:nvPr>
-        </p:nvSpPr>
-        <p:spPr>
-          <a:xfrm>
-            <a:off x="457200" y="685800"/>
-            <a:ext cx="8229600" cy="6019800"/>
-          </a:xfrm>
-        </p:spPr>
-        <p:txBody>
-          <a:bodyPr>
-            <a:noAutofit/>
-          </a:bodyPr>
-          <a:lstStyle/>
-          <a:p>
-            <a:pPr algn="just">
-              <a:buFont typeface="Wingdings" pitchFamily="2" charset="2"/>
-              <a:buChar char="Ø"/>
-            </a:pPr>
-            <a:r>
-              <a:rPr lang="en-US" sz="2100" dirty="0" smtClean="0"/>
-              <a:t>The vehicle tracking system is a total security and </a:t>
-            </a:r>
-            <a:r>
-              <a:rPr lang="en-US" sz="2100" b="1" dirty="0" smtClean="0"/>
-              <a:t>fleet management solution</a:t>
-            </a:r>
-            <a:r>
-              <a:rPr lang="en-US" sz="2100" dirty="0" smtClean="0"/>
-              <a:t>. </a:t>
-            </a:r>
-            <a:endParaRPr lang="en-US" sz="2100" dirty="0" smtClean="0"/>
-          </a:p>
-          <a:p>
-            <a:pPr algn="just">
-              <a:buFont typeface="Wingdings" pitchFamily="2" charset="2"/>
-              <a:buChar char="Ø"/>
-            </a:pPr>
-            <a:endParaRPr lang="en-US" sz="2100" dirty="0" smtClean="0"/>
-          </a:p>
-          <a:p>
-            <a:pPr algn="just">
-              <a:buFont typeface="Wingdings" pitchFamily="2" charset="2"/>
-              <a:buChar char="Ø"/>
-            </a:pPr>
-            <a:r>
-              <a:rPr lang="en-US" sz="2100" dirty="0" smtClean="0"/>
-              <a:t>Determine the </a:t>
-            </a:r>
-            <a:r>
-              <a:rPr lang="en-US" sz="2100" b="1" dirty="0" smtClean="0"/>
-              <a:t>location of a vehicle </a:t>
-            </a:r>
-            <a:r>
-              <a:rPr lang="en-US" sz="2100" dirty="0" smtClean="0"/>
-              <a:t>using different methods like </a:t>
-            </a:r>
-            <a:r>
-              <a:rPr lang="en-US" sz="2100" b="1" dirty="0" smtClean="0"/>
-              <a:t>GPS and other navigation system operating via satellite and ground based stations</a:t>
-            </a:r>
-            <a:r>
-              <a:rPr lang="en-US" sz="2100" dirty="0" smtClean="0"/>
-              <a:t>. </a:t>
-            </a:r>
-            <a:endParaRPr lang="en-US" sz="2100" dirty="0" smtClean="0"/>
-          </a:p>
-          <a:p>
-            <a:pPr algn="just">
-              <a:buFont typeface="Wingdings" pitchFamily="2" charset="2"/>
-              <a:buChar char="Ø"/>
-            </a:pPr>
-            <a:endParaRPr lang="en-US" sz="2100" dirty="0" smtClean="0"/>
-          </a:p>
-          <a:p>
-            <a:pPr algn="just">
-              <a:buFont typeface="Wingdings" pitchFamily="2" charset="2"/>
-              <a:buChar char="Ø"/>
-            </a:pPr>
-            <a:r>
-              <a:rPr lang="en-US" sz="2100" dirty="0" smtClean="0"/>
-              <a:t>The vehicle tracking system is fitted inside the car that provides effective </a:t>
-            </a:r>
-            <a:r>
-              <a:rPr lang="en-US" sz="2100" b="1" dirty="0" smtClean="0"/>
-              <a:t>real time location </a:t>
-            </a:r>
-            <a:r>
-              <a:rPr lang="en-US" sz="2100" dirty="0" smtClean="0"/>
-              <a:t>and </a:t>
-            </a:r>
-            <a:r>
-              <a:rPr lang="en-US" sz="2100" b="1" dirty="0" smtClean="0"/>
-              <a:t>data</a:t>
-            </a:r>
-            <a:r>
-              <a:rPr lang="en-US" sz="2100" dirty="0" smtClean="0"/>
-              <a:t> can even be stored and downloaded to a computer which can be used for analysis in future. </a:t>
-            </a:r>
-            <a:endParaRPr lang="en-US" sz="2100" dirty="0" smtClean="0"/>
-          </a:p>
-          <a:p>
-            <a:pPr algn="just">
-              <a:buFont typeface="Wingdings" pitchFamily="2" charset="2"/>
-              <a:buChar char="Ø"/>
-            </a:pPr>
-            <a:endParaRPr lang="en-US" sz="2100" dirty="0" smtClean="0"/>
-          </a:p>
-          <a:p>
-            <a:pPr algn="just">
-              <a:buFont typeface="Wingdings" pitchFamily="2" charset="2"/>
-              <a:buChar char="Ø"/>
-            </a:pPr>
-            <a:r>
-              <a:rPr lang="en-US" sz="2100" dirty="0" smtClean="0"/>
-              <a:t>The </a:t>
-            </a:r>
-            <a:r>
-              <a:rPr lang="en-US" sz="2100" dirty="0" smtClean="0"/>
-              <a:t>vehicle unit incorporates the hardware part that is the </a:t>
-            </a:r>
-            <a:r>
-              <a:rPr lang="en-US" sz="2100" b="1" dirty="0" smtClean="0"/>
-              <a:t>DES MC300 Series (model 328)</a:t>
-            </a:r>
-            <a:r>
-              <a:rPr lang="en-US" sz="2100" dirty="0" smtClean="0"/>
-              <a:t>, </a:t>
-            </a:r>
-            <a:r>
-              <a:rPr lang="en-US" sz="2100" b="1" dirty="0" smtClean="0"/>
-              <a:t>GPS</a:t>
-            </a:r>
-            <a:r>
-              <a:rPr lang="en-US" sz="2100" dirty="0" smtClean="0"/>
-              <a:t> and </a:t>
-            </a:r>
-            <a:r>
-              <a:rPr lang="en-US" sz="2100" b="1" dirty="0" smtClean="0"/>
-              <a:t>GSM modem </a:t>
-            </a:r>
-            <a:r>
-              <a:rPr lang="en-US" sz="2100" dirty="0" smtClean="0"/>
-              <a:t>kept inside the vehicle that is to be tracked</a:t>
-            </a:r>
-            <a:r>
-              <a:rPr lang="en-US" sz="2100" dirty="0" smtClean="0"/>
-              <a:t>.</a:t>
-            </a:r>
-          </a:p>
-          <a:p>
-            <a:pPr algn="just">
-              <a:buFont typeface="Wingdings" pitchFamily="2" charset="2"/>
-              <a:buChar char="Ø"/>
-            </a:pPr>
-            <a:endParaRPr lang="en-US" sz="2100" dirty="0" smtClean="0"/>
-          </a:p>
-          <a:p>
-            <a:pPr algn="just">
-              <a:buFont typeface="Wingdings" pitchFamily="2" charset="2"/>
-              <a:buChar char="Ø"/>
-            </a:pPr>
-            <a:r>
-              <a:rPr lang="en-US" sz="2100" b="1" dirty="0" smtClean="0"/>
-              <a:t>Closely </a:t>
-            </a:r>
-            <a:r>
-              <a:rPr lang="en-US" sz="2100" b="1" dirty="0" smtClean="0"/>
-              <a:t>monitor vehicle in real time as well as to check the history of vehicles movements</a:t>
-            </a:r>
-            <a:r>
-              <a:rPr lang="en-US" sz="2100" dirty="0" smtClean="0"/>
-              <a:t>. </a:t>
-            </a:r>
-          </a:p>
-        </p:txBody>
-      </p:sp>
-    </p:spTree>
-  </p:cSld>
-  <p:clrMapOvr>
-    <a:masterClrMapping/>
-  </p:clrMapOvr>
-  <p:transition>
-    <p:diamond/>
-  </p:transition>
-  <p:timing>
-    <p:tnLst>
-      <p:par>
-        <p:cTn id="1" dur="indefinite" restart="never" nodeType="tmRoot"/>
-      </p:par>
-    </p:tnLst>
-  </p:timing>
-</p:sld>
-</file>
-
 <file path=ppt/slides/slide5.xml><?xml version="1.0" encoding="utf-8"?>
 <p:sld xmlns:a="http://schemas.openxmlformats.org/drawingml/2006/main" xmlns:r="http://schemas.openxmlformats.org/officeDocument/2006/relationships" xmlns:p="http://schemas.openxmlformats.org/presentationml/2006/main">
   <p:cSld>
@@ -8752,7 +9024,19 @@
                 </a:solidFill>
                 <a:latin typeface="Russo One" pitchFamily="2" charset="0"/>
               </a:rPr>
-              <a:t>HISTORY OF ADVANCE SMART GPS SYSTEM :</a:t>
+              <a:t>CALCULATION OFADVANCE </a:t>
+            </a:r>
+            <a:r>
+              <a:rPr lang="en-US" sz="2100" b="1" dirty="0" smtClean="0">
+                <a:solidFill>
+                  <a:schemeClr val="accent6">
+                    <a:lumMod val="60000"/>
+                    <a:lumOff val="40000"/>
+                  </a:schemeClr>
+                </a:solidFill>
+                <a:latin typeface="Russo One" pitchFamily="2" charset="0"/>
+              </a:rPr>
+              <a:t>SMART GPS SYSTEM :</a:t>
             </a:r>
             <a:endParaRPr lang="en-US" sz="2100" dirty="0">
               <a:solidFill>
@@ -8778,8 +9062,8 @@
         </p:nvSpPr>
         <p:spPr>
           <a:xfrm>
-            <a:off x="457200" y="838200"/>
-            <a:ext cx="8229600" cy="5791200"/>
+            <a:off x="457200" y="685800"/>
+            <a:ext cx="8229600" cy="6019800"/>
           </a:xfrm>
         </p:spPr>
         <p:txBody>
@@ -8793,28 +9077,24 @@
               <a:buChar char="Ø"/>
             </a:pPr>
             <a:r>
-              <a:rPr lang="en-US" sz="2100" b="1" dirty="0" smtClean="0"/>
-              <a:t>Global Positioning Systems (GPS) </a:t>
-            </a:r>
-            <a:r>
               <a:rPr lang="en-US" sz="2100" dirty="0" smtClean="0"/>
-              <a:t>were designed by the </a:t>
-            </a:r>
-            <a:r>
-              <a:rPr lang="en-US" sz="2100" b="1" dirty="0" smtClean="0"/>
-              <a:t>United States Government and military</a:t>
-            </a:r>
-            <a:r>
-              <a:rPr lang="en-US" sz="2100" dirty="0" smtClean="0"/>
-              <a:t>, which the design was intended to be used as </a:t>
-            </a:r>
-            <a:r>
-              <a:rPr lang="en-US" sz="2100" b="1" dirty="0" smtClean="0"/>
-              <a:t>surveillance</a:t>
-            </a:r>
-            <a:r>
-              <a:rPr lang="en-US" sz="2100" dirty="0" smtClean="0"/>
-              <a:t>. </a:t>
+              <a:t>The GPS calculation uses four equation with four unknowns x, y, z, </a:t>
+            </a:r>
+            <a:r>
+              <a:rPr lang="en-US" sz="2400" dirty="0" smtClean="0"/>
+              <a:t>t</a:t>
+            </a:r>
+            <a:r>
+              <a:rPr lang="en-US" sz="2400" baseline="-25000" dirty="0" smtClean="0"/>
+              <a:t>c</a:t>
+            </a:r>
+            <a:r>
+              <a:rPr lang="en-US" sz="2400" dirty="0" smtClean="0"/>
+              <a:t> </a:t>
+            </a:r>
+            <a:r>
+              <a:rPr lang="en-US" sz="2400" dirty="0" smtClean="0"/>
+              <a:t>:</a:t>
             </a:r>
           </a:p>
           <a:p>
@@ -8822,127 +9102,82 @@
               <a:buFont typeface="Wingdings" pitchFamily="2" charset="2"/>
               <a:buChar char="Ø"/>
             </a:pPr>
-            <a:r>
-              <a:rPr lang="en-US" sz="2100" dirty="0" smtClean="0"/>
-              <a:t>Primarily used for </a:t>
-            </a:r>
-            <a:r>
-              <a:rPr lang="en-US" sz="2100" b="1" dirty="0" smtClean="0"/>
-              <a:t>navigation purposes</a:t>
-            </a:r>
-            <a:r>
-              <a:rPr lang="en-US" sz="2100" dirty="0" smtClean="0"/>
-              <a:t>. At that time, the GPS project cost approximately </a:t>
-            </a:r>
-            <a:r>
-              <a:rPr lang="en-US" sz="2100" b="1" dirty="0" smtClean="0"/>
-              <a:t>$12 billion</a:t>
-            </a:r>
-            <a:r>
-              <a:rPr lang="en-US" sz="2100" dirty="0" smtClean="0"/>
-              <a:t> for the design and launch of </a:t>
-            </a:r>
-            <a:r>
-              <a:rPr lang="en-US" sz="2100" b="1" dirty="0" smtClean="0"/>
-              <a:t>18 satellites</a:t>
-            </a:r>
-            <a:r>
-              <a:rPr lang="en-US" sz="2100" dirty="0" smtClean="0"/>
-              <a:t>, </a:t>
-            </a:r>
-            <a:r>
-              <a:rPr lang="en-US" sz="2100" b="1" dirty="0" smtClean="0"/>
-              <a:t>six in each of the orbital planes spaced 120 degrees apart, and their ground stations</a:t>
-            </a:r>
-            <a:r>
-              <a:rPr lang="en-US" sz="2100" dirty="0" smtClean="0"/>
-              <a:t>.</a:t>
-            </a:r>
+            <a:endParaRPr lang="en-US" sz="2400" baseline="-25000" dirty="0" smtClean="0"/>
+          </a:p>
+          <a:p>
+            <a:pPr algn="just">
+              <a:buNone/>
+            </a:pPr>
+            <a:endParaRPr lang="en-US" sz="2100" dirty="0" smtClean="0"/>
           </a:p>
           <a:p>
             <a:pPr algn="just">
               <a:buFont typeface="Wingdings" pitchFamily="2" charset="2"/>
               <a:buChar char="Ø"/>
             </a:pPr>
-            <a:r>
-              <a:rPr lang="en-US" sz="2100" dirty="0" smtClean="0"/>
-              <a:t>It was used by </a:t>
-            </a:r>
-            <a:r>
-              <a:rPr lang="en-US" sz="2100" b="1" dirty="0" smtClean="0"/>
-              <a:t>military</a:t>
-            </a:r>
-            <a:r>
-              <a:rPr lang="en-US" sz="2100" dirty="0" smtClean="0"/>
-              <a:t> and </a:t>
-            </a:r>
-            <a:r>
-              <a:rPr lang="en-US" sz="2100" b="1" dirty="0" smtClean="0"/>
-              <a:t>intelligence organizational </a:t>
-            </a:r>
-            <a:r>
-              <a:rPr lang="en-US" sz="2100" dirty="0" smtClean="0"/>
-              <a:t>during the </a:t>
-            </a:r>
-            <a:r>
-              <a:rPr lang="en-US" sz="2100" b="1" dirty="0" smtClean="0"/>
-              <a:t>Cold War</a:t>
-            </a:r>
-            <a:r>
-              <a:rPr lang="en-US" sz="2100" dirty="0" smtClean="0"/>
-              <a:t>, the Soviet-launched spacecraft Sputnik. Since its introduction in the 1960s, GPS has developed into a larger and more advanced satellite network constellation that orbits Earth at fixed points in space to send signals to anyone with a GPS receiver.</a:t>
-            </a:r>
+            <a:endParaRPr lang="en-US" sz="2100" dirty="0" smtClean="0"/>
           </a:p>
           <a:p>
             <a:pPr algn="just">
               <a:buFont typeface="Wingdings" pitchFamily="2" charset="2"/>
               <a:buChar char="Ø"/>
             </a:pPr>
-            <a:r>
-              <a:rPr lang="en-US" sz="2100" dirty="0" smtClean="0"/>
-              <a:t>The signals carry a </a:t>
-            </a:r>
-            <a:r>
-              <a:rPr lang="en-US" sz="2100" b="1" dirty="0" smtClean="0"/>
-              <a:t>time code </a:t>
-            </a:r>
-            <a:r>
-              <a:rPr lang="en-US" sz="2100" dirty="0" smtClean="0"/>
-              <a:t>and </a:t>
-            </a:r>
-            <a:r>
-              <a:rPr lang="en-US" sz="2100" b="1" dirty="0" smtClean="0"/>
-              <a:t>geographic data point </a:t>
-            </a:r>
-            <a:r>
-              <a:rPr lang="en-US" sz="2100" dirty="0" smtClean="0"/>
-              <a:t>that enables us to display a devices exact position anywhere on the planet. </a:t>
-            </a:r>
-          </a:p>
-          <a:p>
-            <a:pPr algn="just">
-              <a:buFont typeface="Wingdings" pitchFamily="2" charset="2"/>
-              <a:buChar char="Ø"/>
-            </a:pPr>
-            <a:r>
-              <a:rPr lang="en-US" sz="2100" dirty="0" smtClean="0"/>
-              <a:t>They realized that since they knew their exact location on the globe, by measuring the </a:t>
-            </a:r>
-            <a:r>
-              <a:rPr lang="en-US" sz="2100" b="1" dirty="0" smtClean="0"/>
-              <a:t>Doppler distortion </a:t>
-            </a:r>
-            <a:r>
-              <a:rPr lang="en-US" sz="2100" dirty="0" smtClean="0"/>
-              <a:t>it was possible to </a:t>
-            </a:r>
-            <a:r>
-              <a:rPr lang="en-US" sz="2100" b="1" dirty="0" smtClean="0"/>
-              <a:t>pinpoint where the satellite was along its orbit.</a:t>
-            </a:r>
-          </a:p>
-        </p:txBody>
-      </p:sp>
+            <a:endParaRPr lang="en-US" sz="2100" dirty="0" smtClean="0"/>
+          </a:p>
+        </p:txBody>
+      </p:sp>
+      <p:pic>
+        <p:nvPicPr>
+          <p:cNvPr id="1026" name="Picture 2" descr="C:\Users\syed\Desktop\GITHUB\Advance-Smart-GPS-Electromagnetic-Brake-System\PROJECT-2\NIHAAL\IMAGE\GPS CALCULATION EQUATION_1.jpg"/>
+          <p:cNvPicPr>
+            <a:picLocks noChangeAspect="1" noChangeArrowheads="1"/>
+          </p:cNvPicPr>
+          <p:nvPr/>
+        </p:nvPicPr>
+        <p:blipFill>
+          <a:blip r:embed="rId3" cstate="print"/>
+          <a:srcRect/>
+          <a:stretch>
+            <a:fillRect/>
+          </a:stretch>
+        </p:blipFill>
+        <p:spPr bwMode="auto">
+          <a:xfrm>
+            <a:off x="1066800" y="1295400"/>
+            <a:ext cx="7183395" cy="2438400"/>
+          </a:xfrm>
+          <a:prstGeom prst="rect">
+            <a:avLst/>
+          </a:prstGeom>
+          <a:noFill/>
+        </p:spPr>
+      </p:pic>
+      <p:pic>
+        <p:nvPicPr>
+          <p:cNvPr id="1027" name="Picture 3" descr="C:\Users\syed\Desktop\GITHUB\Advance-Smart-GPS-Electromagnetic-Brake-System\PROJECT-2\NIHAAL\IMAGE\GPS CALCULATION EQUATION_2.jpg"/>
+          <p:cNvPicPr>
+            <a:picLocks noChangeAspect="1" noChangeArrowheads="1"/>
+          </p:cNvPicPr>
+          <p:nvPr/>
+        </p:nvPicPr>
+        <p:blipFill>
+          <a:blip r:embed="rId4" cstate="print"/>
+          <a:srcRect/>
+          <a:stretch>
+            <a:fillRect/>
+          </a:stretch>
+        </p:blipFill>
+        <p:spPr bwMode="auto">
+          <a:xfrm>
+            <a:off x="1066800" y="3886200"/>
+            <a:ext cx="7162800" cy="2694433"/>
+          </a:xfrm>
+          <a:prstGeom prst="rect">
+            <a:avLst/>
+          </a:prstGeom>
+          <a:noFill/>
+        </p:spPr>
+      </p:pic>
     </p:spTree>
   </p:cSld>
   <p:clrMapOvr>
@@ -9042,7 +9277,19 @@
                 </a:solidFill>
                 <a:latin typeface="Russo One" pitchFamily="2" charset="0"/>
               </a:rPr>
-              <a:t>INTRODUCTION OF ELECTROMAGNETIC BRAKE SYSTEM :</a:t>
+              <a:t>CALCULATION OF ELECTROMAGNETIC BRAKE </a:t>
+            </a:r>
+            <a:r>
+              <a:rPr lang="en-US" sz="2100" b="1" dirty="0" smtClean="0">
+                <a:solidFill>
+                  <a:schemeClr val="accent6">
+                    <a:lumMod val="60000"/>
+                    <a:lumOff val="40000"/>
+                  </a:schemeClr>
+                </a:solidFill>
+                <a:latin typeface="Russo One" pitchFamily="2" charset="0"/>
+              </a:rPr>
+              <a:t>SYSTEM :</a:t>
             </a:r>
             <a:endParaRPr lang="en-US" sz="2100" dirty="0">
               <a:solidFill>
@@ -9068,8 +9315,8 @@
         </p:nvSpPr>
         <p:spPr>
           <a:xfrm>
-            <a:off x="457200" y="838200"/>
-            <a:ext cx="8229600" cy="5791200"/>
+            <a:off x="457200" y="685800"/>
+            <a:ext cx="8229600" cy="6019800"/>
           </a:xfrm>
         </p:spPr>
         <p:txBody>
@@ -9078,149 +9325,361 @@
           </a:bodyPr>
           <a:lstStyle/>
           <a:p>
-            <a:pPr algn="just"/>
+            <a:pPr algn="just">
+              <a:buFont typeface="Wingdings" pitchFamily="2" charset="2"/>
+              <a:buChar char="Ø"/>
+            </a:pPr>
             <a:r>
               <a:rPr lang="en-US" sz="2100" dirty="0" smtClean="0"/>
-              <a:t>The </a:t>
-            </a:r>
-            <a:r>
-              <a:rPr lang="en-US" sz="2100" dirty="0" smtClean="0"/>
-              <a:t>principle of braking is depending on the conversion of energy that is converted </a:t>
-            </a:r>
-            <a:r>
-              <a:rPr lang="en-US" sz="2100" b="1" dirty="0" smtClean="0"/>
-              <a:t>kinetic energy</a:t>
-            </a:r>
-            <a:r>
-              <a:rPr lang="en-US" sz="2100" dirty="0" smtClean="0"/>
-              <a:t> into </a:t>
-            </a:r>
-            <a:r>
-              <a:rPr lang="en-US" sz="2100" b="1" dirty="0" smtClean="0"/>
-              <a:t>thermal energy form of heat</a:t>
-            </a:r>
-            <a:r>
-              <a:rPr lang="en-US" sz="2100" dirty="0" smtClean="0"/>
-              <a:t>.</a:t>
-            </a:r>
-          </a:p>
-          <a:p>
-            <a:pPr algn="just"/>
+              <a:t>The EBS calculation are as follows</a:t>
+            </a:r>
+            <a:r>
+              <a:rPr lang="en-US" sz="2400" dirty="0" smtClean="0"/>
+              <a:t> :</a:t>
+            </a:r>
+          </a:p>
+          <a:p>
+            <a:pPr algn="just">
+              <a:buFont typeface="Wingdings" pitchFamily="2" charset="2"/>
+              <a:buChar char="Ø"/>
+            </a:pPr>
+            <a:endParaRPr lang="en-US" sz="2400" dirty="0" smtClean="0"/>
+          </a:p>
+          <a:p>
+            <a:pPr algn="just">
+              <a:buFont typeface="Wingdings" pitchFamily="2" charset="2"/>
+              <a:buChar char="v"/>
+            </a:pPr>
+            <a:r>
+              <a:rPr lang="en-US" sz="2000" dirty="0" smtClean="0"/>
+              <a:t>Calculating magnetic field (B):</a:t>
+            </a:r>
+            <a:endParaRPr lang="en-US" sz="2000" dirty="0" smtClean="0"/>
+          </a:p>
+          <a:p>
+            <a:pPr algn="ctr">
+              <a:buNone/>
+            </a:pPr>
+            <a:r>
+              <a:rPr lang="en-US" sz="1400" b="1" dirty="0" smtClean="0"/>
+              <a:t>F = [B</a:t>
+            </a:r>
+            <a:r>
+              <a:rPr lang="en-US" sz="1400" b="1" baseline="30000" dirty="0" smtClean="0"/>
+              <a:t>2</a:t>
+            </a:r>
+            <a:r>
+              <a:rPr lang="en-US" sz="1400" b="1" dirty="0" smtClean="0"/>
+              <a:t>A/2µ</a:t>
+            </a:r>
+            <a:r>
+              <a:rPr lang="en-US" sz="1400" b="1" baseline="-25000" dirty="0" smtClean="0"/>
+              <a:t>o</a:t>
+            </a:r>
+            <a:r>
+              <a:rPr lang="en-US" sz="1400" b="1" dirty="0" smtClean="0"/>
+              <a:t>]     -     {</a:t>
+            </a:r>
+            <a:r>
+              <a:rPr lang="en-US" sz="1400" b="1" dirty="0" smtClean="0"/>
+              <a:t>µ</a:t>
+            </a:r>
+            <a:r>
+              <a:rPr lang="en-US" sz="1400" b="1" baseline="-25000" dirty="0" smtClean="0"/>
+              <a:t>o</a:t>
+            </a:r>
+            <a:r>
+              <a:rPr lang="en-US" sz="1400" b="1" dirty="0" smtClean="0"/>
+              <a:t> = [4π x 10</a:t>
+            </a:r>
+            <a:r>
+              <a:rPr lang="en-US" sz="1400" b="1" baseline="30000" dirty="0" smtClean="0"/>
+              <a:t>-7</a:t>
+            </a:r>
+            <a:r>
+              <a:rPr lang="en-US" sz="1400" b="1" dirty="0" smtClean="0"/>
+              <a:t> H.m</a:t>
+            </a:r>
+            <a:r>
+              <a:rPr lang="en-US" sz="1400" b="1" baseline="30000" dirty="0" smtClean="0"/>
+              <a:t>-1</a:t>
+            </a:r>
+            <a:r>
+              <a:rPr lang="en-US" sz="1400" b="1" dirty="0" smtClean="0"/>
+              <a:t>]}</a:t>
+            </a:r>
+          </a:p>
+          <a:p>
+            <a:pPr algn="ctr">
+              <a:buNone/>
+            </a:pPr>
+            <a:endParaRPr lang="en-US" sz="1400" b="1" dirty="0" smtClean="0"/>
+          </a:p>
+          <a:p>
+            <a:pPr marL="457200" indent="-457200">
+              <a:buFont typeface="Wingdings" pitchFamily="2" charset="2"/>
+              <a:buChar char="v"/>
+            </a:pPr>
+            <a:r>
+              <a:rPr lang="en-US" sz="2000" dirty="0" smtClean="0"/>
+              <a:t>Total magnetic flux in core (</a:t>
+            </a:r>
+            <a:r>
+              <a:rPr lang="en-US" sz="2000" dirty="0" smtClean="0"/>
+              <a:t>Ø</a:t>
+            </a:r>
+            <a:r>
+              <a:rPr lang="en-US" sz="2000" dirty="0" smtClean="0"/>
+              <a:t>):</a:t>
+            </a:r>
+          </a:p>
+          <a:p>
+            <a:pPr algn="ctr">
+              <a:buNone/>
+            </a:pPr>
+            <a:r>
+              <a:rPr lang="en-US" sz="1400" b="1" dirty="0" smtClean="0"/>
+              <a:t>Ø </a:t>
+            </a:r>
+            <a:r>
+              <a:rPr lang="en-US" sz="1400" b="1" dirty="0" smtClean="0"/>
+              <a:t>= B ×</a:t>
+            </a:r>
+            <a:r>
+              <a:rPr lang="en-US" sz="1400" b="1" dirty="0" smtClean="0"/>
+              <a:t>A</a:t>
+            </a:r>
+          </a:p>
+          <a:p>
+            <a:pPr>
+              <a:buFont typeface="Wingdings" pitchFamily="2" charset="2"/>
+              <a:buChar char="v"/>
+            </a:pPr>
+            <a:r>
+              <a:rPr lang="en-US" sz="2000" dirty="0" smtClean="0"/>
+              <a:t>The Magnetizing force (H):</a:t>
+            </a:r>
+          </a:p>
+          <a:p>
+            <a:pPr algn="ctr">
+              <a:buNone/>
+            </a:pPr>
+            <a:r>
+              <a:rPr lang="en-US" sz="1400" b="1" dirty="0" smtClean="0"/>
+              <a:t>H = </a:t>
+            </a:r>
+            <a:r>
+              <a:rPr lang="en-US" sz="1400" b="1" dirty="0" smtClean="0"/>
+              <a:t>B/µ</a:t>
+            </a:r>
+            <a:r>
+              <a:rPr lang="en-US" sz="1400" b="1" baseline="-25000" dirty="0" smtClean="0"/>
+              <a:t>o</a:t>
+            </a:r>
+          </a:p>
+          <a:p>
+            <a:pPr algn="ctr">
+              <a:buNone/>
+            </a:pPr>
+            <a:endParaRPr lang="en-US" sz="1400" b="1" baseline="-25000" dirty="0" smtClean="0"/>
+          </a:p>
+          <a:p>
+            <a:pPr>
+              <a:buFont typeface="Wingdings" pitchFamily="2" charset="2"/>
+              <a:buChar char="v"/>
+            </a:pPr>
+            <a:r>
+              <a:rPr lang="en-US" sz="2000" dirty="0" smtClean="0"/>
+              <a:t>Calculating total force (N):</a:t>
+            </a:r>
+            <a:endParaRPr lang="en-US" sz="2000" dirty="0" smtClean="0"/>
+          </a:p>
+          <a:p>
+            <a:pPr algn="ctr">
+              <a:buNone/>
+            </a:pPr>
+            <a:r>
+              <a:rPr lang="en-US" sz="1400" b="1" dirty="0" smtClean="0"/>
+              <a:t>F = [(</a:t>
+            </a:r>
+            <a:r>
+              <a:rPr lang="en-US" sz="1400" b="1" dirty="0" err="1" smtClean="0"/>
+              <a:t>NxI</a:t>
+            </a:r>
+            <a:r>
+              <a:rPr lang="en-US" sz="1400" b="1" dirty="0" smtClean="0"/>
+              <a:t>)</a:t>
+            </a:r>
+            <a:r>
+              <a:rPr lang="en-US" sz="1400" b="1" baseline="30000" dirty="0" smtClean="0"/>
+              <a:t>2</a:t>
+            </a:r>
+            <a:r>
+              <a:rPr lang="en-US" sz="1400" b="1" dirty="0" smtClean="0"/>
+              <a:t>µ</a:t>
+            </a:r>
+            <a:r>
+              <a:rPr lang="en-US" sz="1400" b="1" baseline="-25000" dirty="0" smtClean="0"/>
+              <a:t>o</a:t>
+            </a:r>
+            <a:r>
+              <a:rPr lang="en-US" sz="1400" b="1" dirty="0" smtClean="0"/>
+              <a:t>a / (2xg)] = [(</a:t>
+            </a:r>
+            <a:r>
+              <a:rPr lang="en-US" sz="1400" b="1" dirty="0" err="1" smtClean="0"/>
+              <a:t>NxI</a:t>
+            </a:r>
+            <a:r>
+              <a:rPr lang="en-US" sz="1400" b="1" dirty="0" smtClean="0"/>
+              <a:t>)</a:t>
+            </a:r>
+            <a:r>
+              <a:rPr lang="en-US" sz="1400" b="1" baseline="30000" dirty="0" smtClean="0"/>
+              <a:t>2</a:t>
+            </a:r>
+            <a:r>
+              <a:rPr lang="en-US" sz="1400" b="1" dirty="0" smtClean="0"/>
+              <a:t>µ</a:t>
+            </a:r>
+            <a:r>
+              <a:rPr lang="en-US" sz="1400" b="1" baseline="-25000" dirty="0" smtClean="0"/>
+              <a:t>o</a:t>
+            </a:r>
+            <a:r>
+              <a:rPr lang="en-US" sz="1400" b="1" dirty="0" smtClean="0"/>
+              <a:t>a / (2G</a:t>
+            </a:r>
+            <a:r>
+              <a:rPr lang="en-US" sz="1400" b="1" baseline="-25000" dirty="0" smtClean="0"/>
+              <a:t>1</a:t>
+            </a:r>
+            <a:r>
+              <a:rPr lang="en-US" sz="1400" b="1" dirty="0" smtClean="0"/>
+              <a:t>)]</a:t>
+            </a:r>
+          </a:p>
+          <a:p>
+            <a:pPr>
+              <a:buFont typeface="Wingdings" pitchFamily="2" charset="2"/>
+              <a:buChar char="v"/>
+            </a:pPr>
+            <a:r>
+              <a:rPr lang="en-US" sz="2000" dirty="0" smtClean="0"/>
+              <a:t>Motor torque (P):</a:t>
+            </a:r>
+            <a:endParaRPr lang="en-US" sz="2000" dirty="0" smtClean="0"/>
+          </a:p>
+          <a:p>
+            <a:pPr algn="ctr">
+              <a:buNone/>
+            </a:pPr>
+            <a:r>
+              <a:rPr lang="en-US" sz="1400" b="1" dirty="0" smtClean="0"/>
+              <a:t>P = [2πNT/60</a:t>
+            </a:r>
+            <a:r>
+              <a:rPr lang="en-US" sz="1400" b="1" dirty="0" smtClean="0"/>
+              <a:t>]</a:t>
+            </a:r>
+          </a:p>
+          <a:p>
+            <a:pPr algn="ctr">
+              <a:buNone/>
+            </a:pPr>
+            <a:endParaRPr lang="en-US" sz="1400" b="1" dirty="0" smtClean="0"/>
+          </a:p>
+          <a:p>
+            <a:pPr>
+              <a:buFont typeface="Wingdings" pitchFamily="2" charset="2"/>
+              <a:buChar char="v"/>
+            </a:pPr>
+            <a:r>
+              <a:rPr lang="en-US" sz="2000" dirty="0" smtClean="0"/>
+              <a:t>Calculating velocity for performance testing (V):</a:t>
+            </a:r>
+            <a:endParaRPr lang="en-US" sz="2000" dirty="0" smtClean="0"/>
+          </a:p>
+          <a:p>
+            <a:pPr algn="ctr">
+              <a:buNone/>
+            </a:pPr>
+            <a:r>
+              <a:rPr lang="en-US" sz="1400" b="1" dirty="0" smtClean="0"/>
+              <a:t>V = </a:t>
+            </a:r>
+            <a:r>
+              <a:rPr lang="en-US" sz="1400" b="1" dirty="0" smtClean="0"/>
+              <a:t>rὡ</a:t>
+            </a:r>
+          </a:p>
+          <a:p>
+            <a:pPr>
+              <a:buFont typeface="Wingdings" pitchFamily="2" charset="2"/>
+              <a:buChar char="v"/>
+            </a:pPr>
+            <a:r>
+              <a:rPr lang="en-US" sz="2000" dirty="0" smtClean="0"/>
+              <a:t>Newton’s law of motion equation by acceleration (a):</a:t>
+            </a:r>
+            <a:endParaRPr lang="en-US" sz="2000" dirty="0" smtClean="0"/>
+          </a:p>
+          <a:p>
+            <a:pPr algn="ctr">
+              <a:buNone/>
+            </a:pPr>
+            <a:r>
+              <a:rPr lang="en-US" sz="1400" b="1" dirty="0" smtClean="0"/>
+              <a:t>V = u+at</a:t>
+            </a:r>
+          </a:p>
+          <a:p>
+            <a:pPr algn="just">
+              <a:buFont typeface="Wingdings" pitchFamily="2" charset="2"/>
+              <a:buChar char="Ø"/>
+            </a:pPr>
+            <a:endParaRPr lang="en-US" sz="2400" dirty="0" smtClean="0"/>
+          </a:p>
+          <a:p>
+            <a:pPr algn="just">
+              <a:buFont typeface="Wingdings" pitchFamily="2" charset="2"/>
+              <a:buChar char="Ø"/>
+            </a:pPr>
+            <a:endParaRPr lang="en-US" sz="2400" dirty="0" smtClean="0"/>
+          </a:p>
+          <a:p>
+            <a:pPr algn="just">
+              <a:buFont typeface="Wingdings" pitchFamily="2" charset="2"/>
+              <a:buChar char="Ø"/>
+            </a:pPr>
+            <a:endParaRPr lang="en-US" sz="2400" dirty="0" smtClean="0"/>
+          </a:p>
+          <a:p>
+            <a:pPr algn="just">
+              <a:buFont typeface="Wingdings" pitchFamily="2" charset="2"/>
+              <a:buChar char="Ø"/>
+            </a:pPr>
+            <a:endParaRPr lang="en-US" sz="2400" baseline="-25000" dirty="0" smtClean="0"/>
+          </a:p>
+          <a:p>
+            <a:pPr algn="just">
+              <a:buNone/>
+            </a:pPr>
             <a:endParaRPr lang="en-US" sz="2100" dirty="0" smtClean="0"/>
           </a:p>
           <a:p>
-            <a:pPr algn="just"/>
-            <a:r>
-              <a:rPr lang="en-US" sz="2100" dirty="0" smtClean="0"/>
-              <a:t>In two wheeler </a:t>
-            </a:r>
-            <a:r>
-              <a:rPr lang="en-US" sz="2100" b="1" dirty="0" smtClean="0"/>
-              <a:t>Disc brake</a:t>
-            </a:r>
-            <a:r>
-              <a:rPr lang="en-US" sz="2100" dirty="0" smtClean="0"/>
-              <a:t> and </a:t>
-            </a:r>
-            <a:r>
-              <a:rPr lang="en-US" sz="2100" b="1" dirty="0" smtClean="0"/>
-              <a:t>Drum brake</a:t>
-            </a:r>
-            <a:r>
-              <a:rPr lang="en-US" sz="2100" dirty="0" smtClean="0"/>
-              <a:t> are used in existing system, both braking are contact type braking as well as the </a:t>
-            </a:r>
-            <a:r>
-              <a:rPr lang="en-US" sz="2100" b="1" dirty="0" smtClean="0"/>
-              <a:t>frictional resistance braking</a:t>
-            </a:r>
-            <a:r>
-              <a:rPr lang="en-US" sz="2100" dirty="0" smtClean="0"/>
-              <a:t>. </a:t>
-            </a:r>
+            <a:pPr algn="just">
+              <a:buFont typeface="Wingdings" pitchFamily="2" charset="2"/>
+              <a:buChar char="Ø"/>
+            </a:pPr>
             <a:endParaRPr lang="en-US" sz="2100" dirty="0" smtClean="0"/>
           </a:p>
           <a:p>
-            <a:pPr algn="just"/>
+            <a:pPr algn="just">
+              <a:buFont typeface="Wingdings" pitchFamily="2" charset="2"/>
+              <a:buChar char="Ø"/>
+            </a:pPr>
             <a:endParaRPr lang="en-US" sz="2100" dirty="0" smtClean="0"/>
-          </a:p>
-          <a:p>
-            <a:pPr algn="just"/>
-            <a:r>
-              <a:rPr lang="en-US" sz="2100" b="1" dirty="0" smtClean="0"/>
-              <a:t>Eddy current braking systems</a:t>
-            </a:r>
-            <a:r>
-              <a:rPr lang="en-US" sz="2100" dirty="0" smtClean="0"/>
-              <a:t> are a better alternative to the currently used friction based braking systems for instance disk and drum brakes</a:t>
-            </a:r>
-            <a:r>
-              <a:rPr lang="en-US" sz="2100" dirty="0" smtClean="0"/>
-              <a:t>.</a:t>
-            </a:r>
-          </a:p>
-          <a:p>
-            <a:pPr algn="just"/>
-            <a:endParaRPr lang="en-US" sz="2100" dirty="0" smtClean="0"/>
-          </a:p>
-          <a:p>
-            <a:pPr algn="just"/>
-            <a:r>
-              <a:rPr lang="en-US" sz="2100" dirty="0" smtClean="0"/>
-              <a:t>Electromagnetic brakes are the brakes working on the </a:t>
-            </a:r>
-            <a:r>
-              <a:rPr lang="en-US" sz="2100" b="1" dirty="0" smtClean="0"/>
-              <a:t>electric power </a:t>
-            </a:r>
-            <a:r>
-              <a:rPr lang="en-US" sz="2100" dirty="0" smtClean="0"/>
-              <a:t>and </a:t>
-            </a:r>
-            <a:r>
-              <a:rPr lang="en-US" sz="2100" b="1" dirty="0" smtClean="0"/>
-              <a:t>magnetic power</a:t>
-            </a:r>
-            <a:r>
-              <a:rPr lang="en-US" sz="2100" dirty="0" smtClean="0"/>
-              <a:t>. They work on the principle of </a:t>
-            </a:r>
-            <a:r>
-              <a:rPr lang="en-US" sz="2100" b="1" dirty="0" smtClean="0"/>
-              <a:t>electromagnetism</a:t>
-            </a:r>
-            <a:r>
-              <a:rPr lang="en-US" sz="2100" dirty="0" smtClean="0"/>
-              <a:t>.</a:t>
-            </a:r>
-          </a:p>
-          <a:p>
-            <a:pPr algn="just"/>
-            <a:endParaRPr lang="en-US" sz="2100" dirty="0" smtClean="0"/>
-          </a:p>
-          <a:p>
-            <a:pPr algn="just"/>
-            <a:r>
-              <a:rPr lang="en-US" sz="2100" dirty="0" smtClean="0"/>
-              <a:t>The original name was </a:t>
-            </a:r>
-            <a:r>
-              <a:rPr lang="en-US" sz="2100" b="1" dirty="0" smtClean="0"/>
-              <a:t>‘Electro Mechanical Brakes’</a:t>
-            </a:r>
-            <a:r>
-              <a:rPr lang="en-US" sz="2100" dirty="0" smtClean="0"/>
-              <a:t> but over the years the name changed to </a:t>
-            </a:r>
-            <a:r>
-              <a:rPr lang="en-US" sz="2100" b="1" dirty="0" smtClean="0"/>
-              <a:t>‘Electromagnetic Brakes</a:t>
-            </a:r>
-            <a:r>
-              <a:rPr lang="en-US" sz="2100" b="1" dirty="0" smtClean="0"/>
-              <a:t>’.</a:t>
-            </a:r>
-            <a:endParaRPr lang="en-US" sz="2100" b="1" dirty="0" smtClean="0"/>
           </a:p>
         </p:txBody>
       </p:sp>
@@ -9323,7 +9782,7 @@
                 </a:solidFill>
                 <a:latin typeface="Russo One" pitchFamily="2" charset="0"/>
               </a:rPr>
-              <a:t>HISTORY OF ELECTROMAGNETIC BRAKE SYSTEM :</a:t>
+              <a:t>INTRODUCTION OF ADVANCE SMART GPS SYSTEM :</a:t>
             </a:r>
             <a:endParaRPr lang="en-US" sz="2100" dirty="0">
               <a:solidFill>
@@ -9349,8 +9808,8 @@
         </p:nvSpPr>
         <p:spPr>
           <a:xfrm>
-            <a:off x="457200" y="838200"/>
-            <a:ext cx="8229600" cy="5791200"/>
+            <a:off x="457200" y="685800"/>
+            <a:ext cx="8229600" cy="6019800"/>
           </a:xfrm>
         </p:spPr>
         <p:txBody>
@@ -9359,140 +9818,150 @@
           </a:bodyPr>
           <a:lstStyle/>
           <a:p>
-            <a:pPr algn="just"/>
-            <a:r>
-              <a:rPr lang="en-US" sz="2100" dirty="0" smtClean="0">
-                <a:latin typeface="Calibri" panose="020F0502020204030204" pitchFamily="34" charset="0"/>
-                <a:ea typeface="Calibri" panose="020F0502020204030204" pitchFamily="34" charset="0"/>
-                <a:cs typeface="Times New Roman" panose="02020603050405020304" pitchFamily="18" charset="0"/>
-              </a:rPr>
-              <a:t>It is found that electromagnetic brakes can develop a </a:t>
-            </a:r>
-            <a:r>
-              <a:rPr lang="en-US" sz="2100" b="1" dirty="0" smtClean="0">
-                <a:latin typeface="Calibri" panose="020F0502020204030204" pitchFamily="34" charset="0"/>
-                <a:ea typeface="Calibri" panose="020F0502020204030204" pitchFamily="34" charset="0"/>
-                <a:cs typeface="Times New Roman" panose="02020603050405020304" pitchFamily="18" charset="0"/>
-              </a:rPr>
-              <a:t>negative power</a:t>
-            </a:r>
-            <a:r>
-              <a:rPr lang="en-US" sz="2100" dirty="0" smtClean="0">
-                <a:latin typeface="Calibri" panose="020F0502020204030204" pitchFamily="34" charset="0"/>
-                <a:ea typeface="Calibri" panose="020F0502020204030204" pitchFamily="34" charset="0"/>
-                <a:cs typeface="Times New Roman" panose="02020603050405020304" pitchFamily="18" charset="0"/>
-              </a:rPr>
-              <a:t> which represents nearly </a:t>
-            </a:r>
-            <a:r>
-              <a:rPr lang="en-US" sz="2100" b="1" dirty="0" smtClean="0">
-                <a:latin typeface="Calibri" panose="020F0502020204030204" pitchFamily="34" charset="0"/>
-                <a:ea typeface="Calibri" panose="020F0502020204030204" pitchFamily="34" charset="0"/>
-                <a:cs typeface="Times New Roman" panose="02020603050405020304" pitchFamily="18" charset="0"/>
-              </a:rPr>
-              <a:t>twice the maximum power output </a:t>
-            </a:r>
-            <a:r>
-              <a:rPr lang="en-US" sz="2100" dirty="0" smtClean="0">
-                <a:latin typeface="Calibri" panose="020F0502020204030204" pitchFamily="34" charset="0"/>
-                <a:ea typeface="Calibri" panose="020F0502020204030204" pitchFamily="34" charset="0"/>
-                <a:cs typeface="Times New Roman" panose="02020603050405020304" pitchFamily="18" charset="0"/>
-              </a:rPr>
-              <a:t>of a typical engine, and at least three times the braking power of an exhaust brake.</a:t>
-            </a:r>
-          </a:p>
-          <a:p>
-            <a:pPr algn="just"/>
-            <a:r>
-              <a:rPr lang="en-US" sz="2100" dirty="0" smtClean="0">
-                <a:latin typeface="Calibri" panose="020F0502020204030204" pitchFamily="34" charset="0"/>
-                <a:ea typeface="Calibri" panose="020F0502020204030204" pitchFamily="34" charset="0"/>
-                <a:cs typeface="Times New Roman" panose="02020603050405020304" pitchFamily="18" charset="0"/>
-              </a:rPr>
-              <a:t>The brake linings would last considerably longer before requiring maintenance and the potentially brake fade problem could be avoided. In research conducted by a truck manufacturer, it was proved that the electromagnetic brake assumed 80% of the duty which would otherwise have been demanded of the regular service brake.</a:t>
-            </a:r>
-          </a:p>
-          <a:p>
-            <a:pPr algn="just"/>
-            <a:r>
-              <a:rPr lang="en-US" sz="2100" dirty="0" smtClean="0">
-                <a:latin typeface="Calibri" panose="020F0502020204030204" pitchFamily="34" charset="0"/>
-                <a:ea typeface="Calibri" panose="020F0502020204030204" pitchFamily="34" charset="0"/>
-                <a:cs typeface="Times New Roman" panose="02020603050405020304" pitchFamily="18" charset="0"/>
-              </a:rPr>
-              <a:t>It relay on the efficiency of engine components for its use, so do exhaust and hydrokinetic brakes. The exhaust brake is an on/off device and </a:t>
-            </a:r>
-            <a:r>
-              <a:rPr lang="en-US" sz="2100" b="1" dirty="0" smtClean="0">
-                <a:latin typeface="Calibri" panose="020F0502020204030204" pitchFamily="34" charset="0"/>
-                <a:ea typeface="Calibri" panose="020F0502020204030204" pitchFamily="34" charset="0"/>
-                <a:cs typeface="Times New Roman" panose="02020603050405020304" pitchFamily="18" charset="0"/>
-              </a:rPr>
-              <a:t>hydrokinetic brakes </a:t>
-            </a:r>
-            <a:r>
-              <a:rPr lang="en-US" sz="2100" dirty="0" smtClean="0">
-                <a:latin typeface="Calibri" panose="020F0502020204030204" pitchFamily="34" charset="0"/>
-                <a:ea typeface="Calibri" panose="020F0502020204030204" pitchFamily="34" charset="0"/>
-                <a:cs typeface="Times New Roman" panose="02020603050405020304" pitchFamily="18" charset="0"/>
-              </a:rPr>
-              <a:t>have very complex control system.</a:t>
-            </a:r>
-          </a:p>
-          <a:p>
-            <a:pPr algn="just"/>
-            <a:r>
-              <a:rPr lang="en-US" sz="2100" dirty="0" smtClean="0">
-                <a:latin typeface="Calibri" panose="020F0502020204030204" pitchFamily="34" charset="0"/>
-                <a:ea typeface="Calibri" panose="020F0502020204030204" pitchFamily="34" charset="0"/>
-                <a:cs typeface="Times New Roman" panose="02020603050405020304" pitchFamily="18" charset="0"/>
-              </a:rPr>
-              <a:t>The electromagnetic brake control system is an electric switching system which gives it superior controllability.</a:t>
-            </a:r>
-          </a:p>
-          <a:p>
-            <a:pPr algn="just"/>
-            <a:r>
-              <a:rPr lang="en-US" sz="2100" dirty="0" smtClean="0">
-                <a:latin typeface="Calibri" panose="020F0502020204030204" pitchFamily="34" charset="0"/>
-                <a:ea typeface="Calibri" panose="020F0502020204030204" pitchFamily="34" charset="0"/>
-                <a:cs typeface="Times New Roman" panose="02020603050405020304" pitchFamily="18" charset="0"/>
-              </a:rPr>
-              <a:t>The installation of an electromagnetic brake is not very difficult if there is enough space between the </a:t>
-            </a:r>
-            <a:r>
-              <a:rPr lang="en-US" sz="2100" b="1" dirty="0" smtClean="0">
-                <a:latin typeface="Calibri" panose="020F0502020204030204" pitchFamily="34" charset="0"/>
-                <a:ea typeface="Calibri" panose="020F0502020204030204" pitchFamily="34" charset="0"/>
-                <a:cs typeface="Times New Roman" panose="02020603050405020304" pitchFamily="18" charset="0"/>
-              </a:rPr>
-              <a:t>gearbox</a:t>
-            </a:r>
-            <a:r>
-              <a:rPr lang="en-US" sz="2100" dirty="0" smtClean="0">
-                <a:latin typeface="Calibri" panose="020F0502020204030204" pitchFamily="34" charset="0"/>
-                <a:ea typeface="Calibri" panose="020F0502020204030204" pitchFamily="34" charset="0"/>
-                <a:cs typeface="Times New Roman" panose="02020603050405020304" pitchFamily="18" charset="0"/>
-              </a:rPr>
-              <a:t> and the </a:t>
-            </a:r>
-            <a:r>
-              <a:rPr lang="en-US" sz="2100" b="1" dirty="0" smtClean="0">
-                <a:latin typeface="Calibri" panose="020F0502020204030204" pitchFamily="34" charset="0"/>
-                <a:ea typeface="Calibri" panose="020F0502020204030204" pitchFamily="34" charset="0"/>
-                <a:cs typeface="Times New Roman" panose="02020603050405020304" pitchFamily="18" charset="0"/>
-              </a:rPr>
-              <a:t>rear axle</a:t>
-            </a:r>
-            <a:r>
-              <a:rPr lang="en-US" sz="2100" dirty="0" smtClean="0">
-                <a:latin typeface="Calibri" panose="020F0502020204030204" pitchFamily="34" charset="0"/>
-                <a:ea typeface="Calibri" panose="020F0502020204030204" pitchFamily="34" charset="0"/>
-                <a:cs typeface="Times New Roman" panose="02020603050405020304" pitchFamily="18" charset="0"/>
-              </a:rPr>
-              <a:t>.</a:t>
-            </a:r>
+            <a:pPr algn="just">
+              <a:buFont typeface="Wingdings" pitchFamily="2" charset="2"/>
+              <a:buChar char="Ø"/>
+            </a:pPr>
+            <a:r>
+              <a:rPr lang="en-US" sz="2100" dirty="0" smtClean="0"/>
+              <a:t>The vehicle tracking system is a total security and </a:t>
+            </a:r>
+            <a:r>
+              <a:rPr lang="en-US" sz="2100" b="1" dirty="0" smtClean="0"/>
+              <a:t>fleet management solution</a:t>
+            </a:r>
+            <a:r>
+              <a:rPr lang="en-US" sz="2100" dirty="0" smtClean="0"/>
+              <a:t>. </a:t>
+            </a:r>
+          </a:p>
+          <a:p>
+            <a:pPr algn="just">
+              <a:buFont typeface="Wingdings" pitchFamily="2" charset="2"/>
+              <a:buChar char="Ø"/>
+            </a:pPr>
             <a:endParaRPr lang="en-US" sz="2100" dirty="0" smtClean="0"/>
+          </a:p>
+          <a:p>
+            <a:pPr algn="just">
+              <a:buFont typeface="Wingdings" pitchFamily="2" charset="2"/>
+              <a:buChar char="Ø"/>
+            </a:pPr>
+            <a:r>
+              <a:rPr lang="en-US" sz="2100" dirty="0" smtClean="0"/>
+              <a:t>Determine the </a:t>
+            </a:r>
+            <a:r>
+              <a:rPr lang="en-US" sz="2100" b="1" dirty="0" smtClean="0"/>
+              <a:t>location of a vehicle </a:t>
+            </a:r>
+            <a:r>
+              <a:rPr lang="en-US" sz="2100" dirty="0" smtClean="0"/>
+              <a:t>using different methods like </a:t>
+            </a:r>
+            <a:r>
+              <a:rPr lang="en-US" sz="2100" b="1" dirty="0" smtClean="0"/>
+              <a:t>GPS and other navigation system operating via satellite and ground based stations</a:t>
+            </a:r>
+            <a:r>
+              <a:rPr lang="en-US" sz="2100" dirty="0" smtClean="0"/>
+              <a:t>. </a:t>
+            </a:r>
+          </a:p>
+          <a:p>
+            <a:pPr algn="just">
+              <a:buFont typeface="Wingdings" pitchFamily="2" charset="2"/>
+              <a:buChar char="Ø"/>
+            </a:pPr>
+            <a:endParaRPr lang="en-US" sz="2100" dirty="0" smtClean="0"/>
+          </a:p>
+          <a:p>
+            <a:pPr algn="just">
+              <a:buFont typeface="Wingdings" pitchFamily="2" charset="2"/>
+              <a:buChar char="Ø"/>
+            </a:pPr>
+            <a:r>
+              <a:rPr lang="en-US" sz="2100" dirty="0" smtClean="0"/>
+              <a:t>The vehicle tracking system is fitted inside the car that provides effective </a:t>
+            </a:r>
+            <a:r>
+              <a:rPr lang="en-US" sz="2100" b="1" dirty="0" smtClean="0"/>
+              <a:t>real time location </a:t>
+            </a:r>
+            <a:r>
+              <a:rPr lang="en-US" sz="2100" dirty="0" smtClean="0"/>
+              <a:t>and </a:t>
+            </a:r>
+            <a:r>
+              <a:rPr lang="en-US" sz="2100" b="1" dirty="0" smtClean="0"/>
+              <a:t>data</a:t>
+            </a:r>
+            <a:r>
+              <a:rPr lang="en-US" sz="2100" dirty="0" smtClean="0"/>
+              <a:t> can even be stored and downloaded to a computer which can be used for analysis in future. </a:t>
+            </a:r>
+          </a:p>
+          <a:p>
+            <a:pPr algn="just">
+              <a:buFont typeface="Wingdings" pitchFamily="2" charset="2"/>
+              <a:buChar char="Ø"/>
+            </a:pPr>
+            <a:endParaRPr lang="en-US" sz="2100" dirty="0" smtClean="0"/>
+          </a:p>
+          <a:p>
+            <a:pPr algn="just">
+              <a:buFont typeface="Wingdings" pitchFamily="2" charset="2"/>
+              <a:buChar char="Ø"/>
+            </a:pPr>
+            <a:r>
+              <a:rPr lang="en-US" sz="2100" dirty="0" smtClean="0"/>
+              <a:t>The vehicle unit incorporates the hardware part that is the </a:t>
+            </a:r>
+            <a:r>
+              <a:rPr lang="en-US" sz="2100" b="1" dirty="0" smtClean="0"/>
+              <a:t>DES MC300 Series (model 328)</a:t>
+            </a:r>
+            <a:r>
+              <a:rPr lang="en-US" sz="2100" dirty="0" smtClean="0"/>
+              <a:t>, </a:t>
+            </a:r>
+            <a:r>
+              <a:rPr lang="en-US" sz="2100" b="1" dirty="0" smtClean="0"/>
+              <a:t>GPS</a:t>
+            </a:r>
+            <a:r>
+              <a:rPr lang="en-US" sz="2100" dirty="0" smtClean="0"/>
+              <a:t> and </a:t>
+            </a:r>
+            <a:r>
+              <a:rPr lang="en-US" sz="2100" b="1" dirty="0" smtClean="0"/>
+              <a:t>GSM modem </a:t>
+            </a:r>
+            <a:r>
+              <a:rPr lang="en-US" sz="2100" dirty="0" smtClean="0"/>
+              <a:t>kept inside the vehicle that is to be tracked.</a:t>
+            </a:r>
+          </a:p>
+          <a:p>
+            <a:pPr algn="just">
+              <a:buFont typeface="Wingdings" pitchFamily="2" charset="2"/>
+              <a:buChar char="Ø"/>
+            </a:pPr>
+            <a:endParaRPr lang="en-US" sz="2100" dirty="0" smtClean="0"/>
+          </a:p>
+          <a:p>
+            <a:pPr algn="just">
+              <a:buFont typeface="Wingdings" pitchFamily="2" charset="2"/>
+              <a:buChar char="Ø"/>
+            </a:pPr>
+            <a:r>
+              <a:rPr lang="en-US" sz="2100" b="1" dirty="0" smtClean="0"/>
+              <a:t>Closely monitor vehicle in real time as well as to check the history of vehicles movements</a:t>
+            </a:r>
+            <a:r>
+              <a:rPr lang="en-US" sz="2100" dirty="0" smtClean="0"/>
+              <a:t>. </a:t>
+            </a:r>
           </a:p>
         </p:txBody>
       </p:sp>
@@ -9595,7 +10064,7 @@
                 </a:solidFill>
                 <a:latin typeface="Russo One" pitchFamily="2" charset="0"/>
               </a:rPr>
-              <a:t>LITERATURE REVIEW OF ADVANCE SMART GPS SYSTEM :</a:t>
+              <a:t>HISTORY OF ADVANCE SMART GPS SYSTEM :</a:t>
             </a:r>
             <a:endParaRPr lang="en-US" sz="2100" dirty="0">
               <a:solidFill>
@@ -9622,7 +10091,7 @@
         <p:spPr>
           <a:xfrm>
             <a:off x="457200" y="838200"/>
-            <a:ext cx="8229600" cy="5867400"/>
+            <a:ext cx="8229600" cy="5791200"/>
           </a:xfrm>
         </p:spPr>
         <p:txBody>
@@ -9631,138 +10100,158 @@
           </a:bodyPr>
           <a:lstStyle/>
           <a:p>
-            <a:pPr algn="just"/>
-            <a:r>
-              <a:rPr lang="en-IN" sz="2100" dirty="0" smtClean="0"/>
-              <a:t>Nowadays GPS units are great tracking devices that help fleet managers stay in control of their business. The applications in today’s GPS units make it possible to take full control of any company</a:t>
-            </a:r>
-            <a:r>
-              <a:rPr lang="en-IN" sz="2100" dirty="0" smtClean="0"/>
+            <a:pPr algn="just">
+              <a:buFont typeface="Wingdings" pitchFamily="2" charset="2"/>
+              <a:buChar char="Ø"/>
+            </a:pPr>
+            <a:r>
+              <a:rPr lang="en-US" sz="2100" b="1" dirty="0" smtClean="0"/>
+              <a:t>Global Positioning Systems (GPS) </a:t>
+            </a:r>
+            <a:r>
+              <a:rPr lang="en-US" sz="2100" dirty="0" smtClean="0"/>
+              <a:t>were designed by the </a:t>
+            </a:r>
+            <a:r>
+              <a:rPr lang="en-US" sz="2100" b="1" dirty="0" smtClean="0"/>
+              <a:t>United States Government and military</a:t>
+            </a:r>
+            <a:r>
+              <a:rPr lang="en-US" sz="2100" dirty="0" smtClean="0"/>
+              <a:t>, which the design was intended to be used as </a:t>
+            </a:r>
+            <a:r>
+              <a:rPr lang="en-US" sz="2100" b="1" dirty="0" smtClean="0"/>
+              <a:t>surveillance</a:t>
+            </a:r>
+            <a:r>
+              <a:rPr lang="en-US" sz="2100" dirty="0" smtClean="0"/>
+              <a:t>. </a:t>
+            </a:r>
+          </a:p>
+          <a:p>
+            <a:pPr algn="just">
+              <a:buFont typeface="Wingdings" pitchFamily="2" charset="2"/>
+              <a:buChar char="Ø"/>
+            </a:pPr>
+            <a:r>
+              <a:rPr lang="en-US" sz="2100" dirty="0" smtClean="0"/>
+              <a:t>Primarily used for </a:t>
+            </a:r>
+            <a:r>
+              <a:rPr lang="en-US" sz="2100" b="1" dirty="0" smtClean="0"/>
+              <a:t>navigation purposes</a:t>
+            </a:r>
+            <a:r>
+              <a:rPr lang="en-US" sz="2100" dirty="0" smtClean="0"/>
+              <a:t>. At that time, the GPS project cost approximately </a:t>
+            </a:r>
+            <a:r>
+              <a:rPr lang="en-US" sz="2100" b="1" dirty="0" smtClean="0"/>
+              <a:t>$12 billion</a:t>
+            </a:r>
+            <a:r>
+              <a:rPr lang="en-US" sz="2100" dirty="0" smtClean="0"/>
+              <a:t> for the design and launch of </a:t>
+            </a:r>
+            <a:r>
+              <a:rPr lang="en-US" sz="2100" b="1" dirty="0" smtClean="0"/>
+              <a:t>18 satellites</a:t>
+            </a:r>
+            <a:r>
+              <a:rPr lang="en-US" sz="2100" dirty="0" smtClean="0"/>
+              <a:t>, </a:t>
+            </a:r>
+            <a:r>
+              <a:rPr lang="en-US" sz="2100" b="1" dirty="0" smtClean="0"/>
+              <a:t>six in each of the orbital planes spaced 120 degrees apart, and their ground stations</a:t>
+            </a:r>
+            <a:r>
+              <a:rPr lang="en-US" sz="2100" dirty="0" smtClean="0"/>
               <a:t>.</a:t>
             </a:r>
           </a:p>
           <a:p>
-            <a:pPr algn="just"/>
-            <a:endParaRPr lang="en-IN" sz="2100" dirty="0" smtClean="0"/>
-          </a:p>
-          <a:p>
-            <a:pPr algn="just"/>
-            <a:r>
-              <a:rPr lang="en-IN" sz="2100" dirty="0" smtClean="0"/>
-              <a:t>GPS </a:t>
-            </a:r>
-            <a:r>
-              <a:rPr lang="en-IN" sz="2100" dirty="0" smtClean="0"/>
-              <a:t>based vehicle navigation system is implemented. This is done by fetching the information of the vehicle like </a:t>
-            </a:r>
-            <a:r>
-              <a:rPr lang="en-IN" sz="2100" b="1" i="1" dirty="0" smtClean="0"/>
-              <a:t>location</a:t>
-            </a:r>
-            <a:r>
-              <a:rPr lang="en-IN" sz="2100" dirty="0" smtClean="0"/>
-              <a:t>, </a:t>
-            </a:r>
-            <a:r>
-              <a:rPr lang="en-IN" sz="2100" b="1" i="1" dirty="0" smtClean="0"/>
-              <a:t>distance</a:t>
-            </a:r>
-            <a:r>
-              <a:rPr lang="en-IN" sz="2100" dirty="0" smtClean="0"/>
-              <a:t>, etc by using </a:t>
-            </a:r>
-            <a:r>
-              <a:rPr lang="en-IN" sz="2100" b="1" dirty="0" smtClean="0"/>
-              <a:t>GPS</a:t>
-            </a:r>
-            <a:r>
-              <a:rPr lang="en-IN" sz="2100" dirty="0" smtClean="0"/>
+            <a:pPr algn="just">
+              <a:buFont typeface="Wingdings" pitchFamily="2" charset="2"/>
+              <a:buChar char="Ø"/>
+            </a:pPr>
+            <a:r>
+              <a:rPr lang="en-US" sz="2100" dirty="0" smtClean="0"/>
+              <a:t>It was used by </a:t>
+            </a:r>
+            <a:r>
+              <a:rPr lang="en-US" sz="2100" b="1" dirty="0" smtClean="0"/>
+              <a:t>military</a:t>
+            </a:r>
+            <a:r>
+              <a:rPr lang="en-US" sz="2100" dirty="0" smtClean="0"/>
               <a:t> and </a:t>
             </a:r>
             <a:r>
-              <a:rPr lang="en-IN" sz="2100" b="1" dirty="0" smtClean="0"/>
-              <a:t>GSM</a:t>
-            </a:r>
-            <a:r>
-              <a:rPr lang="en-IN" sz="2100" dirty="0" smtClean="0"/>
-              <a:t>.</a:t>
-            </a:r>
-          </a:p>
-          <a:p>
-            <a:pPr algn="just"/>
-            <a:endParaRPr lang="en-IN" sz="2100" dirty="0" smtClean="0"/>
-          </a:p>
-          <a:p>
-            <a:pPr algn="just"/>
-            <a:r>
-              <a:rPr lang="en-IN" sz="2100" dirty="0" smtClean="0"/>
-              <a:t>Then this periodic information of location is transmitted to monitoring or tracking server. This transmitted information is displayed on the display unit by using the DES Global Map to display the vehicle location in the electronic DES Global Map. </a:t>
-            </a:r>
-            <a:endParaRPr lang="en-IN" sz="2100" dirty="0" smtClean="0"/>
-          </a:p>
-          <a:p>
-            <a:pPr algn="just"/>
-            <a:endParaRPr lang="en-IN" sz="2100" dirty="0" smtClean="0"/>
-          </a:p>
-          <a:p>
-            <a:pPr algn="just"/>
-            <a:r>
-              <a:rPr lang="en-US" sz="2100" dirty="0" smtClean="0">
-                <a:latin typeface="Calibri" panose="020F0502020204030204" pitchFamily="34" charset="0"/>
-                <a:ea typeface="Calibri" panose="020F0502020204030204" pitchFamily="34" charset="0"/>
-                <a:cs typeface="Times New Roman" panose="02020603050405020304" pitchFamily="18" charset="0"/>
-              </a:rPr>
-              <a:t>This system can be used in the monitoring our </a:t>
-            </a:r>
-            <a:r>
-              <a:rPr lang="en-US" sz="2100" dirty="0" smtClean="0">
-                <a:latin typeface="Calibri" panose="020F0502020204030204" pitchFamily="34" charset="0"/>
-                <a:ea typeface="Calibri" panose="020F0502020204030204" pitchFamily="34" charset="0"/>
-                <a:cs typeface="Times New Roman" panose="02020603050405020304" pitchFamily="18" charset="0"/>
-              </a:rPr>
-              <a:t>car. </a:t>
-            </a:r>
-            <a:r>
-              <a:rPr lang="en-US" sz="2100" dirty="0" smtClean="0">
-                <a:latin typeface="Calibri" panose="020F0502020204030204" pitchFamily="34" charset="0"/>
-                <a:ea typeface="Calibri" panose="020F0502020204030204" pitchFamily="34" charset="0"/>
-                <a:cs typeface="Times New Roman" panose="02020603050405020304" pitchFamily="18" charset="0"/>
-              </a:rPr>
-              <a:t>This system uses microcontroller powered by </a:t>
-            </a:r>
-            <a:r>
-              <a:rPr lang="en-US" sz="2100" b="1" dirty="0" smtClean="0">
-                <a:latin typeface="Calibri" panose="020F0502020204030204" pitchFamily="34" charset="0"/>
-                <a:ea typeface="Calibri" panose="020F0502020204030204" pitchFamily="34" charset="0"/>
-                <a:cs typeface="Times New Roman" panose="02020603050405020304" pitchFamily="18" charset="0"/>
-              </a:rPr>
-              <a:t>DES MC300 Series (model 328), Global Positioning System (GPS) </a:t>
-            </a:r>
-            <a:r>
-              <a:rPr lang="en-US" sz="2100" dirty="0" smtClean="0">
-                <a:latin typeface="Calibri" panose="020F0502020204030204" pitchFamily="34" charset="0"/>
-                <a:ea typeface="Calibri" panose="020F0502020204030204" pitchFamily="34" charset="0"/>
-                <a:cs typeface="Times New Roman" panose="02020603050405020304" pitchFamily="18" charset="0"/>
-              </a:rPr>
+              <a:rPr lang="en-US" sz="2100" b="1" dirty="0" smtClean="0"/>
+              <a:t>intelligence organizational </a:t>
+            </a:r>
+            <a:r>
+              <a:rPr lang="en-US" sz="2100" dirty="0" smtClean="0"/>
+              <a:t>during the </a:t>
+            </a:r>
+            <a:r>
+              <a:rPr lang="en-US" sz="2100" b="1" dirty="0" smtClean="0"/>
+              <a:t>Cold War</a:t>
+            </a:r>
+            <a:r>
+              <a:rPr lang="en-US" sz="2100" dirty="0" smtClean="0"/>
+              <a:t>, the Soviet-launched spacecraft Sputnik. Since its introduction in the 1960s, GPS has developed into a larger and more advanced satellite network constellation that orbits Earth at fixed points in space to send signals to anyone with a GPS receiver.</a:t>
+            </a:r>
+          </a:p>
+          <a:p>
+            <a:pPr algn="just">
+              <a:buFont typeface="Wingdings" pitchFamily="2" charset="2"/>
+              <a:buChar char="Ø"/>
+            </a:pPr>
+            <a:r>
+              <a:rPr lang="en-US" sz="2100" dirty="0" smtClean="0"/>
+              <a:t>The signals carry a </a:t>
+            </a:r>
+            <a:r>
+              <a:rPr lang="en-US" sz="2100" b="1" dirty="0" smtClean="0"/>
+              <a:t>time code </a:t>
+            </a:r>
+            <a:r>
+              <a:rPr lang="en-US" sz="2100" dirty="0" smtClean="0"/>
               <a:t>and </a:t>
             </a:r>
             <a:r>
-              <a:rPr lang="en-US" sz="2100" b="1" dirty="0" smtClean="0">
-                <a:latin typeface="Calibri" panose="020F0502020204030204" pitchFamily="34" charset="0"/>
-                <a:ea typeface="Calibri" panose="020F0502020204030204" pitchFamily="34" charset="0"/>
-                <a:cs typeface="Times New Roman" panose="02020603050405020304" pitchFamily="18" charset="0"/>
-              </a:rPr>
-              <a:t>Global System for Mobile Communication (GSM)</a:t>
-            </a:r>
-            <a:r>
-              <a:rPr lang="en-US" sz="2100" dirty="0" smtClean="0">
-                <a:latin typeface="Calibri" panose="020F0502020204030204" pitchFamily="34" charset="0"/>
-                <a:ea typeface="Calibri" panose="020F0502020204030204" pitchFamily="34" charset="0"/>
-                <a:cs typeface="Times New Roman" panose="02020603050405020304" pitchFamily="18" charset="0"/>
-              </a:rPr>
-              <a:t>.</a:t>
-            </a:r>
-            <a:endParaRPr lang="en-US" sz="2100" dirty="0" smtClean="0"/>
+              <a:rPr lang="en-US" sz="2100" b="1" dirty="0" smtClean="0"/>
+              <a:t>geographic data point </a:t>
+            </a:r>
+            <a:r>
+              <a:rPr lang="en-US" sz="2100" dirty="0" smtClean="0"/>
+              <a:t>that enables us to display a devices exact position anywhere on the planet. </a:t>
+            </a:r>
+          </a:p>
+          <a:p>
+            <a:pPr algn="just">
+              <a:buFont typeface="Wingdings" pitchFamily="2" charset="2"/>
+              <a:buChar char="Ø"/>
+            </a:pPr>
+            <a:r>
+              <a:rPr lang="en-US" sz="2100" dirty="0" smtClean="0"/>
+              <a:t>They realized that since they knew their exact location on the globe, by measuring the </a:t>
+            </a:r>
+            <a:r>
+              <a:rPr lang="en-US" sz="2100" b="1" dirty="0" smtClean="0"/>
+              <a:t>Doppler distortion </a:t>
+            </a:r>
+            <a:r>
+              <a:rPr lang="en-US" sz="2100" dirty="0" smtClean="0"/>
+              <a:t>it was possible to </a:t>
+            </a:r>
+            <a:r>
+              <a:rPr lang="en-US" sz="2100" b="1" dirty="0" smtClean="0"/>
+              <a:t>pinpoint where the satellite was along its orbit.</a:t>
+            </a:r>
           </a:p>
         </p:txBody>
       </p:sp>
@@ -9865,7 +10354,7 @@
                 </a:solidFill>
                 <a:latin typeface="Russo One" pitchFamily="2" charset="0"/>
               </a:rPr>
-              <a:t>ACTIVE AND PASSIVE TRACKING SYSTEM :</a:t>
+              <a:t>INTRODUCTION OF ELECTROMAGNETIC BRAKE SYSTEM :</a:t>
             </a:r>
             <a:endParaRPr lang="en-US" sz="2100" dirty="0">
               <a:solidFill>
@@ -9903,176 +10392,133 @@
           <a:p>
             <a:pPr algn="just"/>
             <a:r>
-              <a:rPr lang="en-US" sz="2100" dirty="0" smtClean="0">
-                <a:latin typeface="Calibri" panose="020F0502020204030204" pitchFamily="34" charset="0"/>
-                <a:ea typeface="Calibri" panose="020F0502020204030204" pitchFamily="34" charset="0"/>
-                <a:cs typeface="Calibri" panose="020F0502020204030204" pitchFamily="34" charset="0"/>
-              </a:rPr>
-              <a:t>Tracking System is classified as ‘</a:t>
-            </a:r>
-            <a:r>
-              <a:rPr lang="en-US" sz="2100" b="1" dirty="0" smtClean="0">
-                <a:latin typeface="Calibri" panose="020F0502020204030204" pitchFamily="34" charset="0"/>
-                <a:ea typeface="Calibri" panose="020F0502020204030204" pitchFamily="34" charset="0"/>
-                <a:cs typeface="Calibri" panose="020F0502020204030204" pitchFamily="34" charset="0"/>
-              </a:rPr>
-              <a:t>passive</a:t>
-            </a:r>
-            <a:r>
-              <a:rPr lang="en-US" sz="2100" dirty="0" smtClean="0">
-                <a:latin typeface="Calibri" panose="020F0502020204030204" pitchFamily="34" charset="0"/>
-                <a:ea typeface="Calibri" panose="020F0502020204030204" pitchFamily="34" charset="0"/>
-                <a:cs typeface="Calibri" panose="020F0502020204030204" pitchFamily="34" charset="0"/>
-              </a:rPr>
-              <a:t>’ and ‘</a:t>
-            </a:r>
-            <a:r>
-              <a:rPr lang="en-US" sz="2100" b="1" dirty="0" smtClean="0">
-                <a:latin typeface="Calibri" panose="020F0502020204030204" pitchFamily="34" charset="0"/>
-                <a:ea typeface="Calibri" panose="020F0502020204030204" pitchFamily="34" charset="0"/>
-                <a:cs typeface="Calibri" panose="020F0502020204030204" pitchFamily="34" charset="0"/>
-              </a:rPr>
-              <a:t>active</a:t>
-            </a:r>
-            <a:r>
-              <a:rPr lang="en-US" sz="2100" dirty="0" smtClean="0">
-                <a:latin typeface="Calibri" panose="020F0502020204030204" pitchFamily="34" charset="0"/>
-                <a:ea typeface="Calibri" panose="020F0502020204030204" pitchFamily="34" charset="0"/>
-                <a:cs typeface="Calibri" panose="020F0502020204030204" pitchFamily="34" charset="0"/>
-              </a:rPr>
-              <a:t>’. Passive devices store GPS location, speed, heading and also track information like trigger event for key press, door open or close</a:t>
-            </a:r>
-            <a:r>
-              <a:rPr lang="en-US" sz="2100" dirty="0" smtClean="0">
-                <a:latin typeface="Calibri" panose="020F0502020204030204" pitchFamily="34" charset="0"/>
-                <a:ea typeface="Calibri" panose="020F0502020204030204" pitchFamily="34" charset="0"/>
-                <a:cs typeface="Calibri" panose="020F0502020204030204" pitchFamily="34" charset="0"/>
-              </a:rPr>
+              <a:rPr lang="en-US" sz="2100" dirty="0" smtClean="0"/>
+              <a:t>The principle of braking is depending on the conversion of energy that is converted </a:t>
+            </a:r>
+            <a:r>
+              <a:rPr lang="en-US" sz="2100" b="1" dirty="0" smtClean="0"/>
+              <a:t>kinetic energy</a:t>
+            </a:r>
+            <a:r>
+              <a:rPr lang="en-US" sz="2100" dirty="0" smtClean="0"/>
+              <a:t> into </a:t>
+            </a:r>
+            <a:r>
+              <a:rPr lang="en-US" sz="2100" b="1" dirty="0" smtClean="0"/>
+              <a:t>thermal energy form of heat</a:t>
+            </a:r>
+            <a:r>
+              <a:rPr lang="en-US" sz="2100" dirty="0" smtClean="0"/>
               <a:t>.</a:t>
             </a:r>
           </a:p>
           <a:p>
             <a:pPr algn="just"/>
-            <a:endParaRPr lang="en-US" sz="2100" dirty="0" smtClean="0">
-              <a:latin typeface="Calibri" panose="020F0502020204030204" pitchFamily="34" charset="0"/>
-              <a:ea typeface="Calibri" panose="020F0502020204030204" pitchFamily="34" charset="0"/>
-              <a:cs typeface="Calibri" panose="020F0502020204030204" pitchFamily="34" charset="0"/>
-            </a:endParaRPr>
+            <a:endParaRPr lang="en-US" sz="2100" dirty="0" smtClean="0"/>
           </a:p>
           <a:p>
             <a:pPr algn="just"/>
             <a:r>
-              <a:rPr lang="en-US" sz="2100" dirty="0" smtClean="0">
-                <a:latin typeface="Calibri" panose="020F0502020204030204" pitchFamily="34" charset="0"/>
-                <a:ea typeface="Calibri" panose="020F0502020204030204" pitchFamily="34" charset="0"/>
-                <a:cs typeface="Calibri" panose="020F0502020204030204" pitchFamily="34" charset="0"/>
-              </a:rPr>
-              <a:t>Once the vehicle returns to a predetermined point, the device is removed or using </a:t>
-            </a:r>
-            <a:r>
-              <a:rPr lang="en-US" sz="2100" b="1" dirty="0" smtClean="0">
-                <a:latin typeface="Calibri" panose="020F0502020204030204" pitchFamily="34" charset="0"/>
-                <a:ea typeface="Calibri" panose="020F0502020204030204" pitchFamily="34" charset="0"/>
-                <a:cs typeface="Calibri" panose="020F0502020204030204" pitchFamily="34" charset="0"/>
-              </a:rPr>
-              <a:t>WIFI/BLUTOOTH </a:t>
-            </a:r>
-            <a:r>
-              <a:rPr lang="en-US" sz="2100" dirty="0" smtClean="0">
-                <a:latin typeface="Calibri" panose="020F0502020204030204" pitchFamily="34" charset="0"/>
-                <a:ea typeface="Calibri" panose="020F0502020204030204" pitchFamily="34" charset="0"/>
-                <a:cs typeface="Calibri" panose="020F0502020204030204" pitchFamily="34" charset="0"/>
-              </a:rPr>
-              <a:t>etc to transfer data which then analysis with computer. Were as Active devices also collect same data as passive the only difference is it does in real time </a:t>
-            </a:r>
-            <a:r>
-              <a:rPr lang="en-US" sz="2100" b="1" dirty="0" smtClean="0">
-                <a:latin typeface="Calibri" panose="020F0502020204030204" pitchFamily="34" charset="0"/>
-                <a:ea typeface="Calibri" panose="020F0502020204030204" pitchFamily="34" charset="0"/>
-                <a:cs typeface="Calibri" panose="020F0502020204030204" pitchFamily="34" charset="0"/>
-              </a:rPr>
-              <a:t>via cellular or WIFI over Internet</a:t>
-            </a:r>
-            <a:r>
-              <a:rPr lang="en-US" sz="2100" dirty="0" smtClean="0">
-                <a:latin typeface="Calibri" panose="020F0502020204030204" pitchFamily="34" charset="0"/>
-                <a:ea typeface="Calibri" panose="020F0502020204030204" pitchFamily="34" charset="0"/>
-                <a:cs typeface="Calibri" panose="020F0502020204030204" pitchFamily="34" charset="0"/>
-              </a:rPr>
+              <a:rPr lang="en-US" sz="2100" dirty="0" smtClean="0"/>
+              <a:t>In two wheeler </a:t>
+            </a:r>
+            <a:r>
+              <a:rPr lang="en-US" sz="2100" b="1" dirty="0" smtClean="0"/>
+              <a:t>Disc brake</a:t>
+            </a:r>
+            <a:r>
+              <a:rPr lang="en-US" sz="2100" dirty="0" smtClean="0"/>
+              <a:t> and </a:t>
+            </a:r>
+            <a:r>
+              <a:rPr lang="en-US" sz="2100" b="1" dirty="0" smtClean="0"/>
+              <a:t>Drum brake</a:t>
+            </a:r>
+            <a:r>
+              <a:rPr lang="en-US" sz="2100" dirty="0" smtClean="0"/>
+              <a:t> are used in existing system, both braking are contact type braking as well as the </a:t>
+            </a:r>
+            <a:r>
+              <a:rPr lang="en-US" sz="2100" b="1" dirty="0" smtClean="0"/>
+              <a:t>frictional resistance braking</a:t>
+            </a:r>
+            <a:r>
+              <a:rPr lang="en-US" sz="2100" dirty="0" smtClean="0"/>
               <a:t>. </a:t>
             </a:r>
-            <a:endParaRPr lang="en-US" sz="2100" dirty="0" smtClean="0">
-              <a:latin typeface="Calibri" panose="020F0502020204030204" pitchFamily="34" charset="0"/>
-              <a:ea typeface="Calibri" panose="020F0502020204030204" pitchFamily="34" charset="0"/>
-              <a:cs typeface="Calibri" panose="020F0502020204030204" pitchFamily="34" charset="0"/>
-            </a:endParaRPr>
           </a:p>
           <a:p>
             <a:pPr algn="just"/>
-            <a:endParaRPr lang="en-US" sz="2100" dirty="0" smtClean="0">
-              <a:latin typeface="Calibri" panose="020F0502020204030204" pitchFamily="34" charset="0"/>
-              <a:ea typeface="Calibri" panose="020F0502020204030204" pitchFamily="34" charset="0"/>
-              <a:cs typeface="Calibri" panose="020F0502020204030204" pitchFamily="34" charset="0"/>
-            </a:endParaRPr>
+            <a:endParaRPr lang="en-US" sz="2100" dirty="0" smtClean="0"/>
           </a:p>
           <a:p>
             <a:pPr algn="just"/>
             <a:r>
-              <a:rPr lang="en-US" sz="2100" b="1" dirty="0" smtClean="0">
-                <a:latin typeface="Calibri" panose="020F0502020204030204" pitchFamily="34" charset="0"/>
-                <a:ea typeface="Calibri" panose="020F0502020204030204" pitchFamily="34" charset="0"/>
-                <a:cs typeface="Calibri" panose="020F0502020204030204" pitchFamily="34" charset="0"/>
-              </a:rPr>
-              <a:t>Passive </a:t>
-            </a:r>
-            <a:r>
-              <a:rPr lang="en-US" sz="2100" b="1" dirty="0" smtClean="0">
-                <a:latin typeface="Calibri" panose="020F0502020204030204" pitchFamily="34" charset="0"/>
-                <a:ea typeface="Calibri" panose="020F0502020204030204" pitchFamily="34" charset="0"/>
-                <a:cs typeface="Calibri" panose="020F0502020204030204" pitchFamily="34" charset="0"/>
-              </a:rPr>
-              <a:t>trackers do not monitor movement in real time</a:t>
-            </a:r>
-            <a:r>
-              <a:rPr lang="en-US" sz="2100" dirty="0" smtClean="0">
-                <a:latin typeface="Calibri" panose="020F0502020204030204" pitchFamily="34" charset="0"/>
-                <a:ea typeface="Calibri" panose="020F0502020204030204" pitchFamily="34" charset="0"/>
-                <a:cs typeface="Calibri" panose="020F0502020204030204" pitchFamily="34" charset="0"/>
-              </a:rPr>
+              <a:rPr lang="en-US" sz="2100" b="1" dirty="0" smtClean="0"/>
+              <a:t>Eddy current braking systems</a:t>
+            </a:r>
+            <a:r>
+              <a:rPr lang="en-US" sz="2100" dirty="0" smtClean="0"/>
+              <a:t> are a better alternative to the currently used friction based braking systems for instance disk and drum brakes.</a:t>
+            </a:r>
+          </a:p>
+          <a:p>
+            <a:pPr algn="just"/>
+            <a:endParaRPr lang="en-US" sz="2100" dirty="0" smtClean="0"/>
+          </a:p>
+          <a:p>
+            <a:pPr algn="just"/>
+            <a:r>
+              <a:rPr lang="en-US" sz="2100" dirty="0" smtClean="0"/>
+              <a:t>Electromagnetic brakes are the brakes working on the </a:t>
+            </a:r>
+            <a:r>
+              <a:rPr lang="en-US" sz="2100" b="1" dirty="0" smtClean="0"/>
+              <a:t>electric power </a:t>
+            </a:r>
+            <a:r>
+              <a:rPr lang="en-US" sz="2100" dirty="0" smtClean="0"/>
+              <a:t>and </a:t>
+            </a:r>
+            <a:r>
+              <a:rPr lang="en-US" sz="2100" b="1" dirty="0" smtClean="0"/>
+              <a:t>magnetic power</a:t>
+            </a:r>
+            <a:r>
+              <a:rPr lang="en-US" sz="2100" dirty="0" smtClean="0"/>
+              <a:t>. They work on the principle of </a:t>
+            </a:r>
+            <a:r>
+              <a:rPr lang="en-US" sz="2100" b="1" dirty="0" smtClean="0"/>
+              <a:t>electromagnetism</a:t>
+            </a:r>
+            <a:r>
+              <a:rPr lang="en-US" sz="2100" dirty="0" smtClean="0"/>
               <a:t>.</a:t>
             </a:r>
           </a:p>
           <a:p>
             <a:pPr algn="just"/>
-            <a:endParaRPr lang="en-US" sz="2100" dirty="0" smtClean="0">
-              <a:latin typeface="Calibri" panose="020F0502020204030204" pitchFamily="34" charset="0"/>
-              <a:ea typeface="Calibri" panose="020F0502020204030204" pitchFamily="34" charset="0"/>
-              <a:cs typeface="Calibri" panose="020F0502020204030204" pitchFamily="34" charset="0"/>
-            </a:endParaRPr>
+            <a:endParaRPr lang="en-US" sz="2100" dirty="0" smtClean="0"/>
           </a:p>
           <a:p>
             <a:pPr algn="just"/>
             <a:r>
-              <a:rPr lang="en-US" sz="2100" dirty="0" smtClean="0">
-                <a:latin typeface="Calibri" panose="020F0502020204030204" pitchFamily="34" charset="0"/>
-                <a:ea typeface="Calibri" panose="020F0502020204030204" pitchFamily="34" charset="0"/>
-                <a:cs typeface="Times New Roman" panose="02020603050405020304" pitchFamily="18" charset="0"/>
-              </a:rPr>
-              <a:t>The main reason people choose passive trackers is that these devices are less expensive than active trackers. GPS passive device are not attached to a monthly fee, which makes there trackers affordable</a:t>
-            </a:r>
-            <a:r>
-              <a:rPr lang="en-US" sz="2100" dirty="0" smtClean="0">
-                <a:latin typeface="Calibri" panose="020F0502020204030204" pitchFamily="34" charset="0"/>
-                <a:ea typeface="Calibri" panose="020F0502020204030204" pitchFamily="34" charset="0"/>
-                <a:cs typeface="Times New Roman" panose="02020603050405020304" pitchFamily="18" charset="0"/>
-              </a:rPr>
-              <a:t>.</a:t>
-            </a:r>
-            <a:endParaRPr lang="en-US" sz="2100" dirty="0" smtClean="0">
-              <a:latin typeface="Calibri" panose="020F0502020204030204" pitchFamily="34" charset="0"/>
-              <a:ea typeface="Calibri" panose="020F0502020204030204" pitchFamily="34" charset="0"/>
-              <a:cs typeface="Times New Roman" panose="02020603050405020304" pitchFamily="18" charset="0"/>
-            </a:endParaRPr>
+              <a:rPr lang="en-US" sz="2100" dirty="0" smtClean="0"/>
+              <a:t>The original name was </a:t>
+            </a:r>
+            <a:r>
+              <a:rPr lang="en-US" sz="2100" b="1" dirty="0" smtClean="0"/>
+              <a:t>‘Electro Mechanical Brakes’</a:t>
+            </a:r>
+            <a:r>
+              <a:rPr lang="en-US" sz="2100" dirty="0" smtClean="0"/>
+              <a:t> but over the years the name changed to </a:t>
+            </a:r>
+            <a:r>
+              <a:rPr lang="en-US" sz="2100" b="1" dirty="0" smtClean="0"/>
+              <a:t>‘Electromagnetic Brakes’.</a:t>
+            </a:r>
           </a:p>
         </p:txBody>
       </p:sp>
